--- a/pres/06-FP.pptx
+++ b/pres/06-FP.pptx
@@ -25,34 +25,36 @@
     <p:sldId id="305" r:id="rId19"/>
     <p:sldId id="350" r:id="rId20"/>
     <p:sldId id="351" r:id="rId21"/>
-    <p:sldId id="345" r:id="rId22"/>
-    <p:sldId id="346" r:id="rId23"/>
-    <p:sldId id="306" r:id="rId24"/>
-    <p:sldId id="307" r:id="rId25"/>
-    <p:sldId id="313" r:id="rId26"/>
-    <p:sldId id="308" r:id="rId27"/>
-    <p:sldId id="309" r:id="rId28"/>
-    <p:sldId id="316" r:id="rId29"/>
-    <p:sldId id="311" r:id="rId30"/>
-    <p:sldId id="332" r:id="rId31"/>
-    <p:sldId id="333" r:id="rId32"/>
-    <p:sldId id="334" r:id="rId33"/>
-    <p:sldId id="349" r:id="rId34"/>
-    <p:sldId id="336" r:id="rId35"/>
-    <p:sldId id="337" r:id="rId36"/>
-    <p:sldId id="338" r:id="rId37"/>
-    <p:sldId id="339" r:id="rId38"/>
-    <p:sldId id="341" r:id="rId39"/>
-    <p:sldId id="342" r:id="rId40"/>
-    <p:sldId id="343" r:id="rId41"/>
-    <p:sldId id="344" r:id="rId42"/>
-    <p:sldId id="335" r:id="rId43"/>
-    <p:sldId id="340" r:id="rId44"/>
-    <p:sldId id="347" r:id="rId45"/>
-    <p:sldId id="312" r:id="rId46"/>
-    <p:sldId id="314" r:id="rId47"/>
-    <p:sldId id="315" r:id="rId48"/>
-    <p:sldId id="258" r:id="rId49"/>
+    <p:sldId id="353" r:id="rId22"/>
+    <p:sldId id="345" r:id="rId23"/>
+    <p:sldId id="346" r:id="rId24"/>
+    <p:sldId id="306" r:id="rId25"/>
+    <p:sldId id="307" r:id="rId26"/>
+    <p:sldId id="313" r:id="rId27"/>
+    <p:sldId id="308" r:id="rId28"/>
+    <p:sldId id="309" r:id="rId29"/>
+    <p:sldId id="316" r:id="rId30"/>
+    <p:sldId id="311" r:id="rId31"/>
+    <p:sldId id="332" r:id="rId32"/>
+    <p:sldId id="333" r:id="rId33"/>
+    <p:sldId id="334" r:id="rId34"/>
+    <p:sldId id="349" r:id="rId35"/>
+    <p:sldId id="336" r:id="rId36"/>
+    <p:sldId id="337" r:id="rId37"/>
+    <p:sldId id="338" r:id="rId38"/>
+    <p:sldId id="339" r:id="rId39"/>
+    <p:sldId id="341" r:id="rId40"/>
+    <p:sldId id="342" r:id="rId41"/>
+    <p:sldId id="343" r:id="rId42"/>
+    <p:sldId id="344" r:id="rId43"/>
+    <p:sldId id="335" r:id="rId44"/>
+    <p:sldId id="340" r:id="rId45"/>
+    <p:sldId id="347" r:id="rId46"/>
+    <p:sldId id="312" r:id="rId47"/>
+    <p:sldId id="314" r:id="rId48"/>
+    <p:sldId id="315" r:id="rId49"/>
+    <p:sldId id="354" r:id="rId50"/>
+    <p:sldId id="258" r:id="rId51"/>
   </p:sldIdLst>
   <p:sldSz cx="12192000" cy="6858000"/>
   <p:notesSz cx="6858000" cy="9144000"/>
@@ -184,6 +186,7 @@
             <p14:sldId id="305"/>
             <p14:sldId id="350"/>
             <p14:sldId id="351"/>
+            <p14:sldId id="353"/>
           </p14:sldIdLst>
         </p14:section>
         <p14:section name="destructing" id="{8A1BBAA4-4265-4065-9A24-56FCFB1B9669}">
@@ -219,6 +222,7 @@
             <p14:sldId id="312"/>
             <p14:sldId id="314"/>
             <p14:sldId id="315"/>
+            <p14:sldId id="354"/>
           </p14:sldIdLst>
         </p14:section>
         <p14:section name="Conclusion" id="{FAAC3CD8-4D89-4EEB-BC6E-FC3060975D43}">
@@ -1456,7 +1460,7 @@
           <a:p>
             <a:fld id="{EFAAC8F1-21AA-47EF-82D9-7929EA07D29D}" type="datetimeFigureOut">
               <a:rPr lang="ru-RU" smtClean="0"/>
-              <a:t>28.09.2023</a:t>
+              <a:t>25.11.2023</a:t>
             </a:fld>
             <a:endParaRPr lang="ru-RU"/>
           </a:p>
@@ -1656,7 +1660,7 @@
           <a:p>
             <a:fld id="{EFAAC8F1-21AA-47EF-82D9-7929EA07D29D}" type="datetimeFigureOut">
               <a:rPr lang="ru-RU" smtClean="0"/>
-              <a:t>28.09.2023</a:t>
+              <a:t>25.11.2023</a:t>
             </a:fld>
             <a:endParaRPr lang="ru-RU"/>
           </a:p>
@@ -1866,7 +1870,7 @@
           <a:p>
             <a:fld id="{EFAAC8F1-21AA-47EF-82D9-7929EA07D29D}" type="datetimeFigureOut">
               <a:rPr lang="ru-RU" smtClean="0"/>
-              <a:t>28.09.2023</a:t>
+              <a:t>25.11.2023</a:t>
             </a:fld>
             <a:endParaRPr lang="ru-RU"/>
           </a:p>
@@ -2066,7 +2070,7 @@
           <a:p>
             <a:fld id="{EFAAC8F1-21AA-47EF-82D9-7929EA07D29D}" type="datetimeFigureOut">
               <a:rPr lang="ru-RU" smtClean="0"/>
-              <a:t>28.09.2023</a:t>
+              <a:t>25.11.2023</a:t>
             </a:fld>
             <a:endParaRPr lang="ru-RU"/>
           </a:p>
@@ -2342,7 +2346,7 @@
           <a:p>
             <a:fld id="{EFAAC8F1-21AA-47EF-82D9-7929EA07D29D}" type="datetimeFigureOut">
               <a:rPr lang="ru-RU" smtClean="0"/>
-              <a:t>28.09.2023</a:t>
+              <a:t>25.11.2023</a:t>
             </a:fld>
             <a:endParaRPr lang="ru-RU"/>
           </a:p>
@@ -2610,7 +2614,7 @@
           <a:p>
             <a:fld id="{EFAAC8F1-21AA-47EF-82D9-7929EA07D29D}" type="datetimeFigureOut">
               <a:rPr lang="ru-RU" smtClean="0"/>
-              <a:t>28.09.2023</a:t>
+              <a:t>25.11.2023</a:t>
             </a:fld>
             <a:endParaRPr lang="ru-RU"/>
           </a:p>
@@ -3025,7 +3029,7 @@
           <a:p>
             <a:fld id="{EFAAC8F1-21AA-47EF-82D9-7929EA07D29D}" type="datetimeFigureOut">
               <a:rPr lang="ru-RU" smtClean="0"/>
-              <a:t>28.09.2023</a:t>
+              <a:t>25.11.2023</a:t>
             </a:fld>
             <a:endParaRPr lang="ru-RU"/>
           </a:p>
@@ -3167,7 +3171,7 @@
           <a:p>
             <a:fld id="{EFAAC8F1-21AA-47EF-82D9-7929EA07D29D}" type="datetimeFigureOut">
               <a:rPr lang="ru-RU" smtClean="0"/>
-              <a:t>28.09.2023</a:t>
+              <a:t>25.11.2023</a:t>
             </a:fld>
             <a:endParaRPr lang="ru-RU"/>
           </a:p>
@@ -3280,7 +3284,7 @@
           <a:p>
             <a:fld id="{EFAAC8F1-21AA-47EF-82D9-7929EA07D29D}" type="datetimeFigureOut">
               <a:rPr lang="ru-RU" smtClean="0"/>
-              <a:t>28.09.2023</a:t>
+              <a:t>25.11.2023</a:t>
             </a:fld>
             <a:endParaRPr lang="ru-RU"/>
           </a:p>
@@ -3593,7 +3597,7 @@
           <a:p>
             <a:fld id="{EFAAC8F1-21AA-47EF-82D9-7929EA07D29D}" type="datetimeFigureOut">
               <a:rPr lang="ru-RU" smtClean="0"/>
-              <a:t>28.09.2023</a:t>
+              <a:t>25.11.2023</a:t>
             </a:fld>
             <a:endParaRPr lang="ru-RU"/>
           </a:p>
@@ -3882,7 +3886,7 @@
           <a:p>
             <a:fld id="{EFAAC8F1-21AA-47EF-82D9-7929EA07D29D}" type="datetimeFigureOut">
               <a:rPr lang="ru-RU" smtClean="0"/>
-              <a:t>28.09.2023</a:t>
+              <a:t>25.11.2023</a:t>
             </a:fld>
             <a:endParaRPr lang="ru-RU"/>
           </a:p>
@@ -4125,7 +4129,7 @@
           <a:p>
             <a:fld id="{EFAAC8F1-21AA-47EF-82D9-7929EA07D29D}" type="datetimeFigureOut">
               <a:rPr lang="ru-RU" smtClean="0"/>
-              <a:t>28.09.2023</a:t>
+              <a:t>25.11.2023</a:t>
             </a:fld>
             <a:endParaRPr lang="ru-RU"/>
           </a:p>
@@ -15647,6 +15651,2114 @@
           <p:cNvPr id="2" name="Title 1">
             <a:extLst>
               <a:ext uri="{FF2B5EF4-FFF2-40B4-BE49-F238E27FC236}">
+                <a16:creationId xmlns:a16="http://schemas.microsoft.com/office/drawing/2014/main" id="{288067CB-4042-5A49-1B0D-6ED548BCBB8D}"/>
+              </a:ext>
+            </a:extLst>
+          </p:cNvPr>
+          <p:cNvSpPr>
+            <a:spLocks noGrp="1"/>
+          </p:cNvSpPr>
+          <p:nvPr>
+            <p:ph type="title"/>
+          </p:nvPr>
+        </p:nvSpPr>
+        <p:spPr/>
+        <p:txBody>
+          <a:bodyPr/>
+          <a:lstStyle/>
+          <a:p>
+            <a:r>
+              <a:rPr lang="en-US" dirty="0"/>
+              <a:t>Practice: Functions </a:t>
+            </a:r>
+          </a:p>
+        </p:txBody>
+      </p:sp>
+      <p:sp>
+        <p:nvSpPr>
+          <p:cNvPr id="4" name="Content Placeholder 3">
+            <a:extLst>
+              <a:ext uri="{FF2B5EF4-FFF2-40B4-BE49-F238E27FC236}">
+                <a16:creationId xmlns:a16="http://schemas.microsoft.com/office/drawing/2014/main" id="{273467B3-8FA2-B22A-FF2A-5BD98E14A9B3}"/>
+              </a:ext>
+            </a:extLst>
+          </p:cNvPr>
+          <p:cNvSpPr>
+            <a:spLocks noGrp="1"/>
+          </p:cNvSpPr>
+          <p:nvPr>
+            <p:ph sz="half" idx="1"/>
+          </p:nvPr>
+        </p:nvSpPr>
+        <p:spPr/>
+        <p:txBody>
+          <a:bodyPr>
+            <a:normAutofit fontScale="77500" lnSpcReduction="20000"/>
+          </a:bodyPr>
+          <a:lstStyle/>
+          <a:p>
+            <a:pPr marL="0" indent="0">
+              <a:buNone/>
+            </a:pPr>
+            <a:r>
+              <a:rPr kumimoji="0" lang="en-US" altLang="en-US" sz="2800" b="0" i="0" u="none" strike="noStrike" cap="none" normalizeH="0" baseline="0" dirty="0">
+                <a:ln>
+                  <a:noFill/>
+                </a:ln>
+                <a:solidFill>
+                  <a:srgbClr val="080808"/>
+                </a:solidFill>
+                <a:effectLst/>
+                <a:latin typeface="JetBrains Mono"/>
+              </a:rPr>
+              <a:t>execute1(</a:t>
+            </a:r>
+            <a:r>
+              <a:rPr kumimoji="0" lang="en-US" altLang="en-US" sz="2800" b="0" i="1" u="none" strike="noStrike" cap="none" normalizeH="0" baseline="0" dirty="0">
+                <a:ln>
+                  <a:noFill/>
+                </a:ln>
+                <a:solidFill>
+                  <a:srgbClr val="8C8C8C"/>
+                </a:solidFill>
+                <a:effectLst/>
+                <a:latin typeface="JetBrains Mono"/>
+              </a:rPr>
+              <a:t>/* no closure required, just execute </a:t>
+            </a:r>
+            <a:r>
+              <a:rPr kumimoji="0" lang="en-US" altLang="en-US" sz="2800" b="0" i="1" u="none" strike="noStrike" cap="none" normalizeH="0" baseline="0" dirty="0" err="1">
+                <a:ln>
+                  <a:noFill/>
+                </a:ln>
+                <a:solidFill>
+                  <a:srgbClr val="8C8C8C"/>
+                </a:solidFill>
+                <a:effectLst/>
+                <a:latin typeface="JetBrains Mono"/>
+              </a:rPr>
+              <a:t>to_string</a:t>
+            </a:r>
+            <a:r>
+              <a:rPr kumimoji="0" lang="en-US" altLang="en-US" sz="2800" b="0" i="1" u="none" strike="noStrike" cap="none" normalizeH="0" baseline="0" dirty="0">
+                <a:ln>
+                  <a:noFill/>
+                </a:ln>
+                <a:solidFill>
+                  <a:srgbClr val="8C8C8C"/>
+                </a:solidFill>
+                <a:effectLst/>
+                <a:latin typeface="JetBrains Mono"/>
+              </a:rPr>
+              <a:t>() */</a:t>
+            </a:r>
+            <a:r>
+              <a:rPr kumimoji="0" lang="en-US" altLang="en-US" sz="2800" b="0" i="0" u="none" strike="noStrike" cap="none" normalizeH="0" baseline="0" dirty="0">
+                <a:ln>
+                  <a:noFill/>
+                </a:ln>
+                <a:solidFill>
+                  <a:srgbClr val="080808"/>
+                </a:solidFill>
+                <a:effectLst/>
+                <a:latin typeface="JetBrains Mono"/>
+              </a:rPr>
+              <a:t>);</a:t>
+            </a:r>
+            <a:br>
+              <a:rPr kumimoji="0" lang="en-US" altLang="en-US" sz="2800" b="0" i="0" u="none" strike="noStrike" cap="none" normalizeH="0" baseline="0" dirty="0">
+                <a:ln>
+                  <a:noFill/>
+                </a:ln>
+                <a:solidFill>
+                  <a:srgbClr val="080808"/>
+                </a:solidFill>
+                <a:effectLst/>
+                <a:latin typeface="JetBrains Mono"/>
+              </a:rPr>
+            </a:br>
+            <a:br>
+              <a:rPr kumimoji="0" lang="en-US" altLang="en-US" sz="2800" b="0" i="0" u="none" strike="noStrike" cap="none" normalizeH="0" baseline="0" dirty="0">
+                <a:ln>
+                  <a:noFill/>
+                </a:ln>
+                <a:solidFill>
+                  <a:srgbClr val="080808"/>
+                </a:solidFill>
+                <a:effectLst/>
+                <a:latin typeface="JetBrains Mono"/>
+              </a:rPr>
+            </a:br>
+            <a:r>
+              <a:rPr kumimoji="0" lang="en-US" altLang="en-US" sz="2800" b="0" i="0" u="none" strike="noStrike" cap="none" normalizeH="0" baseline="0" dirty="0">
+                <a:ln>
+                  <a:noFill/>
+                </a:ln>
+                <a:solidFill>
+                  <a:srgbClr val="0033B3"/>
+                </a:solidFill>
+                <a:effectLst/>
+                <a:latin typeface="JetBrains Mono"/>
+              </a:rPr>
+              <a:t>let </a:t>
+            </a:r>
+            <a:r>
+              <a:rPr kumimoji="0" lang="en-US" altLang="en-US" sz="2800" b="0" i="0" u="none" strike="noStrike" cap="none" normalizeH="0" baseline="0" dirty="0">
+                <a:ln>
+                  <a:noFill/>
+                </a:ln>
+                <a:solidFill>
+                  <a:srgbClr val="808080"/>
+                </a:solidFill>
+                <a:effectLst/>
+                <a:latin typeface="JetBrains Mono"/>
+              </a:rPr>
+              <a:t>mut </a:t>
+            </a:r>
+            <a:r>
+              <a:rPr kumimoji="0" lang="en-US" altLang="en-US" sz="2800" b="0" i="0" u="none" strike="noStrike" cap="none" normalizeH="0" baseline="0" dirty="0" err="1">
+                <a:ln>
+                  <a:noFill/>
+                </a:ln>
+                <a:solidFill>
+                  <a:srgbClr val="000000"/>
+                </a:solidFill>
+                <a:effectLst/>
+                <a:latin typeface="JetBrains Mono"/>
+              </a:rPr>
+              <a:t>my_string</a:t>
+            </a:r>
+            <a:r>
+              <a:rPr kumimoji="0" lang="en-US" altLang="en-US" sz="2800" b="0" i="0" u="none" strike="noStrike" cap="none" normalizeH="0" baseline="0" dirty="0">
+                <a:ln>
+                  <a:noFill/>
+                </a:ln>
+                <a:solidFill>
+                  <a:srgbClr val="000000"/>
+                </a:solidFill>
+                <a:effectLst/>
+                <a:latin typeface="JetBrains Mono"/>
+              </a:rPr>
+              <a:t> </a:t>
+            </a:r>
+            <a:r>
+              <a:rPr kumimoji="0" lang="en-US" altLang="en-US" sz="2800" b="0" i="0" u="none" strike="noStrike" cap="none" normalizeH="0" baseline="0" dirty="0">
+                <a:ln>
+                  <a:noFill/>
+                </a:ln>
+                <a:solidFill>
+                  <a:srgbClr val="080808"/>
+                </a:solidFill>
+                <a:effectLst/>
+                <a:latin typeface="JetBrains Mono"/>
+              </a:rPr>
+              <a:t>= </a:t>
+            </a:r>
+            <a:r>
+              <a:rPr kumimoji="0" lang="en-US" altLang="en-US" sz="2800" b="0" i="0" u="none" strike="noStrike" cap="none" normalizeH="0" baseline="0" dirty="0">
+                <a:ln>
+                  <a:noFill/>
+                </a:ln>
+                <a:solidFill>
+                  <a:srgbClr val="000000"/>
+                </a:solidFill>
+                <a:effectLst/>
+                <a:latin typeface="JetBrains Mono"/>
+              </a:rPr>
+              <a:t>String</a:t>
+            </a:r>
+            <a:r>
+              <a:rPr kumimoji="0" lang="en-US" altLang="en-US" sz="2800" b="0" i="0" u="none" strike="noStrike" cap="none" normalizeH="0" baseline="0" dirty="0">
+                <a:ln>
+                  <a:noFill/>
+                </a:ln>
+                <a:solidFill>
+                  <a:srgbClr val="080808"/>
+                </a:solidFill>
+                <a:effectLst/>
+                <a:latin typeface="JetBrains Mono"/>
+              </a:rPr>
+              <a:t>::</a:t>
+            </a:r>
+            <a:r>
+              <a:rPr kumimoji="0" lang="en-US" altLang="en-US" sz="2800" b="0" i="1" u="none" strike="noStrike" cap="none" normalizeH="0" baseline="0" dirty="0">
+                <a:ln>
+                  <a:noFill/>
+                </a:ln>
+                <a:solidFill>
+                  <a:srgbClr val="00627A"/>
+                </a:solidFill>
+                <a:effectLst/>
+                <a:latin typeface="JetBrains Mono"/>
+              </a:rPr>
+              <a:t>from</a:t>
+            </a:r>
+            <a:r>
+              <a:rPr kumimoji="0" lang="en-US" altLang="en-US" sz="2800" b="0" i="0" u="none" strike="noStrike" cap="none" normalizeH="0" baseline="0" dirty="0">
+                <a:ln>
+                  <a:noFill/>
+                </a:ln>
+                <a:solidFill>
+                  <a:srgbClr val="080808"/>
+                </a:solidFill>
+                <a:effectLst/>
+                <a:latin typeface="JetBrains Mono"/>
+              </a:rPr>
+              <a:t>(</a:t>
+            </a:r>
+            <a:r>
+              <a:rPr kumimoji="0" lang="en-US" altLang="en-US" sz="2800" b="0" i="0" u="none" strike="noStrike" cap="none" normalizeH="0" baseline="0" dirty="0">
+                <a:ln>
+                  <a:noFill/>
+                </a:ln>
+                <a:solidFill>
+                  <a:srgbClr val="067D17"/>
+                </a:solidFill>
+                <a:effectLst/>
+                <a:latin typeface="JetBrains Mono"/>
+              </a:rPr>
+              <a:t>"something"</a:t>
+            </a:r>
+            <a:r>
+              <a:rPr kumimoji="0" lang="en-US" altLang="en-US" sz="2800" b="0" i="0" u="none" strike="noStrike" cap="none" normalizeH="0" baseline="0" dirty="0">
+                <a:ln>
+                  <a:noFill/>
+                </a:ln>
+                <a:solidFill>
+                  <a:srgbClr val="080808"/>
+                </a:solidFill>
+                <a:effectLst/>
+                <a:latin typeface="JetBrains Mono"/>
+              </a:rPr>
+              <a:t>);</a:t>
+            </a:r>
+            <a:br>
+              <a:rPr kumimoji="0" lang="en-US" altLang="en-US" sz="2800" b="0" i="0" u="none" strike="noStrike" cap="none" normalizeH="0" baseline="0" dirty="0">
+                <a:ln>
+                  <a:noFill/>
+                </a:ln>
+                <a:solidFill>
+                  <a:srgbClr val="080808"/>
+                </a:solidFill>
+                <a:effectLst/>
+                <a:latin typeface="JetBrains Mono"/>
+              </a:rPr>
+            </a:br>
+            <a:br>
+              <a:rPr kumimoji="0" lang="en-US" altLang="en-US" sz="2800" b="0" i="0" u="none" strike="noStrike" cap="none" normalizeH="0" baseline="0" dirty="0">
+                <a:ln>
+                  <a:noFill/>
+                </a:ln>
+                <a:solidFill>
+                  <a:srgbClr val="080808"/>
+                </a:solidFill>
+                <a:effectLst/>
+                <a:latin typeface="JetBrains Mono"/>
+              </a:rPr>
+            </a:br>
+            <a:r>
+              <a:rPr kumimoji="0" lang="en-US" altLang="en-US" sz="2800" b="0" i="0" u="none" strike="noStrike" cap="none" normalizeH="0" baseline="0" dirty="0">
+                <a:ln>
+                  <a:noFill/>
+                </a:ln>
+                <a:solidFill>
+                  <a:srgbClr val="080808"/>
+                </a:solidFill>
+                <a:effectLst/>
+                <a:latin typeface="JetBrains Mono"/>
+              </a:rPr>
+              <a:t>execute2(</a:t>
+            </a:r>
+            <a:r>
+              <a:rPr kumimoji="0" lang="en-US" altLang="en-US" sz="2800" b="0" i="1" u="none" strike="noStrike" cap="none" normalizeH="0" baseline="0" dirty="0">
+                <a:ln>
+                  <a:noFill/>
+                </a:ln>
+                <a:solidFill>
+                  <a:srgbClr val="8C8C8C"/>
+                </a:solidFill>
+                <a:effectLst/>
+                <a:latin typeface="JetBrains Mono"/>
+              </a:rPr>
+              <a:t>/* you should return </a:t>
+            </a:r>
+            <a:r>
+              <a:rPr kumimoji="0" lang="en-US" altLang="en-US" sz="2800" b="0" i="1" u="none" strike="noStrike" cap="none" normalizeH="0" baseline="0" dirty="0" err="1">
+                <a:ln>
+                  <a:noFill/>
+                </a:ln>
+                <a:solidFill>
+                  <a:srgbClr val="8C8C8C"/>
+                </a:solidFill>
+                <a:effectLst/>
+                <a:latin typeface="JetBrains Mono"/>
+              </a:rPr>
+              <a:t>my_string.len</a:t>
+            </a:r>
+            <a:r>
+              <a:rPr kumimoji="0" lang="en-US" altLang="en-US" sz="2800" b="0" i="1" u="none" strike="noStrike" cap="none" normalizeH="0" baseline="0" dirty="0">
+                <a:ln>
+                  <a:noFill/>
+                </a:ln>
+                <a:solidFill>
+                  <a:srgbClr val="8C8C8C"/>
+                </a:solidFill>
+                <a:effectLst/>
+                <a:latin typeface="JetBrains Mono"/>
+              </a:rPr>
+              <a:t>() in lambda */</a:t>
+            </a:r>
+            <a:r>
+              <a:rPr kumimoji="0" lang="en-US" altLang="en-US" sz="2800" b="0" i="0" u="none" strike="noStrike" cap="none" normalizeH="0" baseline="0" dirty="0">
+                <a:ln>
+                  <a:noFill/>
+                </a:ln>
+                <a:solidFill>
+                  <a:srgbClr val="080808"/>
+                </a:solidFill>
+                <a:effectLst/>
+                <a:latin typeface="JetBrains Mono"/>
+              </a:rPr>
+              <a:t>);</a:t>
+            </a:r>
+            <a:br>
+              <a:rPr kumimoji="0" lang="en-US" altLang="en-US" sz="2800" b="0" i="0" u="none" strike="noStrike" cap="none" normalizeH="0" baseline="0" dirty="0">
+                <a:ln>
+                  <a:noFill/>
+                </a:ln>
+                <a:solidFill>
+                  <a:srgbClr val="080808"/>
+                </a:solidFill>
+                <a:effectLst/>
+                <a:latin typeface="JetBrains Mono"/>
+              </a:rPr>
+            </a:br>
+            <a:br>
+              <a:rPr kumimoji="0" lang="en-US" altLang="en-US" sz="2800" b="0" i="0" u="none" strike="noStrike" cap="none" normalizeH="0" baseline="0" dirty="0">
+                <a:ln>
+                  <a:noFill/>
+                </a:ln>
+                <a:solidFill>
+                  <a:srgbClr val="080808"/>
+                </a:solidFill>
+                <a:effectLst/>
+                <a:latin typeface="JetBrains Mono"/>
+              </a:rPr>
+            </a:br>
+            <a:r>
+              <a:rPr kumimoji="0" lang="en-US" altLang="en-US" sz="2800" b="0" i="0" u="none" strike="noStrike" cap="none" normalizeH="0" baseline="0" dirty="0">
+                <a:ln>
+                  <a:noFill/>
+                </a:ln>
+                <a:solidFill>
+                  <a:srgbClr val="080808"/>
+                </a:solidFill>
+                <a:effectLst/>
+                <a:latin typeface="JetBrains Mono"/>
+              </a:rPr>
+              <a:t>execute3(</a:t>
+            </a:r>
+            <a:r>
+              <a:rPr kumimoji="0" lang="en-US" altLang="en-US" sz="2800" b="0" i="1" u="none" strike="noStrike" cap="none" normalizeH="0" baseline="0" dirty="0">
+                <a:ln>
+                  <a:noFill/>
+                </a:ln>
+                <a:solidFill>
+                  <a:srgbClr val="8C8C8C"/>
+                </a:solidFill>
+                <a:effectLst/>
+                <a:latin typeface="JetBrains Mono"/>
+              </a:rPr>
+              <a:t>/* execute </a:t>
+            </a:r>
+            <a:r>
+              <a:rPr kumimoji="0" lang="en-US" altLang="en-US" sz="2800" b="0" i="1" u="none" strike="noStrike" cap="none" normalizeH="0" baseline="0" dirty="0" err="1">
+                <a:ln>
+                  <a:noFill/>
+                </a:ln>
+                <a:solidFill>
+                  <a:srgbClr val="8C8C8C"/>
+                </a:solidFill>
+                <a:effectLst/>
+                <a:latin typeface="JetBrains Mono"/>
+              </a:rPr>
+              <a:t>my_string.push_str</a:t>
+            </a:r>
+            <a:r>
+              <a:rPr kumimoji="0" lang="en-US" altLang="en-US" sz="2800" b="0" i="1" u="none" strike="noStrike" cap="none" normalizeH="0" baseline="0" dirty="0">
+                <a:ln>
+                  <a:noFill/>
+                </a:ln>
+                <a:solidFill>
+                  <a:srgbClr val="8C8C8C"/>
+                </a:solidFill>
+                <a:effectLst/>
+                <a:latin typeface="JetBrains Mono"/>
+              </a:rPr>
+              <a:t>(&amp;append) in lambda */</a:t>
+            </a:r>
+            <a:r>
+              <a:rPr kumimoji="0" lang="en-US" altLang="en-US" sz="2800" b="0" i="0" u="none" strike="noStrike" cap="none" normalizeH="0" baseline="0" dirty="0">
+                <a:ln>
+                  <a:noFill/>
+                </a:ln>
+                <a:solidFill>
+                  <a:srgbClr val="080808"/>
+                </a:solidFill>
+                <a:effectLst/>
+                <a:latin typeface="JetBrains Mono"/>
+              </a:rPr>
+              <a:t>);</a:t>
+            </a:r>
+            <a:br>
+              <a:rPr kumimoji="0" lang="en-US" altLang="en-US" sz="2800" b="0" i="0" u="none" strike="noStrike" cap="none" normalizeH="0" baseline="0" dirty="0">
+                <a:ln>
+                  <a:noFill/>
+                </a:ln>
+                <a:solidFill>
+                  <a:srgbClr val="080808"/>
+                </a:solidFill>
+                <a:effectLst/>
+                <a:latin typeface="JetBrains Mono"/>
+              </a:rPr>
+            </a:br>
+            <a:br>
+              <a:rPr kumimoji="0" lang="en-US" altLang="en-US" sz="2800" b="0" i="0" u="none" strike="noStrike" cap="none" normalizeH="0" baseline="0" dirty="0">
+                <a:ln>
+                  <a:noFill/>
+                </a:ln>
+                <a:solidFill>
+                  <a:srgbClr val="080808"/>
+                </a:solidFill>
+                <a:effectLst/>
+                <a:latin typeface="JetBrains Mono"/>
+              </a:rPr>
+            </a:br>
+            <a:r>
+              <a:rPr kumimoji="0" lang="en-US" altLang="en-US" sz="2800" b="0" i="0" u="none" strike="noStrike" cap="none" normalizeH="0" baseline="0" dirty="0">
+                <a:ln>
+                  <a:noFill/>
+                </a:ln>
+                <a:solidFill>
+                  <a:srgbClr val="080808"/>
+                </a:solidFill>
+                <a:effectLst/>
+                <a:latin typeface="JetBrains Mono"/>
+              </a:rPr>
+              <a:t>execute4(</a:t>
+            </a:r>
+            <a:r>
+              <a:rPr kumimoji="0" lang="en-US" altLang="en-US" sz="2800" b="0" i="1" u="none" strike="noStrike" cap="none" normalizeH="0" baseline="0" dirty="0">
+                <a:ln>
+                  <a:noFill/>
+                </a:ln>
+                <a:solidFill>
+                  <a:srgbClr val="8C8C8C"/>
+                </a:solidFill>
+                <a:effectLst/>
+                <a:latin typeface="JetBrains Mono"/>
+              </a:rPr>
+              <a:t>/* use move semantic */</a:t>
+            </a:r>
+            <a:r>
+              <a:rPr kumimoji="0" lang="en-US" altLang="en-US" sz="2800" b="0" i="0" u="none" strike="noStrike" cap="none" normalizeH="0" baseline="0" dirty="0">
+                <a:ln>
+                  <a:noFill/>
+                </a:ln>
+                <a:solidFill>
+                  <a:srgbClr val="080808"/>
+                </a:solidFill>
+                <a:effectLst/>
+                <a:latin typeface="JetBrains Mono"/>
+              </a:rPr>
+              <a:t>);</a:t>
+            </a:r>
+            <a:endParaRPr kumimoji="0" lang="en-US" altLang="en-US" sz="5400" b="0" i="0" u="none" strike="noStrike" cap="none" normalizeH="0" baseline="0" dirty="0">
+              <a:ln>
+                <a:noFill/>
+              </a:ln>
+              <a:solidFill>
+                <a:schemeClr val="tx1"/>
+              </a:solidFill>
+              <a:effectLst/>
+              <a:latin typeface="Arial" panose="020B0604020202020204" pitchFamily="34" charset="0"/>
+            </a:endParaRPr>
+          </a:p>
+          <a:p>
+            <a:pPr marL="0" indent="0">
+              <a:buNone/>
+            </a:pPr>
+            <a:endParaRPr lang="en-US" dirty="0"/>
+          </a:p>
+        </p:txBody>
+      </p:sp>
+      <p:sp>
+        <p:nvSpPr>
+          <p:cNvPr id="5" name="Content Placeholder 4">
+            <a:extLst>
+              <a:ext uri="{FF2B5EF4-FFF2-40B4-BE49-F238E27FC236}">
+                <a16:creationId xmlns:a16="http://schemas.microsoft.com/office/drawing/2014/main" id="{03E3D13B-2A84-878A-1531-63BB346931B2}"/>
+              </a:ext>
+            </a:extLst>
+          </p:cNvPr>
+          <p:cNvSpPr>
+            <a:spLocks noGrp="1"/>
+          </p:cNvSpPr>
+          <p:nvPr>
+            <p:ph sz="half" idx="2"/>
+          </p:nvPr>
+        </p:nvSpPr>
+        <p:spPr/>
+        <p:txBody>
+          <a:bodyPr>
+            <a:normAutofit fontScale="77500" lnSpcReduction="20000"/>
+          </a:bodyPr>
+          <a:lstStyle/>
+          <a:p>
+            <a:pPr marL="0" indent="0">
+              <a:buNone/>
+            </a:pPr>
+            <a:r>
+              <a:rPr kumimoji="0" lang="en-US" altLang="en-US" sz="2800" b="0" i="0" u="none" strike="noStrike" cap="none" normalizeH="0" baseline="0" dirty="0" err="1">
+                <a:ln>
+                  <a:noFill/>
+                </a:ln>
+                <a:solidFill>
+                  <a:srgbClr val="0033B3"/>
+                </a:solidFill>
+                <a:effectLst/>
+                <a:latin typeface="JetBrains Mono"/>
+              </a:rPr>
+              <a:t>fn</a:t>
+            </a:r>
+            <a:r>
+              <a:rPr kumimoji="0" lang="en-US" altLang="en-US" sz="2800" b="0" i="0" u="none" strike="noStrike" cap="none" normalizeH="0" baseline="0" dirty="0">
+                <a:ln>
+                  <a:noFill/>
+                </a:ln>
+                <a:solidFill>
+                  <a:srgbClr val="0033B3"/>
+                </a:solidFill>
+                <a:effectLst/>
+                <a:latin typeface="JetBrains Mono"/>
+              </a:rPr>
+              <a:t> </a:t>
+            </a:r>
+            <a:r>
+              <a:rPr kumimoji="0" lang="en-US" altLang="en-US" sz="2800" b="0" i="0" u="none" strike="noStrike" cap="none" normalizeH="0" baseline="0" dirty="0">
+                <a:ln>
+                  <a:noFill/>
+                </a:ln>
+                <a:solidFill>
+                  <a:srgbClr val="00627A"/>
+                </a:solidFill>
+                <a:effectLst/>
+                <a:latin typeface="JetBrains Mono"/>
+              </a:rPr>
+              <a:t>execute1</a:t>
+            </a:r>
+            <a:r>
+              <a:rPr kumimoji="0" lang="en-US" altLang="en-US" sz="2800" b="0" i="0" u="none" strike="noStrike" cap="none" normalizeH="0" baseline="0" dirty="0">
+                <a:ln>
+                  <a:noFill/>
+                </a:ln>
+                <a:solidFill>
+                  <a:srgbClr val="080808"/>
+                </a:solidFill>
+                <a:effectLst/>
+                <a:latin typeface="JetBrains Mono"/>
+              </a:rPr>
+              <a:t>(</a:t>
+            </a:r>
+            <a:r>
+              <a:rPr kumimoji="0" lang="en-US" altLang="en-US" sz="2800" b="0" i="0" u="none" strike="noStrike" cap="none" normalizeH="0" baseline="0" dirty="0" err="1">
+                <a:ln>
+                  <a:noFill/>
+                </a:ln>
+                <a:solidFill>
+                  <a:srgbClr val="080808"/>
+                </a:solidFill>
+                <a:effectLst/>
+                <a:latin typeface="JetBrains Mono"/>
+              </a:rPr>
+              <a:t>func</a:t>
+            </a:r>
+            <a:r>
+              <a:rPr kumimoji="0" lang="en-US" altLang="en-US" sz="2800" b="0" i="0" u="none" strike="noStrike" cap="none" normalizeH="0" baseline="0" dirty="0">
+                <a:ln>
+                  <a:noFill/>
+                </a:ln>
+                <a:solidFill>
+                  <a:srgbClr val="080808"/>
+                </a:solidFill>
+                <a:effectLst/>
+                <a:latin typeface="JetBrains Mono"/>
+              </a:rPr>
+              <a:t>: ???) {</a:t>
+            </a:r>
+            <a:br>
+              <a:rPr kumimoji="0" lang="en-US" altLang="en-US" sz="2800" b="0" i="0" u="none" strike="noStrike" cap="none" normalizeH="0" baseline="0" dirty="0">
+                <a:ln>
+                  <a:noFill/>
+                </a:ln>
+                <a:solidFill>
+                  <a:srgbClr val="080808"/>
+                </a:solidFill>
+                <a:effectLst/>
+                <a:latin typeface="JetBrains Mono"/>
+              </a:rPr>
+            </a:br>
+            <a:r>
+              <a:rPr kumimoji="0" lang="en-US" altLang="en-US" sz="2800" b="0" i="0" u="none" strike="noStrike" cap="none" normalizeH="0" baseline="0" dirty="0">
+                <a:ln>
+                  <a:noFill/>
+                </a:ln>
+                <a:solidFill>
+                  <a:srgbClr val="080808"/>
+                </a:solidFill>
+                <a:effectLst/>
+                <a:latin typeface="JetBrains Mono"/>
+              </a:rPr>
+              <a:t>    </a:t>
+            </a:r>
+            <a:r>
+              <a:rPr kumimoji="0" lang="en-US" altLang="en-US" sz="2800" b="0" i="0" u="none" strike="noStrike" cap="none" normalizeH="0" baseline="0" dirty="0">
+                <a:ln>
+                  <a:noFill/>
+                </a:ln>
+                <a:solidFill>
+                  <a:srgbClr val="0033B3"/>
+                </a:solidFill>
+                <a:effectLst/>
+                <a:latin typeface="JetBrains Mono"/>
+              </a:rPr>
+              <a:t>let </a:t>
+            </a:r>
+            <a:r>
+              <a:rPr kumimoji="0" lang="en-US" altLang="en-US" sz="2800" b="0" i="0" u="none" strike="noStrike" cap="none" normalizeH="0" baseline="0" dirty="0">
+                <a:ln>
+                  <a:noFill/>
+                </a:ln>
+                <a:solidFill>
+                  <a:srgbClr val="000000"/>
+                </a:solidFill>
+                <a:effectLst/>
+                <a:latin typeface="JetBrains Mono"/>
+              </a:rPr>
+              <a:t>result </a:t>
+            </a:r>
+            <a:r>
+              <a:rPr kumimoji="0" lang="en-US" altLang="en-US" sz="2800" b="0" i="0" u="none" strike="noStrike" cap="none" normalizeH="0" baseline="0" dirty="0">
+                <a:ln>
+                  <a:noFill/>
+                </a:ln>
+                <a:solidFill>
+                  <a:srgbClr val="080808"/>
+                </a:solidFill>
+                <a:effectLst/>
+                <a:latin typeface="JetBrains Mono"/>
+              </a:rPr>
+              <a:t>= </a:t>
+            </a:r>
+            <a:r>
+              <a:rPr kumimoji="0" lang="en-US" altLang="en-US" sz="2800" b="0" i="0" u="none" strike="noStrike" cap="none" normalizeH="0" baseline="0" dirty="0" err="1">
+                <a:ln>
+                  <a:noFill/>
+                </a:ln>
+                <a:solidFill>
+                  <a:srgbClr val="080808"/>
+                </a:solidFill>
+                <a:effectLst/>
+                <a:latin typeface="JetBrains Mono"/>
+              </a:rPr>
+              <a:t>func</a:t>
+            </a:r>
+            <a:r>
+              <a:rPr kumimoji="0" lang="en-US" altLang="en-US" sz="2800" b="0" i="0" u="none" strike="noStrike" cap="none" normalizeH="0" baseline="0" dirty="0">
+                <a:ln>
+                  <a:noFill/>
+                </a:ln>
+                <a:solidFill>
+                  <a:srgbClr val="080808"/>
+                </a:solidFill>
+                <a:effectLst/>
+                <a:latin typeface="JetBrains Mono"/>
+              </a:rPr>
+              <a:t>(</a:t>
+            </a:r>
+            <a:r>
+              <a:rPr kumimoji="0" lang="en-US" altLang="en-US" sz="2800" b="0" i="0" u="none" strike="noStrike" cap="none" normalizeH="0" baseline="0" dirty="0">
+                <a:ln>
+                  <a:noFill/>
+                </a:ln>
+                <a:solidFill>
+                  <a:srgbClr val="1750EB"/>
+                </a:solidFill>
+                <a:effectLst/>
+                <a:latin typeface="JetBrains Mono"/>
+              </a:rPr>
+              <a:t>42</a:t>
+            </a:r>
+            <a:r>
+              <a:rPr kumimoji="0" lang="en-US" altLang="en-US" sz="2800" b="0" i="0" u="none" strike="noStrike" cap="none" normalizeH="0" baseline="0" dirty="0">
+                <a:ln>
+                  <a:noFill/>
+                </a:ln>
+                <a:solidFill>
+                  <a:srgbClr val="080808"/>
+                </a:solidFill>
+                <a:effectLst/>
+                <a:latin typeface="JetBrains Mono"/>
+              </a:rPr>
+              <a:t>);</a:t>
+            </a:r>
+            <a:br>
+              <a:rPr kumimoji="0" lang="en-US" altLang="en-US" sz="2800" b="0" i="0" u="none" strike="noStrike" cap="none" normalizeH="0" baseline="0" dirty="0">
+                <a:ln>
+                  <a:noFill/>
+                </a:ln>
+                <a:solidFill>
+                  <a:srgbClr val="080808"/>
+                </a:solidFill>
+                <a:effectLst/>
+                <a:latin typeface="JetBrains Mono"/>
+              </a:rPr>
+            </a:br>
+            <a:r>
+              <a:rPr kumimoji="0" lang="en-US" altLang="en-US" sz="2800" b="0" i="0" u="none" strike="noStrike" cap="none" normalizeH="0" baseline="0" dirty="0">
+                <a:ln>
+                  <a:noFill/>
+                </a:ln>
+                <a:solidFill>
+                  <a:srgbClr val="080808"/>
+                </a:solidFill>
+                <a:effectLst/>
+                <a:latin typeface="JetBrains Mono"/>
+              </a:rPr>
+              <a:t>    </a:t>
+            </a:r>
+            <a:r>
+              <a:rPr kumimoji="0" lang="en-US" altLang="en-US" sz="2800" b="0" i="0" u="none" strike="noStrike" cap="none" normalizeH="0" baseline="0" dirty="0" err="1">
+                <a:ln>
+                  <a:noFill/>
+                </a:ln>
+                <a:solidFill>
+                  <a:srgbClr val="DD6718"/>
+                </a:solidFill>
+                <a:effectLst/>
+                <a:latin typeface="JetBrains Mono"/>
+              </a:rPr>
+              <a:t>assert_eq</a:t>
+            </a:r>
+            <a:r>
+              <a:rPr kumimoji="0" lang="en-US" altLang="en-US" sz="2800" b="0" i="0" u="none" strike="noStrike" cap="none" normalizeH="0" baseline="0" dirty="0">
+                <a:ln>
+                  <a:noFill/>
+                </a:ln>
+                <a:solidFill>
+                  <a:srgbClr val="DD6718"/>
+                </a:solidFill>
+                <a:effectLst/>
+                <a:latin typeface="JetBrains Mono"/>
+              </a:rPr>
+              <a:t>!</a:t>
+            </a:r>
+            <a:r>
+              <a:rPr kumimoji="0" lang="en-US" altLang="en-US" sz="2800" b="0" i="0" u="none" strike="noStrike" cap="none" normalizeH="0" baseline="0" dirty="0">
+                <a:ln>
+                  <a:noFill/>
+                </a:ln>
+                <a:solidFill>
+                  <a:srgbClr val="080808"/>
+                </a:solidFill>
+                <a:effectLst/>
+                <a:latin typeface="JetBrains Mono"/>
+              </a:rPr>
+              <a:t>(</a:t>
+            </a:r>
+            <a:r>
+              <a:rPr kumimoji="0" lang="en-US" altLang="en-US" sz="2800" b="0" i="0" u="none" strike="noStrike" cap="none" normalizeH="0" baseline="0" dirty="0">
+                <a:ln>
+                  <a:noFill/>
+                </a:ln>
+                <a:solidFill>
+                  <a:srgbClr val="067D17"/>
+                </a:solidFill>
+                <a:effectLst/>
+                <a:latin typeface="JetBrains Mono"/>
+              </a:rPr>
+              <a:t>"42"</a:t>
+            </a:r>
+            <a:r>
+              <a:rPr kumimoji="0" lang="en-US" altLang="en-US" sz="2800" b="0" i="0" u="none" strike="noStrike" cap="none" normalizeH="0" baseline="0" dirty="0">
+                <a:ln>
+                  <a:noFill/>
+                </a:ln>
+                <a:solidFill>
+                  <a:srgbClr val="080808"/>
+                </a:solidFill>
+                <a:effectLst/>
+                <a:latin typeface="JetBrains Mono"/>
+              </a:rPr>
+              <a:t>, </a:t>
+            </a:r>
+            <a:r>
+              <a:rPr kumimoji="0" lang="en-US" altLang="en-US" sz="2800" b="0" i="0" u="none" strike="noStrike" cap="none" normalizeH="0" baseline="0" dirty="0">
+                <a:ln>
+                  <a:noFill/>
+                </a:ln>
+                <a:solidFill>
+                  <a:srgbClr val="000000"/>
+                </a:solidFill>
+                <a:effectLst/>
+                <a:latin typeface="JetBrains Mono"/>
+              </a:rPr>
+              <a:t>result</a:t>
+            </a:r>
+            <a:r>
+              <a:rPr kumimoji="0" lang="en-US" altLang="en-US" sz="2800" b="0" i="0" u="none" strike="noStrike" cap="none" normalizeH="0" baseline="0" dirty="0">
+                <a:ln>
+                  <a:noFill/>
+                </a:ln>
+                <a:solidFill>
+                  <a:srgbClr val="080808"/>
+                </a:solidFill>
+                <a:effectLst/>
+                <a:latin typeface="JetBrains Mono"/>
+              </a:rPr>
+              <a:t>);</a:t>
+            </a:r>
+            <a:br>
+              <a:rPr kumimoji="0" lang="en-US" altLang="en-US" sz="2800" b="0" i="0" u="none" strike="noStrike" cap="none" normalizeH="0" baseline="0" dirty="0">
+                <a:ln>
+                  <a:noFill/>
+                </a:ln>
+                <a:solidFill>
+                  <a:srgbClr val="080808"/>
+                </a:solidFill>
+                <a:effectLst/>
+                <a:latin typeface="JetBrains Mono"/>
+              </a:rPr>
+            </a:br>
+            <a:r>
+              <a:rPr kumimoji="0" lang="en-US" altLang="en-US" sz="2800" b="0" i="0" u="none" strike="noStrike" cap="none" normalizeH="0" baseline="0" dirty="0">
+                <a:ln>
+                  <a:noFill/>
+                </a:ln>
+                <a:solidFill>
+                  <a:srgbClr val="080808"/>
+                </a:solidFill>
+                <a:effectLst/>
+                <a:latin typeface="JetBrains Mono"/>
+              </a:rPr>
+              <a:t>}</a:t>
+            </a:r>
+            <a:br>
+              <a:rPr kumimoji="0" lang="en-US" altLang="en-US" sz="2800" b="0" i="0" u="none" strike="noStrike" cap="none" normalizeH="0" baseline="0" dirty="0">
+                <a:ln>
+                  <a:noFill/>
+                </a:ln>
+                <a:solidFill>
+                  <a:srgbClr val="080808"/>
+                </a:solidFill>
+                <a:effectLst/>
+                <a:latin typeface="JetBrains Mono"/>
+              </a:rPr>
+            </a:br>
+            <a:br>
+              <a:rPr kumimoji="0" lang="en-US" altLang="en-US" sz="2800" b="0" i="0" u="none" strike="noStrike" cap="none" normalizeH="0" baseline="0" dirty="0">
+                <a:ln>
+                  <a:noFill/>
+                </a:ln>
+                <a:solidFill>
+                  <a:srgbClr val="080808"/>
+                </a:solidFill>
+                <a:effectLst/>
+                <a:latin typeface="JetBrains Mono"/>
+              </a:rPr>
+            </a:br>
+            <a:r>
+              <a:rPr kumimoji="0" lang="en-US" altLang="en-US" sz="2800" b="0" i="0" u="none" strike="noStrike" cap="none" normalizeH="0" baseline="0" dirty="0" err="1">
+                <a:ln>
+                  <a:noFill/>
+                </a:ln>
+                <a:solidFill>
+                  <a:srgbClr val="0033B3"/>
+                </a:solidFill>
+                <a:effectLst/>
+                <a:latin typeface="JetBrains Mono"/>
+              </a:rPr>
+              <a:t>fn</a:t>
+            </a:r>
+            <a:r>
+              <a:rPr kumimoji="0" lang="en-US" altLang="en-US" sz="2800" b="0" i="0" u="none" strike="noStrike" cap="none" normalizeH="0" baseline="0" dirty="0">
+                <a:ln>
+                  <a:noFill/>
+                </a:ln>
+                <a:solidFill>
+                  <a:srgbClr val="0033B3"/>
+                </a:solidFill>
+                <a:effectLst/>
+                <a:latin typeface="JetBrains Mono"/>
+              </a:rPr>
+              <a:t> </a:t>
+            </a:r>
+            <a:r>
+              <a:rPr kumimoji="0" lang="en-US" altLang="en-US" sz="2800" b="0" i="0" u="none" strike="noStrike" cap="none" normalizeH="0" baseline="0" dirty="0">
+                <a:ln>
+                  <a:noFill/>
+                </a:ln>
+                <a:solidFill>
+                  <a:srgbClr val="00627A"/>
+                </a:solidFill>
+                <a:effectLst/>
+                <a:latin typeface="JetBrains Mono"/>
+              </a:rPr>
+              <a:t>execute2</a:t>
+            </a:r>
+            <a:r>
+              <a:rPr kumimoji="0" lang="en-US" altLang="en-US" sz="2800" b="0" i="0" u="none" strike="noStrike" cap="none" normalizeH="0" baseline="0" dirty="0">
+                <a:ln>
+                  <a:noFill/>
+                </a:ln>
+                <a:solidFill>
+                  <a:srgbClr val="080808"/>
+                </a:solidFill>
+                <a:effectLst/>
+                <a:latin typeface="JetBrains Mono"/>
+              </a:rPr>
+              <a:t>(</a:t>
+            </a:r>
+            <a:r>
+              <a:rPr kumimoji="0" lang="en-US" altLang="en-US" sz="2800" b="0" i="0" u="none" strike="noStrike" cap="none" normalizeH="0" baseline="0" dirty="0" err="1">
+                <a:ln>
+                  <a:noFill/>
+                </a:ln>
+                <a:solidFill>
+                  <a:srgbClr val="080808"/>
+                </a:solidFill>
+                <a:effectLst/>
+                <a:latin typeface="JetBrains Mono"/>
+              </a:rPr>
+              <a:t>func</a:t>
+            </a:r>
+            <a:r>
+              <a:rPr kumimoji="0" lang="en-US" altLang="en-US" sz="2800" b="0" i="0" u="none" strike="noStrike" cap="none" normalizeH="0" baseline="0" dirty="0">
+                <a:ln>
+                  <a:noFill/>
+                </a:ln>
+                <a:solidFill>
+                  <a:srgbClr val="080808"/>
+                </a:solidFill>
+                <a:effectLst/>
+                <a:latin typeface="JetBrains Mono"/>
+              </a:rPr>
+              <a:t>: ???) {</a:t>
+            </a:r>
+            <a:br>
+              <a:rPr kumimoji="0" lang="en-US" altLang="en-US" sz="2800" b="0" i="0" u="none" strike="noStrike" cap="none" normalizeH="0" baseline="0" dirty="0">
+                <a:ln>
+                  <a:noFill/>
+                </a:ln>
+                <a:solidFill>
+                  <a:srgbClr val="080808"/>
+                </a:solidFill>
+                <a:effectLst/>
+                <a:latin typeface="JetBrains Mono"/>
+              </a:rPr>
+            </a:br>
+            <a:r>
+              <a:rPr kumimoji="0" lang="en-US" altLang="en-US" sz="2800" b="0" i="0" u="none" strike="noStrike" cap="none" normalizeH="0" baseline="0" dirty="0">
+                <a:ln>
+                  <a:noFill/>
+                </a:ln>
+                <a:solidFill>
+                  <a:srgbClr val="080808"/>
+                </a:solidFill>
+                <a:effectLst/>
+                <a:latin typeface="JetBrains Mono"/>
+              </a:rPr>
+              <a:t>    </a:t>
+            </a:r>
+            <a:r>
+              <a:rPr kumimoji="0" lang="en-US" altLang="en-US" sz="2800" b="0" i="0" u="none" strike="noStrike" cap="none" normalizeH="0" baseline="0" dirty="0">
+                <a:ln>
+                  <a:noFill/>
+                </a:ln>
+                <a:solidFill>
+                  <a:srgbClr val="0033B3"/>
+                </a:solidFill>
+                <a:effectLst/>
+                <a:latin typeface="JetBrains Mono"/>
+              </a:rPr>
+              <a:t>let </a:t>
+            </a:r>
+            <a:r>
+              <a:rPr kumimoji="0" lang="en-US" altLang="en-US" sz="2800" b="0" i="0" u="none" strike="noStrike" cap="none" normalizeH="0" baseline="0" dirty="0" err="1">
+                <a:ln>
+                  <a:noFill/>
+                </a:ln>
+                <a:solidFill>
+                  <a:srgbClr val="000000"/>
+                </a:solidFill>
+                <a:effectLst/>
+                <a:latin typeface="JetBrains Mono"/>
+              </a:rPr>
+              <a:t>string_len</a:t>
+            </a:r>
+            <a:r>
+              <a:rPr kumimoji="0" lang="en-US" altLang="en-US" sz="2800" b="0" i="0" u="none" strike="noStrike" cap="none" normalizeH="0" baseline="0" dirty="0">
+                <a:ln>
+                  <a:noFill/>
+                </a:ln>
+                <a:solidFill>
+                  <a:srgbClr val="000000"/>
+                </a:solidFill>
+                <a:effectLst/>
+                <a:latin typeface="JetBrains Mono"/>
+              </a:rPr>
+              <a:t> </a:t>
+            </a:r>
+            <a:r>
+              <a:rPr kumimoji="0" lang="en-US" altLang="en-US" sz="2800" b="0" i="0" u="none" strike="noStrike" cap="none" normalizeH="0" baseline="0" dirty="0">
+                <a:ln>
+                  <a:noFill/>
+                </a:ln>
+                <a:solidFill>
+                  <a:srgbClr val="080808"/>
+                </a:solidFill>
+                <a:effectLst/>
+                <a:latin typeface="JetBrains Mono"/>
+              </a:rPr>
+              <a:t>= </a:t>
+            </a:r>
+            <a:r>
+              <a:rPr kumimoji="0" lang="en-US" altLang="en-US" sz="2800" b="0" i="0" u="none" strike="noStrike" cap="none" normalizeH="0" baseline="0" dirty="0" err="1">
+                <a:ln>
+                  <a:noFill/>
+                </a:ln>
+                <a:solidFill>
+                  <a:srgbClr val="080808"/>
+                </a:solidFill>
+                <a:effectLst/>
+                <a:latin typeface="JetBrains Mono"/>
+              </a:rPr>
+              <a:t>func</a:t>
+            </a:r>
+            <a:r>
+              <a:rPr kumimoji="0" lang="en-US" altLang="en-US" sz="2800" b="0" i="0" u="none" strike="noStrike" cap="none" normalizeH="0" baseline="0" dirty="0">
+                <a:ln>
+                  <a:noFill/>
+                </a:ln>
+                <a:solidFill>
+                  <a:srgbClr val="080808"/>
+                </a:solidFill>
+                <a:effectLst/>
+                <a:latin typeface="JetBrains Mono"/>
+              </a:rPr>
+              <a:t>();</a:t>
+            </a:r>
+            <a:br>
+              <a:rPr kumimoji="0" lang="en-US" altLang="en-US" sz="2800" b="0" i="0" u="none" strike="noStrike" cap="none" normalizeH="0" baseline="0" dirty="0">
+                <a:ln>
+                  <a:noFill/>
+                </a:ln>
+                <a:solidFill>
+                  <a:srgbClr val="080808"/>
+                </a:solidFill>
+                <a:effectLst/>
+                <a:latin typeface="JetBrains Mono"/>
+              </a:rPr>
+            </a:br>
+            <a:r>
+              <a:rPr kumimoji="0" lang="en-US" altLang="en-US" sz="2800" b="0" i="0" u="none" strike="noStrike" cap="none" normalizeH="0" baseline="0" dirty="0">
+                <a:ln>
+                  <a:noFill/>
+                </a:ln>
+                <a:solidFill>
+                  <a:srgbClr val="080808"/>
+                </a:solidFill>
+                <a:effectLst/>
+                <a:latin typeface="JetBrains Mono"/>
+              </a:rPr>
+              <a:t>    </a:t>
+            </a:r>
+            <a:r>
+              <a:rPr kumimoji="0" lang="en-US" altLang="en-US" sz="2800" b="0" i="0" u="none" strike="noStrike" cap="none" normalizeH="0" baseline="0" dirty="0" err="1">
+                <a:ln>
+                  <a:noFill/>
+                </a:ln>
+                <a:solidFill>
+                  <a:srgbClr val="DD6718"/>
+                </a:solidFill>
+                <a:effectLst/>
+                <a:latin typeface="JetBrains Mono"/>
+              </a:rPr>
+              <a:t>assert_eq</a:t>
+            </a:r>
+            <a:r>
+              <a:rPr kumimoji="0" lang="en-US" altLang="en-US" sz="2800" b="0" i="0" u="none" strike="noStrike" cap="none" normalizeH="0" baseline="0" dirty="0">
+                <a:ln>
+                  <a:noFill/>
+                </a:ln>
+                <a:solidFill>
+                  <a:srgbClr val="DD6718"/>
+                </a:solidFill>
+                <a:effectLst/>
+                <a:latin typeface="JetBrains Mono"/>
+              </a:rPr>
+              <a:t>!</a:t>
+            </a:r>
+            <a:r>
+              <a:rPr kumimoji="0" lang="en-US" altLang="en-US" sz="2800" b="0" i="0" u="none" strike="noStrike" cap="none" normalizeH="0" baseline="0" dirty="0">
+                <a:ln>
+                  <a:noFill/>
+                </a:ln>
+                <a:solidFill>
+                  <a:srgbClr val="080808"/>
+                </a:solidFill>
+                <a:effectLst/>
+                <a:latin typeface="JetBrains Mono"/>
+              </a:rPr>
+              <a:t>(</a:t>
+            </a:r>
+            <a:r>
+              <a:rPr kumimoji="0" lang="en-US" altLang="en-US" sz="2800" b="0" i="0" u="none" strike="noStrike" cap="none" normalizeH="0" baseline="0" dirty="0">
+                <a:ln>
+                  <a:noFill/>
+                </a:ln>
+                <a:solidFill>
+                  <a:srgbClr val="1750EB"/>
+                </a:solidFill>
+                <a:effectLst/>
+                <a:latin typeface="JetBrains Mono"/>
+              </a:rPr>
+              <a:t>9</a:t>
+            </a:r>
+            <a:r>
+              <a:rPr kumimoji="0" lang="en-US" altLang="en-US" sz="2800" b="0" i="0" u="none" strike="noStrike" cap="none" normalizeH="0" baseline="0" dirty="0">
+                <a:ln>
+                  <a:noFill/>
+                </a:ln>
+                <a:solidFill>
+                  <a:srgbClr val="080808"/>
+                </a:solidFill>
+                <a:effectLst/>
+                <a:latin typeface="JetBrains Mono"/>
+              </a:rPr>
+              <a:t>, </a:t>
+            </a:r>
+            <a:r>
+              <a:rPr kumimoji="0" lang="en-US" altLang="en-US" sz="2800" b="0" i="0" u="none" strike="noStrike" cap="none" normalizeH="0" baseline="0" dirty="0" err="1">
+                <a:ln>
+                  <a:noFill/>
+                </a:ln>
+                <a:solidFill>
+                  <a:srgbClr val="000000"/>
+                </a:solidFill>
+                <a:effectLst/>
+                <a:latin typeface="JetBrains Mono"/>
+              </a:rPr>
+              <a:t>string_len</a:t>
+            </a:r>
+            <a:r>
+              <a:rPr kumimoji="0" lang="en-US" altLang="en-US" sz="2800" b="0" i="0" u="none" strike="noStrike" cap="none" normalizeH="0" baseline="0" dirty="0">
+                <a:ln>
+                  <a:noFill/>
+                </a:ln>
+                <a:solidFill>
+                  <a:srgbClr val="080808"/>
+                </a:solidFill>
+                <a:effectLst/>
+                <a:latin typeface="JetBrains Mono"/>
+              </a:rPr>
+              <a:t>)</a:t>
+            </a:r>
+            <a:br>
+              <a:rPr kumimoji="0" lang="en-US" altLang="en-US" sz="2800" b="0" i="0" u="none" strike="noStrike" cap="none" normalizeH="0" baseline="0" dirty="0">
+                <a:ln>
+                  <a:noFill/>
+                </a:ln>
+                <a:solidFill>
+                  <a:srgbClr val="080808"/>
+                </a:solidFill>
+                <a:effectLst/>
+                <a:latin typeface="JetBrains Mono"/>
+              </a:rPr>
+            </a:br>
+            <a:r>
+              <a:rPr kumimoji="0" lang="en-US" altLang="en-US" sz="2800" b="0" i="0" u="none" strike="noStrike" cap="none" normalizeH="0" baseline="0" dirty="0">
+                <a:ln>
+                  <a:noFill/>
+                </a:ln>
+                <a:solidFill>
+                  <a:srgbClr val="080808"/>
+                </a:solidFill>
+                <a:effectLst/>
+                <a:latin typeface="JetBrains Mono"/>
+              </a:rPr>
+              <a:t>}</a:t>
+            </a:r>
+            <a:br>
+              <a:rPr kumimoji="0" lang="en-US" altLang="en-US" sz="2800" b="0" i="0" u="none" strike="noStrike" cap="none" normalizeH="0" baseline="0" dirty="0">
+                <a:ln>
+                  <a:noFill/>
+                </a:ln>
+                <a:solidFill>
+                  <a:srgbClr val="080808"/>
+                </a:solidFill>
+                <a:effectLst/>
+                <a:latin typeface="JetBrains Mono"/>
+              </a:rPr>
+            </a:br>
+            <a:br>
+              <a:rPr kumimoji="0" lang="en-US" altLang="en-US" sz="2800" b="0" i="0" u="none" strike="noStrike" cap="none" normalizeH="0" baseline="0" dirty="0">
+                <a:ln>
+                  <a:noFill/>
+                </a:ln>
+                <a:solidFill>
+                  <a:srgbClr val="080808"/>
+                </a:solidFill>
+                <a:effectLst/>
+                <a:latin typeface="JetBrains Mono"/>
+              </a:rPr>
+            </a:br>
+            <a:r>
+              <a:rPr kumimoji="0" lang="en-US" altLang="en-US" sz="2800" b="0" i="0" u="none" strike="noStrike" cap="none" normalizeH="0" baseline="0" dirty="0" err="1">
+                <a:ln>
+                  <a:noFill/>
+                </a:ln>
+                <a:solidFill>
+                  <a:srgbClr val="0033B3"/>
+                </a:solidFill>
+                <a:effectLst/>
+                <a:latin typeface="JetBrains Mono"/>
+              </a:rPr>
+              <a:t>fn</a:t>
+            </a:r>
+            <a:r>
+              <a:rPr kumimoji="0" lang="en-US" altLang="en-US" sz="2800" b="0" i="0" u="none" strike="noStrike" cap="none" normalizeH="0" baseline="0" dirty="0">
+                <a:ln>
+                  <a:noFill/>
+                </a:ln>
+                <a:solidFill>
+                  <a:srgbClr val="0033B3"/>
+                </a:solidFill>
+                <a:effectLst/>
+                <a:latin typeface="JetBrains Mono"/>
+              </a:rPr>
+              <a:t> </a:t>
+            </a:r>
+            <a:r>
+              <a:rPr kumimoji="0" lang="en-US" altLang="en-US" sz="2800" b="0" i="0" u="none" strike="noStrike" cap="none" normalizeH="0" baseline="0" dirty="0">
+                <a:ln>
+                  <a:noFill/>
+                </a:ln>
+                <a:solidFill>
+                  <a:srgbClr val="00627A"/>
+                </a:solidFill>
+                <a:effectLst/>
+                <a:latin typeface="JetBrains Mono"/>
+              </a:rPr>
+              <a:t>execute3</a:t>
+            </a:r>
+            <a:r>
+              <a:rPr kumimoji="0" lang="en-US" altLang="en-US" sz="2800" b="0" i="0" u="none" strike="noStrike" cap="none" normalizeH="0" baseline="0" dirty="0">
+                <a:ln>
+                  <a:noFill/>
+                </a:ln>
+                <a:solidFill>
+                  <a:srgbClr val="080808"/>
+                </a:solidFill>
+                <a:effectLst/>
+                <a:latin typeface="JetBrains Mono"/>
+              </a:rPr>
+              <a:t>(</a:t>
+            </a:r>
+            <a:r>
+              <a:rPr kumimoji="0" lang="en-US" altLang="en-US" sz="2800" b="0" i="0" u="none" strike="noStrike" cap="none" normalizeH="0" baseline="0" dirty="0">
+                <a:ln>
+                  <a:noFill/>
+                </a:ln>
+                <a:solidFill>
+                  <a:srgbClr val="0033B3"/>
+                </a:solidFill>
+                <a:effectLst/>
+                <a:latin typeface="JetBrains Mono"/>
+              </a:rPr>
+              <a:t>mut </a:t>
+            </a:r>
+            <a:r>
+              <a:rPr kumimoji="0" lang="en-US" altLang="en-US" sz="2800" b="0" i="0" u="none" strike="noStrike" cap="none" normalizeH="0" baseline="0" dirty="0" err="1">
+                <a:ln>
+                  <a:noFill/>
+                </a:ln>
+                <a:solidFill>
+                  <a:srgbClr val="080808"/>
+                </a:solidFill>
+                <a:effectLst/>
+                <a:latin typeface="JetBrains Mono"/>
+              </a:rPr>
+              <a:t>func</a:t>
+            </a:r>
+            <a:r>
+              <a:rPr kumimoji="0" lang="en-US" altLang="en-US" sz="2800" b="0" i="0" u="none" strike="noStrike" cap="none" normalizeH="0" baseline="0" dirty="0">
+                <a:ln>
+                  <a:noFill/>
+                </a:ln>
+                <a:solidFill>
+                  <a:srgbClr val="080808"/>
+                </a:solidFill>
+                <a:effectLst/>
+                <a:latin typeface="JetBrains Mono"/>
+              </a:rPr>
+              <a:t>: ???) {</a:t>
+            </a:r>
+            <a:br>
+              <a:rPr kumimoji="0" lang="en-US" altLang="en-US" sz="2800" b="0" i="0" u="none" strike="noStrike" cap="none" normalizeH="0" baseline="0" dirty="0">
+                <a:ln>
+                  <a:noFill/>
+                </a:ln>
+                <a:solidFill>
+                  <a:srgbClr val="080808"/>
+                </a:solidFill>
+                <a:effectLst/>
+                <a:latin typeface="JetBrains Mono"/>
+              </a:rPr>
+            </a:br>
+            <a:r>
+              <a:rPr kumimoji="0" lang="en-US" altLang="en-US" sz="2800" b="0" i="0" u="none" strike="noStrike" cap="none" normalizeH="0" baseline="0" dirty="0">
+                <a:ln>
+                  <a:noFill/>
+                </a:ln>
+                <a:solidFill>
+                  <a:srgbClr val="080808"/>
+                </a:solidFill>
+                <a:effectLst/>
+                <a:latin typeface="JetBrains Mono"/>
+              </a:rPr>
+              <a:t>    </a:t>
+            </a:r>
+            <a:r>
+              <a:rPr kumimoji="0" lang="en-US" altLang="en-US" sz="2800" b="0" i="0" u="none" strike="noStrike" cap="none" normalizeH="0" baseline="0" dirty="0" err="1">
+                <a:ln>
+                  <a:noFill/>
+                </a:ln>
+                <a:solidFill>
+                  <a:srgbClr val="080808"/>
+                </a:solidFill>
+                <a:effectLst/>
+                <a:latin typeface="JetBrains Mono"/>
+              </a:rPr>
+              <a:t>func</a:t>
+            </a:r>
+            <a:r>
+              <a:rPr kumimoji="0" lang="en-US" altLang="en-US" sz="2800" b="0" i="0" u="none" strike="noStrike" cap="none" normalizeH="0" baseline="0" dirty="0">
+                <a:ln>
+                  <a:noFill/>
+                </a:ln>
+                <a:solidFill>
+                  <a:srgbClr val="080808"/>
+                </a:solidFill>
+                <a:effectLst/>
+                <a:latin typeface="JetBrains Mono"/>
+              </a:rPr>
+              <a:t>(</a:t>
+            </a:r>
+            <a:r>
+              <a:rPr kumimoji="0" lang="en-US" altLang="en-US" sz="2800" b="0" i="0" u="none" strike="noStrike" cap="none" normalizeH="0" baseline="0" dirty="0">
+                <a:ln>
+                  <a:noFill/>
+                </a:ln>
+                <a:solidFill>
+                  <a:srgbClr val="000000"/>
+                </a:solidFill>
+                <a:effectLst/>
+                <a:latin typeface="JetBrains Mono"/>
+              </a:rPr>
+              <a:t>String</a:t>
+            </a:r>
+            <a:r>
+              <a:rPr kumimoji="0" lang="en-US" altLang="en-US" sz="2800" b="0" i="0" u="none" strike="noStrike" cap="none" normalizeH="0" baseline="0" dirty="0">
+                <a:ln>
+                  <a:noFill/>
+                </a:ln>
+                <a:solidFill>
+                  <a:srgbClr val="080808"/>
+                </a:solidFill>
+                <a:effectLst/>
+                <a:latin typeface="JetBrains Mono"/>
+              </a:rPr>
+              <a:t>::</a:t>
+            </a:r>
+            <a:r>
+              <a:rPr kumimoji="0" lang="en-US" altLang="en-US" sz="2800" b="0" i="1" u="none" strike="noStrike" cap="none" normalizeH="0" baseline="0" dirty="0">
+                <a:ln>
+                  <a:noFill/>
+                </a:ln>
+                <a:solidFill>
+                  <a:srgbClr val="00627A"/>
+                </a:solidFill>
+                <a:effectLst/>
+                <a:latin typeface="JetBrains Mono"/>
+              </a:rPr>
+              <a:t>from</a:t>
+            </a:r>
+            <a:r>
+              <a:rPr kumimoji="0" lang="en-US" altLang="en-US" sz="2800" b="0" i="0" u="none" strike="noStrike" cap="none" normalizeH="0" baseline="0" dirty="0">
+                <a:ln>
+                  <a:noFill/>
+                </a:ln>
+                <a:solidFill>
+                  <a:srgbClr val="080808"/>
+                </a:solidFill>
+                <a:effectLst/>
+                <a:latin typeface="JetBrains Mono"/>
+              </a:rPr>
+              <a:t>(</a:t>
+            </a:r>
+            <a:r>
+              <a:rPr kumimoji="0" lang="en-US" altLang="en-US" sz="2800" b="0" i="0" u="none" strike="noStrike" cap="none" normalizeH="0" baseline="0" dirty="0">
+                <a:ln>
+                  <a:noFill/>
+                </a:ln>
+                <a:solidFill>
+                  <a:srgbClr val="067D17"/>
+                </a:solidFill>
+                <a:effectLst/>
+                <a:latin typeface="JetBrains Mono"/>
+              </a:rPr>
+              <a:t>" good"</a:t>
+            </a:r>
+            <a:r>
+              <a:rPr kumimoji="0" lang="en-US" altLang="en-US" sz="2800" b="0" i="0" u="none" strike="noStrike" cap="none" normalizeH="0" baseline="0" dirty="0">
+                <a:ln>
+                  <a:noFill/>
+                </a:ln>
+                <a:solidFill>
+                  <a:srgbClr val="080808"/>
+                </a:solidFill>
+                <a:effectLst/>
+                <a:latin typeface="JetBrains Mono"/>
+              </a:rPr>
+              <a:t>));</a:t>
+            </a:r>
+            <a:br>
+              <a:rPr kumimoji="0" lang="en-US" altLang="en-US" sz="2800" b="0" i="0" u="none" strike="noStrike" cap="none" normalizeH="0" baseline="0" dirty="0">
+                <a:ln>
+                  <a:noFill/>
+                </a:ln>
+                <a:solidFill>
+                  <a:srgbClr val="080808"/>
+                </a:solidFill>
+                <a:effectLst/>
+                <a:latin typeface="JetBrains Mono"/>
+              </a:rPr>
+            </a:br>
+            <a:r>
+              <a:rPr kumimoji="0" lang="en-US" altLang="en-US" sz="2800" b="0" i="0" u="none" strike="noStrike" cap="none" normalizeH="0" baseline="0" dirty="0">
+                <a:ln>
+                  <a:noFill/>
+                </a:ln>
+                <a:solidFill>
+                  <a:srgbClr val="080808"/>
+                </a:solidFill>
+                <a:effectLst/>
+                <a:latin typeface="JetBrains Mono"/>
+              </a:rPr>
+              <a:t>}</a:t>
+            </a:r>
+            <a:br>
+              <a:rPr kumimoji="0" lang="en-US" altLang="en-US" sz="2800" b="0" i="0" u="none" strike="noStrike" cap="none" normalizeH="0" baseline="0" dirty="0">
+                <a:ln>
+                  <a:noFill/>
+                </a:ln>
+                <a:solidFill>
+                  <a:srgbClr val="080808"/>
+                </a:solidFill>
+                <a:effectLst/>
+                <a:latin typeface="JetBrains Mono"/>
+              </a:rPr>
+            </a:br>
+            <a:br>
+              <a:rPr kumimoji="0" lang="en-US" altLang="en-US" sz="2800" b="0" i="0" u="none" strike="noStrike" cap="none" normalizeH="0" baseline="0" dirty="0">
+                <a:ln>
+                  <a:noFill/>
+                </a:ln>
+                <a:solidFill>
+                  <a:srgbClr val="080808"/>
+                </a:solidFill>
+                <a:effectLst/>
+                <a:latin typeface="JetBrains Mono"/>
+              </a:rPr>
+            </a:br>
+            <a:r>
+              <a:rPr kumimoji="0" lang="en-US" altLang="en-US" sz="2800" b="0" i="0" u="none" strike="noStrike" cap="none" normalizeH="0" baseline="0" dirty="0" err="1">
+                <a:ln>
+                  <a:noFill/>
+                </a:ln>
+                <a:solidFill>
+                  <a:srgbClr val="0033B3"/>
+                </a:solidFill>
+                <a:effectLst/>
+                <a:latin typeface="JetBrains Mono"/>
+              </a:rPr>
+              <a:t>fn</a:t>
+            </a:r>
+            <a:r>
+              <a:rPr kumimoji="0" lang="en-US" altLang="en-US" sz="2800" b="0" i="0" u="none" strike="noStrike" cap="none" normalizeH="0" baseline="0" dirty="0">
+                <a:ln>
+                  <a:noFill/>
+                </a:ln>
+                <a:solidFill>
+                  <a:srgbClr val="0033B3"/>
+                </a:solidFill>
+                <a:effectLst/>
+                <a:latin typeface="JetBrains Mono"/>
+              </a:rPr>
+              <a:t> </a:t>
+            </a:r>
+            <a:r>
+              <a:rPr kumimoji="0" lang="en-US" altLang="en-US" sz="2800" b="0" i="0" u="none" strike="noStrike" cap="none" normalizeH="0" baseline="0" dirty="0">
+                <a:ln>
+                  <a:noFill/>
+                </a:ln>
+                <a:solidFill>
+                  <a:srgbClr val="00627A"/>
+                </a:solidFill>
+                <a:effectLst/>
+                <a:latin typeface="JetBrains Mono"/>
+              </a:rPr>
+              <a:t>execute4</a:t>
+            </a:r>
+            <a:r>
+              <a:rPr kumimoji="0" lang="en-US" altLang="en-US" sz="2800" b="0" i="0" u="none" strike="noStrike" cap="none" normalizeH="0" baseline="0" dirty="0">
+                <a:ln>
+                  <a:noFill/>
+                </a:ln>
+                <a:solidFill>
+                  <a:srgbClr val="080808"/>
+                </a:solidFill>
+                <a:effectLst/>
+                <a:latin typeface="JetBrains Mono"/>
+              </a:rPr>
+              <a:t>(</a:t>
+            </a:r>
+            <a:r>
+              <a:rPr kumimoji="0" lang="en-US" altLang="en-US" sz="2800" b="0" i="0" u="none" strike="noStrike" cap="none" normalizeH="0" baseline="0" dirty="0" err="1">
+                <a:ln>
+                  <a:noFill/>
+                </a:ln>
+                <a:solidFill>
+                  <a:srgbClr val="080808"/>
+                </a:solidFill>
+                <a:effectLst/>
+                <a:latin typeface="JetBrains Mono"/>
+              </a:rPr>
+              <a:t>func</a:t>
+            </a:r>
+            <a:r>
+              <a:rPr kumimoji="0" lang="en-US" altLang="en-US" sz="2800" b="0" i="0" u="none" strike="noStrike" cap="none" normalizeH="0" baseline="0" dirty="0">
+                <a:ln>
+                  <a:noFill/>
+                </a:ln>
+                <a:solidFill>
+                  <a:srgbClr val="080808"/>
+                </a:solidFill>
+                <a:effectLst/>
+                <a:latin typeface="JetBrains Mono"/>
+              </a:rPr>
+              <a:t>: ???) {</a:t>
+            </a:r>
+            <a:br>
+              <a:rPr kumimoji="0" lang="en-US" altLang="en-US" sz="2800" b="0" i="0" u="none" strike="noStrike" cap="none" normalizeH="0" baseline="0" dirty="0">
+                <a:ln>
+                  <a:noFill/>
+                </a:ln>
+                <a:solidFill>
+                  <a:srgbClr val="080808"/>
+                </a:solidFill>
+                <a:effectLst/>
+                <a:latin typeface="JetBrains Mono"/>
+              </a:rPr>
+            </a:br>
+            <a:r>
+              <a:rPr kumimoji="0" lang="en-US" altLang="en-US" sz="2800" b="0" i="0" u="none" strike="noStrike" cap="none" normalizeH="0" baseline="0" dirty="0">
+                <a:ln>
+                  <a:noFill/>
+                </a:ln>
+                <a:solidFill>
+                  <a:srgbClr val="080808"/>
+                </a:solidFill>
+                <a:effectLst/>
+                <a:latin typeface="JetBrains Mono"/>
+              </a:rPr>
+              <a:t>    </a:t>
+            </a:r>
+            <a:r>
+              <a:rPr kumimoji="0" lang="en-US" altLang="en-US" sz="2800" b="0" i="0" u="none" strike="noStrike" cap="none" normalizeH="0" baseline="0" dirty="0">
+                <a:ln>
+                  <a:noFill/>
+                </a:ln>
+                <a:solidFill>
+                  <a:srgbClr val="0033B3"/>
+                </a:solidFill>
+                <a:effectLst/>
+                <a:latin typeface="JetBrains Mono"/>
+              </a:rPr>
+              <a:t>let </a:t>
+            </a:r>
+            <a:r>
+              <a:rPr kumimoji="0" lang="en-US" altLang="en-US" sz="2800" b="0" i="0" u="none" strike="noStrike" cap="none" normalizeH="0" baseline="0" dirty="0">
+                <a:ln>
+                  <a:noFill/>
+                </a:ln>
+                <a:solidFill>
+                  <a:srgbClr val="000000"/>
+                </a:solidFill>
+                <a:effectLst/>
+                <a:latin typeface="JetBrains Mono"/>
+              </a:rPr>
+              <a:t>result</a:t>
+            </a:r>
+            <a:r>
+              <a:rPr kumimoji="0" lang="en-US" altLang="en-US" sz="2800" b="0" i="0" u="none" strike="noStrike" cap="none" normalizeH="0" baseline="0" dirty="0">
+                <a:ln>
+                  <a:noFill/>
+                </a:ln>
+                <a:solidFill>
+                  <a:srgbClr val="080808"/>
+                </a:solidFill>
+                <a:effectLst/>
+                <a:latin typeface="JetBrains Mono"/>
+              </a:rPr>
+              <a:t>: </a:t>
+            </a:r>
+            <a:r>
+              <a:rPr kumimoji="0" lang="en-US" altLang="en-US" sz="2800" b="0" i="0" u="none" strike="noStrike" cap="none" normalizeH="0" baseline="0" dirty="0">
+                <a:ln>
+                  <a:noFill/>
+                </a:ln>
+                <a:solidFill>
+                  <a:srgbClr val="000000"/>
+                </a:solidFill>
+                <a:effectLst/>
+                <a:latin typeface="JetBrains Mono"/>
+              </a:rPr>
+              <a:t>String </a:t>
+            </a:r>
+            <a:r>
+              <a:rPr kumimoji="0" lang="en-US" altLang="en-US" sz="2800" b="0" i="0" u="none" strike="noStrike" cap="none" normalizeH="0" baseline="0" dirty="0">
+                <a:ln>
+                  <a:noFill/>
+                </a:ln>
+                <a:solidFill>
+                  <a:srgbClr val="080808"/>
+                </a:solidFill>
+                <a:effectLst/>
+                <a:latin typeface="JetBrains Mono"/>
+              </a:rPr>
+              <a:t>= </a:t>
+            </a:r>
+            <a:r>
+              <a:rPr kumimoji="0" lang="en-US" altLang="en-US" sz="2800" b="0" i="0" u="none" strike="noStrike" cap="none" normalizeH="0" baseline="0" dirty="0" err="1">
+                <a:ln>
+                  <a:noFill/>
+                </a:ln>
+                <a:solidFill>
+                  <a:srgbClr val="080808"/>
+                </a:solidFill>
+                <a:effectLst/>
+                <a:latin typeface="JetBrains Mono"/>
+              </a:rPr>
+              <a:t>func</a:t>
+            </a:r>
+            <a:r>
+              <a:rPr kumimoji="0" lang="en-US" altLang="en-US" sz="2800" b="0" i="0" u="none" strike="noStrike" cap="none" normalizeH="0" baseline="0" dirty="0">
+                <a:ln>
+                  <a:noFill/>
+                </a:ln>
+                <a:solidFill>
+                  <a:srgbClr val="080808"/>
+                </a:solidFill>
+                <a:effectLst/>
+                <a:latin typeface="JetBrains Mono"/>
+              </a:rPr>
+              <a:t>();</a:t>
+            </a:r>
+            <a:br>
+              <a:rPr kumimoji="0" lang="en-US" altLang="en-US" sz="2800" b="0" i="0" u="none" strike="noStrike" cap="none" normalizeH="0" baseline="0" dirty="0">
+                <a:ln>
+                  <a:noFill/>
+                </a:ln>
+                <a:solidFill>
+                  <a:srgbClr val="080808"/>
+                </a:solidFill>
+                <a:effectLst/>
+                <a:latin typeface="JetBrains Mono"/>
+              </a:rPr>
+            </a:br>
+            <a:r>
+              <a:rPr kumimoji="0" lang="en-US" altLang="en-US" sz="2800" b="0" i="0" u="none" strike="noStrike" cap="none" normalizeH="0" baseline="0" dirty="0">
+                <a:ln>
+                  <a:noFill/>
+                </a:ln>
+                <a:solidFill>
+                  <a:srgbClr val="080808"/>
+                </a:solidFill>
+                <a:effectLst/>
+                <a:latin typeface="JetBrains Mono"/>
+              </a:rPr>
+              <a:t>    </a:t>
+            </a:r>
+            <a:r>
+              <a:rPr kumimoji="0" lang="en-US" altLang="en-US" sz="2800" b="0" i="0" u="none" strike="noStrike" cap="none" normalizeH="0" baseline="0" dirty="0" err="1">
+                <a:ln>
+                  <a:noFill/>
+                </a:ln>
+                <a:solidFill>
+                  <a:srgbClr val="DD6718"/>
+                </a:solidFill>
+                <a:effectLst/>
+                <a:latin typeface="JetBrains Mono"/>
+              </a:rPr>
+              <a:t>assert_eq</a:t>
+            </a:r>
+            <a:r>
+              <a:rPr kumimoji="0" lang="en-US" altLang="en-US" sz="2800" b="0" i="0" u="none" strike="noStrike" cap="none" normalizeH="0" baseline="0" dirty="0">
+                <a:ln>
+                  <a:noFill/>
+                </a:ln>
+                <a:solidFill>
+                  <a:srgbClr val="DD6718"/>
+                </a:solidFill>
+                <a:effectLst/>
+                <a:latin typeface="JetBrains Mono"/>
+              </a:rPr>
+              <a:t>!</a:t>
+            </a:r>
+            <a:r>
+              <a:rPr kumimoji="0" lang="en-US" altLang="en-US" sz="2800" b="0" i="0" u="none" strike="noStrike" cap="none" normalizeH="0" baseline="0" dirty="0">
+                <a:ln>
+                  <a:noFill/>
+                </a:ln>
+                <a:solidFill>
+                  <a:srgbClr val="080808"/>
+                </a:solidFill>
+                <a:effectLst/>
+                <a:latin typeface="JetBrains Mono"/>
+              </a:rPr>
+              <a:t>(</a:t>
+            </a:r>
+            <a:r>
+              <a:rPr kumimoji="0" lang="en-US" altLang="en-US" sz="2800" b="0" i="0" u="none" strike="noStrike" cap="none" normalizeH="0" baseline="0" dirty="0">
+                <a:ln>
+                  <a:noFill/>
+                </a:ln>
+                <a:solidFill>
+                  <a:srgbClr val="067D17"/>
+                </a:solidFill>
+                <a:effectLst/>
+                <a:latin typeface="JetBrains Mono"/>
+              </a:rPr>
+              <a:t>"something good"</a:t>
+            </a:r>
+            <a:r>
+              <a:rPr kumimoji="0" lang="en-US" altLang="en-US" sz="2800" b="0" i="0" u="none" strike="noStrike" cap="none" normalizeH="0" baseline="0" dirty="0">
+                <a:ln>
+                  <a:noFill/>
+                </a:ln>
+                <a:solidFill>
+                  <a:srgbClr val="080808"/>
+                </a:solidFill>
+                <a:effectLst/>
+                <a:latin typeface="JetBrains Mono"/>
+              </a:rPr>
+              <a:t>, </a:t>
+            </a:r>
+            <a:r>
+              <a:rPr kumimoji="0" lang="en-US" altLang="en-US" sz="2800" b="0" i="0" u="none" strike="noStrike" cap="none" normalizeH="0" baseline="0" dirty="0">
+                <a:ln>
+                  <a:noFill/>
+                </a:ln>
+                <a:solidFill>
+                  <a:srgbClr val="000000"/>
+                </a:solidFill>
+                <a:effectLst/>
+                <a:latin typeface="JetBrains Mono"/>
+              </a:rPr>
+              <a:t>result</a:t>
+            </a:r>
+            <a:r>
+              <a:rPr kumimoji="0" lang="en-US" altLang="en-US" sz="2800" b="0" i="0" u="none" strike="noStrike" cap="none" normalizeH="0" baseline="0" dirty="0">
+                <a:ln>
+                  <a:noFill/>
+                </a:ln>
+                <a:solidFill>
+                  <a:srgbClr val="080808"/>
+                </a:solidFill>
+                <a:effectLst/>
+                <a:latin typeface="JetBrains Mono"/>
+              </a:rPr>
+              <a:t>);</a:t>
+            </a:r>
+            <a:br>
+              <a:rPr kumimoji="0" lang="en-US" altLang="en-US" sz="2800" b="0" i="0" u="none" strike="noStrike" cap="none" normalizeH="0" baseline="0" dirty="0">
+                <a:ln>
+                  <a:noFill/>
+                </a:ln>
+                <a:solidFill>
+                  <a:srgbClr val="080808"/>
+                </a:solidFill>
+                <a:effectLst/>
+                <a:latin typeface="JetBrains Mono"/>
+              </a:rPr>
+            </a:br>
+            <a:r>
+              <a:rPr kumimoji="0" lang="en-US" altLang="en-US" sz="2800" b="0" i="0" u="none" strike="noStrike" cap="none" normalizeH="0" baseline="0" dirty="0">
+                <a:ln>
+                  <a:noFill/>
+                </a:ln>
+                <a:solidFill>
+                  <a:srgbClr val="080808"/>
+                </a:solidFill>
+                <a:effectLst/>
+                <a:latin typeface="JetBrains Mono"/>
+              </a:rPr>
+              <a:t>}</a:t>
+            </a:r>
+            <a:endParaRPr kumimoji="0" lang="en-US" altLang="en-US" sz="5400" b="0" i="0" u="none" strike="noStrike" cap="none" normalizeH="0" baseline="0" dirty="0">
+              <a:ln>
+                <a:noFill/>
+              </a:ln>
+              <a:solidFill>
+                <a:schemeClr val="tx1"/>
+              </a:solidFill>
+              <a:effectLst/>
+              <a:latin typeface="Arial" panose="020B0604020202020204" pitchFamily="34" charset="0"/>
+            </a:endParaRPr>
+          </a:p>
+          <a:p>
+            <a:pPr marL="0" indent="0">
+              <a:buNone/>
+            </a:pPr>
+            <a:endParaRPr lang="en-US" dirty="0"/>
+          </a:p>
+        </p:txBody>
+      </p:sp>
+      <p:sp>
+        <p:nvSpPr>
+          <p:cNvPr id="7" name="Rectangle 2">
+            <a:extLst>
+              <a:ext uri="{FF2B5EF4-FFF2-40B4-BE49-F238E27FC236}">
+                <a16:creationId xmlns:a16="http://schemas.microsoft.com/office/drawing/2014/main" id="{FEC1BA77-7FF8-8466-FD78-ECE8EE97315C}"/>
+              </a:ext>
+            </a:extLst>
+          </p:cNvPr>
+          <p:cNvSpPr>
+            <a:spLocks noChangeArrowheads="1"/>
+          </p:cNvSpPr>
+          <p:nvPr/>
+        </p:nvSpPr>
+        <p:spPr bwMode="auto">
+          <a:xfrm>
+            <a:off x="0" y="43934"/>
+            <a:ext cx="184731" cy="369332"/>
+          </a:xfrm>
+          <a:prstGeom prst="rect">
+            <a:avLst/>
+          </a:prstGeom>
+          <a:solidFill>
+            <a:srgbClr val="FFFFFF"/>
+          </a:solidFill>
+          <a:ln>
+            <a:noFill/>
+          </a:ln>
+          <a:effectLst/>
+          <a:extLst>
+            <a:ext uri="{91240B29-F687-4F45-9708-019B960494DF}">
+              <a14:hiddenLine xmlns:a14="http://schemas.microsoft.com/office/drawing/2010/main" w="9525">
+                <a:solidFill>
+                  <a:schemeClr val="tx1"/>
+                </a:solidFill>
+                <a:miter lim="800000"/>
+                <a:headEnd/>
+                <a:tailEnd/>
+              </a14:hiddenLine>
+            </a:ext>
+            <a:ext uri="{AF507438-7753-43E0-B8FC-AC1667EBCBE1}">
+              <a14:hiddenEffects xmlns:a14="http://schemas.microsoft.com/office/drawing/2010/main">
+                <a:effectLst>
+                  <a:outerShdw dist="35921" dir="2700000" algn="ctr" rotWithShape="0">
+                    <a:schemeClr val="bg2"/>
+                  </a:outerShdw>
+                </a:effectLst>
+              </a14:hiddenEffects>
+            </a:ext>
+          </a:extLst>
+        </p:spPr>
+        <p:txBody>
+          <a:bodyPr vert="horz" wrap="none" lIns="91440" tIns="45720" rIns="91440" bIns="45720" numCol="1" anchor="ctr" anchorCtr="0" compatLnSpc="1">
+            <a:prstTxWarp prst="textNoShape">
+              <a:avLst/>
+            </a:prstTxWarp>
+            <a:spAutoFit/>
+          </a:bodyPr>
+          <a:lstStyle/>
+          <a:p>
+            <a:pPr marL="0" marR="0" lvl="0" indent="0" algn="l" defTabSz="914400" rtl="0" eaLnBrk="0" fontAlgn="base" latinLnBrk="0" hangingPunct="0">
+              <a:lnSpc>
+                <a:spcPct val="100000"/>
+              </a:lnSpc>
+              <a:spcBef>
+                <a:spcPct val="0"/>
+              </a:spcBef>
+              <a:spcAft>
+                <a:spcPct val="0"/>
+              </a:spcAft>
+              <a:buClrTx/>
+              <a:buSzTx/>
+              <a:buFontTx/>
+              <a:buNone/>
+              <a:tabLst/>
+            </a:pPr>
+            <a:endParaRPr kumimoji="0" lang="en-US" altLang="en-US" sz="1800" b="0" i="0" u="none" strike="noStrike" cap="none" normalizeH="0" baseline="0" dirty="0">
+              <a:ln>
+                <a:noFill/>
+              </a:ln>
+              <a:solidFill>
+                <a:schemeClr val="tx1"/>
+              </a:solidFill>
+              <a:effectLst/>
+              <a:latin typeface="Arial" panose="020B0604020202020204" pitchFamily="34" charset="0"/>
+            </a:endParaRPr>
+          </a:p>
+        </p:txBody>
+      </p:sp>
+      <p:sp>
+        <p:nvSpPr>
+          <p:cNvPr id="9" name="Rectangle 4">
+            <a:extLst>
+              <a:ext uri="{FF2B5EF4-FFF2-40B4-BE49-F238E27FC236}">
+                <a16:creationId xmlns:a16="http://schemas.microsoft.com/office/drawing/2014/main" id="{7481FCB6-982F-3A33-FB2E-0DA554D1EEA9}"/>
+              </a:ext>
+            </a:extLst>
+          </p:cNvPr>
+          <p:cNvSpPr>
+            <a:spLocks noChangeArrowheads="1"/>
+          </p:cNvSpPr>
+          <p:nvPr/>
+        </p:nvSpPr>
+        <p:spPr bwMode="auto">
+          <a:xfrm>
+            <a:off x="0" y="43934"/>
+            <a:ext cx="184731" cy="369332"/>
+          </a:xfrm>
+          <a:prstGeom prst="rect">
+            <a:avLst/>
+          </a:prstGeom>
+          <a:solidFill>
+            <a:srgbClr val="FFFFFF"/>
+          </a:solidFill>
+          <a:ln>
+            <a:noFill/>
+          </a:ln>
+          <a:effectLst/>
+          <a:extLst>
+            <a:ext uri="{91240B29-F687-4F45-9708-019B960494DF}">
+              <a14:hiddenLine xmlns:a14="http://schemas.microsoft.com/office/drawing/2010/main" w="9525">
+                <a:solidFill>
+                  <a:schemeClr val="tx1"/>
+                </a:solidFill>
+                <a:miter lim="800000"/>
+                <a:headEnd/>
+                <a:tailEnd/>
+              </a14:hiddenLine>
+            </a:ext>
+            <a:ext uri="{AF507438-7753-43E0-B8FC-AC1667EBCBE1}">
+              <a14:hiddenEffects xmlns:a14="http://schemas.microsoft.com/office/drawing/2010/main">
+                <a:effectLst>
+                  <a:outerShdw dist="35921" dir="2700000" algn="ctr" rotWithShape="0">
+                    <a:schemeClr val="bg2"/>
+                  </a:outerShdw>
+                </a:effectLst>
+              </a14:hiddenEffects>
+            </a:ext>
+          </a:extLst>
+        </p:spPr>
+        <p:txBody>
+          <a:bodyPr vert="horz" wrap="none" lIns="91440" tIns="45720" rIns="91440" bIns="45720" numCol="1" anchor="ctr" anchorCtr="0" compatLnSpc="1">
+            <a:prstTxWarp prst="textNoShape">
+              <a:avLst/>
+            </a:prstTxWarp>
+            <a:spAutoFit/>
+          </a:bodyPr>
+          <a:lstStyle/>
+          <a:p>
+            <a:pPr marL="0" marR="0" lvl="0" indent="0" algn="l" defTabSz="914400" rtl="0" eaLnBrk="0" fontAlgn="base" latinLnBrk="0" hangingPunct="0">
+              <a:lnSpc>
+                <a:spcPct val="100000"/>
+              </a:lnSpc>
+              <a:spcBef>
+                <a:spcPct val="0"/>
+              </a:spcBef>
+              <a:spcAft>
+                <a:spcPct val="0"/>
+              </a:spcAft>
+              <a:buClrTx/>
+              <a:buSzTx/>
+              <a:buFontTx/>
+              <a:buNone/>
+              <a:tabLst/>
+            </a:pPr>
+            <a:endParaRPr kumimoji="0" lang="en-US" altLang="en-US" sz="1800" b="0" i="0" u="none" strike="noStrike" cap="none" normalizeH="0" baseline="0" dirty="0">
+              <a:ln>
+                <a:noFill/>
+              </a:ln>
+              <a:solidFill>
+                <a:schemeClr val="tx1"/>
+              </a:solidFill>
+              <a:effectLst/>
+              <a:latin typeface="Arial" panose="020B0604020202020204" pitchFamily="34" charset="0"/>
+            </a:endParaRPr>
+          </a:p>
+        </p:txBody>
+      </p:sp>
+    </p:spTree>
+    <p:extLst>
+      <p:ext uri="{BB962C8B-B14F-4D97-AF65-F5344CB8AC3E}">
+        <p14:creationId xmlns:p14="http://schemas.microsoft.com/office/powerpoint/2010/main" val="2217276543"/>
+      </p:ext>
+    </p:extLst>
+  </p:cSld>
+  <p:clrMapOvr>
+    <a:masterClrMapping/>
+  </p:clrMapOvr>
+</p:sld>
+</file>
+
+<file path=ppt/slides/slide22.xml><?xml version="1.0" encoding="utf-8"?>
+<p:sld xmlns:a="http://schemas.openxmlformats.org/drawingml/2006/main" xmlns:r="http://schemas.openxmlformats.org/officeDocument/2006/relationships" xmlns:p="http://schemas.openxmlformats.org/presentationml/2006/main">
+  <p:cSld>
+    <p:spTree>
+      <p:nvGrpSpPr>
+        <p:cNvPr id="1" name=""/>
+        <p:cNvGrpSpPr/>
+        <p:nvPr/>
+      </p:nvGrpSpPr>
+      <p:grpSpPr>
+        <a:xfrm>
+          <a:off x="0" y="0"/>
+          <a:ext cx="0" cy="0"/>
+          <a:chOff x="0" y="0"/>
+          <a:chExt cx="0" cy="0"/>
+        </a:xfrm>
+      </p:grpSpPr>
+      <p:sp>
+        <p:nvSpPr>
+          <p:cNvPr id="2" name="Title 1">
+            <a:extLst>
+              <a:ext uri="{FF2B5EF4-FFF2-40B4-BE49-F238E27FC236}">
                 <a16:creationId xmlns:a16="http://schemas.microsoft.com/office/drawing/2014/main" id="{413AA3DB-1E7A-F129-8F4B-13295D2AF3B7}"/>
               </a:ext>
             </a:extLst>
@@ -16610,7 +18722,7 @@
 </p:sld>
 </file>
 
-<file path=ppt/slides/slide22.xml><?xml version="1.0" encoding="utf-8"?>
+<file path=ppt/slides/slide23.xml><?xml version="1.0" encoding="utf-8"?>
 <p:sld xmlns:a="http://schemas.openxmlformats.org/drawingml/2006/main" xmlns:r="http://schemas.openxmlformats.org/officeDocument/2006/relationships" xmlns:p="http://schemas.openxmlformats.org/presentationml/2006/main">
   <p:cSld>
     <p:spTree>
@@ -17553,7 +19665,7 @@
 </p:sld>
 </file>
 
-<file path=ppt/slides/slide23.xml><?xml version="1.0" encoding="utf-8"?>
+<file path=ppt/slides/slide24.xml><?xml version="1.0" encoding="utf-8"?>
 <p:sld xmlns:a="http://schemas.openxmlformats.org/drawingml/2006/main" xmlns:r="http://schemas.openxmlformats.org/officeDocument/2006/relationships" xmlns:p="http://schemas.openxmlformats.org/presentationml/2006/main">
   <p:cSld>
     <p:spTree>
@@ -18001,7 +20113,7 @@
 </p:sld>
 </file>
 
-<file path=ppt/slides/slide24.xml><?xml version="1.0" encoding="utf-8"?>
+<file path=ppt/slides/slide25.xml><?xml version="1.0" encoding="utf-8"?>
 <p:sld xmlns:a="http://schemas.openxmlformats.org/drawingml/2006/main" xmlns:r="http://schemas.openxmlformats.org/officeDocument/2006/relationships" xmlns:p="http://schemas.openxmlformats.org/presentationml/2006/main">
   <p:cSld>
     <p:spTree>
@@ -19383,7 +21495,7 @@
 </p:sld>
 </file>
 
-<file path=ppt/slides/slide25.xml><?xml version="1.0" encoding="utf-8"?>
+<file path=ppt/slides/slide26.xml><?xml version="1.0" encoding="utf-8"?>
 <p:sld xmlns:a="http://schemas.openxmlformats.org/drawingml/2006/main" xmlns:r="http://schemas.openxmlformats.org/officeDocument/2006/relationships" xmlns:p="http://schemas.openxmlformats.org/presentationml/2006/main">
   <p:cSld>
     <p:spTree>
@@ -20042,7 +22154,7 @@
 </p:sld>
 </file>
 
-<file path=ppt/slides/slide26.xml><?xml version="1.0" encoding="utf-8"?>
+<file path=ppt/slides/slide27.xml><?xml version="1.0" encoding="utf-8"?>
 <p:sld xmlns:a="http://schemas.openxmlformats.org/drawingml/2006/main" xmlns:r="http://schemas.openxmlformats.org/officeDocument/2006/relationships" xmlns:p="http://schemas.openxmlformats.org/presentationml/2006/main">
   <p:cSld>
     <p:spTree>
@@ -20890,7 +23002,7 @@
 </p:sld>
 </file>
 
-<file path=ppt/slides/slide27.xml><?xml version="1.0" encoding="utf-8"?>
+<file path=ppt/slides/slide28.xml><?xml version="1.0" encoding="utf-8"?>
 <p:sld xmlns:a="http://schemas.openxmlformats.org/drawingml/2006/main" xmlns:r="http://schemas.openxmlformats.org/officeDocument/2006/relationships" xmlns:p="http://schemas.openxmlformats.org/presentationml/2006/main">
   <p:cSld>
     <p:spTree>
@@ -22475,7 +24587,7 @@
 </p:sld>
 </file>
 
-<file path=ppt/slides/slide28.xml><?xml version="1.0" encoding="utf-8"?>
+<file path=ppt/slides/slide29.xml><?xml version="1.0" encoding="utf-8"?>
 <p:sld xmlns:a="http://schemas.openxmlformats.org/drawingml/2006/main" xmlns:r="http://schemas.openxmlformats.org/officeDocument/2006/relationships" xmlns:p="http://schemas.openxmlformats.org/presentationml/2006/main">
   <p:cSld>
     <p:spTree>
@@ -23176,1421 +25288,6 @@
     </p:tnLst>
     <p:bldLst>
       <p:bldP spid="3" grpId="0" build="p"/>
-    </p:bldLst>
-  </p:timing>
-</p:sld>
-</file>
-
-<file path=ppt/slides/slide29.xml><?xml version="1.0" encoding="utf-8"?>
-<p:sld xmlns:a="http://schemas.openxmlformats.org/drawingml/2006/main" xmlns:r="http://schemas.openxmlformats.org/officeDocument/2006/relationships" xmlns:p="http://schemas.openxmlformats.org/presentationml/2006/main">
-  <p:cSld>
-    <p:spTree>
-      <p:nvGrpSpPr>
-        <p:cNvPr id="1" name=""/>
-        <p:cNvGrpSpPr/>
-        <p:nvPr/>
-      </p:nvGrpSpPr>
-      <p:grpSpPr>
-        <a:xfrm>
-          <a:off x="0" y="0"/>
-          <a:ext cx="0" cy="0"/>
-          <a:chOff x="0" y="0"/>
-          <a:chExt cx="0" cy="0"/>
-        </a:xfrm>
-      </p:grpSpPr>
-      <p:sp>
-        <p:nvSpPr>
-          <p:cNvPr id="2" name="Title 1">
-            <a:extLst>
-              <a:ext uri="{FF2B5EF4-FFF2-40B4-BE49-F238E27FC236}">
-                <a16:creationId xmlns:a16="http://schemas.microsoft.com/office/drawing/2014/main" id="{1E0B4077-1C1D-74C9-7416-8B2A60CED860}"/>
-              </a:ext>
-            </a:extLst>
-          </p:cNvPr>
-          <p:cNvSpPr>
-            <a:spLocks noGrp="1"/>
-          </p:cNvSpPr>
-          <p:nvPr>
-            <p:ph type="title"/>
-          </p:nvPr>
-        </p:nvSpPr>
-        <p:spPr/>
-        <p:txBody>
-          <a:bodyPr/>
-          <a:lstStyle/>
-          <a:p>
-            <a:r>
-              <a:rPr lang="en-US" dirty="0"/>
-              <a:t>Pattern Matching</a:t>
-            </a:r>
-            <a:endParaRPr lang="ru-RU" dirty="0"/>
-          </a:p>
-        </p:txBody>
-      </p:sp>
-      <p:sp>
-        <p:nvSpPr>
-          <p:cNvPr id="6" name="Content Placeholder 5">
-            <a:extLst>
-              <a:ext uri="{FF2B5EF4-FFF2-40B4-BE49-F238E27FC236}">
-                <a16:creationId xmlns:a16="http://schemas.microsoft.com/office/drawing/2014/main" id="{E84AE0A2-9D24-6FCB-A3E3-7701C921801B}"/>
-              </a:ext>
-            </a:extLst>
-          </p:cNvPr>
-          <p:cNvSpPr>
-            <a:spLocks noGrp="1"/>
-          </p:cNvSpPr>
-          <p:nvPr>
-            <p:ph idx="1"/>
-          </p:nvPr>
-        </p:nvSpPr>
-        <p:spPr/>
-        <p:txBody>
-          <a:bodyPr>
-            <a:normAutofit fontScale="70000" lnSpcReduction="20000"/>
-          </a:bodyPr>
-          <a:lstStyle/>
-          <a:p>
-            <a:pPr marL="0" indent="0">
-              <a:buNone/>
-            </a:pPr>
-            <a:r>
-              <a:rPr lang="en-US" dirty="0" err="1">
-                <a:solidFill>
-                  <a:srgbClr val="0033B3"/>
-                </a:solidFill>
-                <a:effectLst/>
-                <a:latin typeface="JetBrains Mono"/>
-              </a:rPr>
-              <a:t>fn</a:t>
-            </a:r>
-            <a:r>
-              <a:rPr lang="en-US" dirty="0">
-                <a:solidFill>
-                  <a:srgbClr val="0033B3"/>
-                </a:solidFill>
-                <a:effectLst/>
-                <a:latin typeface="JetBrains Mono"/>
-              </a:rPr>
-              <a:t> </a:t>
-            </a:r>
-            <a:r>
-              <a:rPr lang="en-US" dirty="0" err="1">
-                <a:solidFill>
-                  <a:srgbClr val="00627A"/>
-                </a:solidFill>
-                <a:effectLst/>
-                <a:latin typeface="JetBrains Mono"/>
-              </a:rPr>
-              <a:t>pay_salary</a:t>
-            </a:r>
-            <a:r>
-              <a:rPr lang="en-US" dirty="0">
-                <a:solidFill>
-                  <a:srgbClr val="080808"/>
-                </a:solidFill>
-                <a:effectLst/>
-                <a:latin typeface="JetBrains Mono"/>
-              </a:rPr>
-              <a:t>(employee: </a:t>
-            </a:r>
-            <a:r>
-              <a:rPr lang="en-US" dirty="0">
-                <a:solidFill>
-                  <a:srgbClr val="000000"/>
-                </a:solidFill>
-                <a:effectLst/>
-                <a:latin typeface="JetBrains Mono"/>
-              </a:rPr>
-              <a:t>Employee</a:t>
-            </a:r>
-            <a:r>
-              <a:rPr lang="en-US" dirty="0">
-                <a:solidFill>
-                  <a:srgbClr val="080808"/>
-                </a:solidFill>
-                <a:effectLst/>
-                <a:latin typeface="JetBrains Mono"/>
-              </a:rPr>
-              <a:t>) -&gt; </a:t>
-            </a:r>
-            <a:r>
-              <a:rPr lang="en-US" dirty="0">
-                <a:solidFill>
-                  <a:srgbClr val="0033B3"/>
-                </a:solidFill>
-                <a:effectLst/>
-                <a:latin typeface="JetBrains Mono"/>
-              </a:rPr>
-              <a:t>u32 </a:t>
-            </a:r>
-            <a:r>
-              <a:rPr lang="en-US" dirty="0">
-                <a:solidFill>
-                  <a:srgbClr val="080808"/>
-                </a:solidFill>
-                <a:effectLst/>
-                <a:latin typeface="JetBrains Mono"/>
-              </a:rPr>
-              <a:t>{</a:t>
-            </a:r>
-          </a:p>
-          <a:p>
-            <a:pPr marL="0" indent="0">
-              <a:buNone/>
-            </a:pPr>
-            <a:r>
-              <a:rPr lang="en-US" dirty="0">
-                <a:solidFill>
-                  <a:srgbClr val="080808"/>
-                </a:solidFill>
-                <a:effectLst/>
-                <a:latin typeface="JetBrains Mono"/>
-              </a:rPr>
-              <a:t>    </a:t>
-            </a:r>
-            <a:r>
-              <a:rPr lang="en-US" dirty="0">
-                <a:solidFill>
-                  <a:srgbClr val="0033B3"/>
-                </a:solidFill>
-                <a:effectLst/>
-                <a:latin typeface="JetBrains Mono"/>
-              </a:rPr>
-              <a:t>match </a:t>
-            </a:r>
-            <a:r>
-              <a:rPr lang="en-US" dirty="0">
-                <a:solidFill>
-                  <a:srgbClr val="080808"/>
-                </a:solidFill>
-                <a:effectLst/>
-                <a:latin typeface="JetBrains Mono"/>
-              </a:rPr>
-              <a:t>employee {</a:t>
-            </a:r>
-          </a:p>
-          <a:p>
-            <a:pPr marL="0" indent="0">
-              <a:buNone/>
-            </a:pPr>
-            <a:r>
-              <a:rPr lang="en-US" dirty="0">
-                <a:solidFill>
-                  <a:srgbClr val="080808"/>
-                </a:solidFill>
-                <a:effectLst/>
-                <a:latin typeface="JetBrains Mono"/>
-              </a:rPr>
-              <a:t>        </a:t>
-            </a:r>
-            <a:r>
-              <a:rPr lang="en-US" dirty="0">
-                <a:solidFill>
-                  <a:srgbClr val="000000"/>
-                </a:solidFill>
-                <a:effectLst/>
-                <a:latin typeface="JetBrains Mono"/>
-              </a:rPr>
-              <a:t>Employee</a:t>
-            </a:r>
-            <a:r>
-              <a:rPr lang="en-US" dirty="0">
-                <a:solidFill>
-                  <a:srgbClr val="080808"/>
-                </a:solidFill>
-                <a:effectLst/>
-                <a:latin typeface="JetBrains Mono"/>
-              </a:rPr>
-              <a:t>::</a:t>
-            </a:r>
-            <a:r>
-              <a:rPr lang="en-US" i="1" dirty="0">
-                <a:solidFill>
-                  <a:srgbClr val="871094"/>
-                </a:solidFill>
-                <a:effectLst/>
-                <a:latin typeface="JetBrains Mono"/>
-              </a:rPr>
-              <a:t>Merchandiser </a:t>
-            </a:r>
-            <a:r>
-              <a:rPr lang="en-US" dirty="0">
-                <a:solidFill>
-                  <a:srgbClr val="080808"/>
-                </a:solidFill>
-                <a:effectLst/>
-                <a:latin typeface="JetBrains Mono"/>
-              </a:rPr>
-              <a:t>{ </a:t>
-            </a:r>
-            <a:r>
-              <a:rPr lang="en-US" dirty="0">
-                <a:solidFill>
-                  <a:srgbClr val="000000"/>
-                </a:solidFill>
-                <a:effectLst/>
-                <a:latin typeface="JetBrains Mono"/>
-              </a:rPr>
-              <a:t>name</a:t>
-            </a:r>
-            <a:r>
-              <a:rPr lang="en-US" dirty="0">
-                <a:solidFill>
-                  <a:srgbClr val="080808"/>
-                </a:solidFill>
-                <a:effectLst/>
-                <a:latin typeface="JetBrains Mono"/>
-              </a:rPr>
-              <a:t>, </a:t>
-            </a:r>
-            <a:r>
-              <a:rPr lang="en-US" dirty="0">
-                <a:solidFill>
-                  <a:srgbClr val="000000"/>
-                </a:solidFill>
-                <a:effectLst/>
-                <a:latin typeface="JetBrains Mono"/>
-              </a:rPr>
-              <a:t>age </a:t>
-            </a:r>
-            <a:r>
-              <a:rPr lang="en-US" dirty="0">
-                <a:solidFill>
-                  <a:srgbClr val="080808"/>
-                </a:solidFill>
-                <a:effectLst/>
-                <a:latin typeface="JetBrains Mono"/>
-              </a:rPr>
-              <a:t>} =&gt; {</a:t>
-            </a:r>
-            <a:br>
-              <a:rPr lang="en-US" dirty="0">
-                <a:solidFill>
-                  <a:srgbClr val="080808"/>
-                </a:solidFill>
-                <a:effectLst/>
-                <a:latin typeface="JetBrains Mono"/>
-              </a:rPr>
-            </a:br>
-            <a:r>
-              <a:rPr lang="en-US" dirty="0">
-                <a:solidFill>
-                  <a:srgbClr val="080808"/>
-                </a:solidFill>
-                <a:effectLst/>
-                <a:latin typeface="JetBrains Mono"/>
-              </a:rPr>
-              <a:t>            </a:t>
-            </a:r>
-            <a:r>
-              <a:rPr lang="en-US" dirty="0">
-                <a:solidFill>
-                  <a:srgbClr val="0033B3"/>
-                </a:solidFill>
-                <a:effectLst/>
-                <a:latin typeface="JetBrains Mono"/>
-              </a:rPr>
-              <a:t>if </a:t>
-            </a:r>
-            <a:r>
-              <a:rPr lang="en-US" dirty="0">
-                <a:solidFill>
-                  <a:srgbClr val="000000"/>
-                </a:solidFill>
-                <a:effectLst/>
-                <a:latin typeface="JetBrains Mono"/>
-              </a:rPr>
-              <a:t>age </a:t>
-            </a:r>
-            <a:r>
-              <a:rPr lang="en-US" dirty="0">
-                <a:solidFill>
-                  <a:srgbClr val="080808"/>
-                </a:solidFill>
-                <a:effectLst/>
-                <a:latin typeface="JetBrains Mono"/>
-              </a:rPr>
-              <a:t>&gt; </a:t>
-            </a:r>
-            <a:r>
-              <a:rPr lang="en-US" dirty="0">
-                <a:solidFill>
-                  <a:srgbClr val="1750EB"/>
-                </a:solidFill>
-                <a:effectLst/>
-                <a:latin typeface="JetBrains Mono"/>
-              </a:rPr>
-              <a:t>18 </a:t>
-            </a:r>
-            <a:r>
-              <a:rPr lang="en-US" dirty="0">
-                <a:solidFill>
-                  <a:srgbClr val="080808"/>
-                </a:solidFill>
-                <a:effectLst/>
-                <a:latin typeface="JetBrains Mono"/>
-              </a:rPr>
-              <a:t>{ </a:t>
-            </a:r>
-            <a:r>
-              <a:rPr lang="en-US" dirty="0">
-                <a:solidFill>
-                  <a:srgbClr val="1750EB"/>
-                </a:solidFill>
-                <a:effectLst/>
-                <a:latin typeface="JetBrains Mono"/>
-              </a:rPr>
-              <a:t>10 </a:t>
-            </a:r>
-            <a:r>
-              <a:rPr lang="en-US" dirty="0">
-                <a:solidFill>
-                  <a:srgbClr val="080808"/>
-                </a:solidFill>
-                <a:effectLst/>
-                <a:latin typeface="JetBrains Mono"/>
-              </a:rPr>
-              <a:t>} </a:t>
-            </a:r>
-            <a:r>
-              <a:rPr lang="en-US" dirty="0">
-                <a:solidFill>
-                  <a:srgbClr val="0033B3"/>
-                </a:solidFill>
-                <a:effectLst/>
-                <a:latin typeface="JetBrains Mono"/>
-              </a:rPr>
-              <a:t>else </a:t>
-            </a:r>
-            <a:r>
-              <a:rPr lang="en-US" dirty="0">
-                <a:solidFill>
-                  <a:srgbClr val="080808"/>
-                </a:solidFill>
-                <a:effectLst/>
-                <a:latin typeface="JetBrains Mono"/>
-              </a:rPr>
-              <a:t>{ </a:t>
-            </a:r>
-            <a:r>
-              <a:rPr lang="en-US" dirty="0">
-                <a:solidFill>
-                  <a:srgbClr val="1750EB"/>
-                </a:solidFill>
-                <a:effectLst/>
-                <a:latin typeface="JetBrains Mono"/>
-              </a:rPr>
-              <a:t>1 </a:t>
-            </a:r>
-            <a:r>
-              <a:rPr lang="en-US" dirty="0">
-                <a:solidFill>
-                  <a:srgbClr val="080808"/>
-                </a:solidFill>
-                <a:effectLst/>
-                <a:latin typeface="JetBrains Mono"/>
-              </a:rPr>
-              <a:t>}</a:t>
-            </a:r>
-            <a:br>
-              <a:rPr lang="en-US" dirty="0">
-                <a:solidFill>
-                  <a:srgbClr val="080808"/>
-                </a:solidFill>
-                <a:effectLst/>
-                <a:latin typeface="JetBrains Mono"/>
-              </a:rPr>
-            </a:br>
-            <a:r>
-              <a:rPr lang="en-US" dirty="0">
-                <a:solidFill>
-                  <a:srgbClr val="080808"/>
-                </a:solidFill>
-                <a:effectLst/>
-                <a:latin typeface="JetBrains Mono"/>
-              </a:rPr>
-              <a:t>        }</a:t>
-            </a:r>
-          </a:p>
-          <a:p>
-            <a:pPr marL="0" indent="0">
-              <a:buNone/>
-            </a:pPr>
-            <a:r>
-              <a:rPr lang="en-US" dirty="0">
-                <a:solidFill>
-                  <a:srgbClr val="080808"/>
-                </a:solidFill>
-                <a:effectLst/>
-                <a:latin typeface="JetBrains Mono"/>
-              </a:rPr>
-              <a:t>        </a:t>
-            </a:r>
-            <a:r>
-              <a:rPr lang="en-US" dirty="0">
-                <a:solidFill>
-                  <a:srgbClr val="000000"/>
-                </a:solidFill>
-                <a:effectLst/>
-                <a:latin typeface="JetBrains Mono"/>
-              </a:rPr>
-              <a:t>Employee</a:t>
-            </a:r>
-            <a:r>
-              <a:rPr lang="en-US" dirty="0">
-                <a:solidFill>
-                  <a:srgbClr val="080808"/>
-                </a:solidFill>
-                <a:effectLst/>
-                <a:latin typeface="JetBrains Mono"/>
-              </a:rPr>
-              <a:t>::</a:t>
-            </a:r>
-            <a:r>
-              <a:rPr lang="en-US" i="1" dirty="0">
-                <a:solidFill>
-                  <a:srgbClr val="871094"/>
-                </a:solidFill>
-                <a:effectLst/>
-                <a:latin typeface="JetBrains Mono"/>
-              </a:rPr>
-              <a:t>Cashier</a:t>
-            </a:r>
-            <a:r>
-              <a:rPr lang="en-US" dirty="0">
-                <a:solidFill>
-                  <a:srgbClr val="080808"/>
-                </a:solidFill>
-                <a:effectLst/>
-                <a:latin typeface="JetBrains Mono"/>
-              </a:rPr>
-              <a:t>(_) =&gt; { </a:t>
-            </a:r>
-            <a:r>
-              <a:rPr lang="en-US" dirty="0">
-                <a:solidFill>
-                  <a:srgbClr val="1750EB"/>
-                </a:solidFill>
-                <a:effectLst/>
-                <a:latin typeface="JetBrains Mono"/>
-              </a:rPr>
-              <a:t>5 </a:t>
-            </a:r>
-            <a:r>
-              <a:rPr lang="en-US" dirty="0">
-                <a:solidFill>
-                  <a:srgbClr val="080808"/>
-                </a:solidFill>
-                <a:effectLst/>
-                <a:latin typeface="JetBrains Mono"/>
-              </a:rPr>
-              <a:t>}</a:t>
-            </a:r>
-          </a:p>
-          <a:p>
-            <a:pPr marL="0" indent="0">
-              <a:buNone/>
-            </a:pPr>
-            <a:r>
-              <a:rPr lang="en-US" dirty="0">
-                <a:solidFill>
-                  <a:srgbClr val="080808"/>
-                </a:solidFill>
-                <a:effectLst/>
-                <a:latin typeface="JetBrains Mono"/>
-              </a:rPr>
-              <a:t>        </a:t>
-            </a:r>
-            <a:r>
-              <a:rPr lang="en-US" dirty="0">
-                <a:solidFill>
-                  <a:srgbClr val="000000"/>
-                </a:solidFill>
-                <a:effectLst/>
-                <a:latin typeface="JetBrains Mono"/>
-              </a:rPr>
-              <a:t>Employee</a:t>
-            </a:r>
-            <a:r>
-              <a:rPr lang="en-US" dirty="0">
-                <a:solidFill>
-                  <a:srgbClr val="080808"/>
-                </a:solidFill>
-                <a:effectLst/>
-                <a:latin typeface="JetBrains Mono"/>
-              </a:rPr>
-              <a:t>::</a:t>
-            </a:r>
-            <a:r>
-              <a:rPr lang="en-US" i="1" dirty="0">
-                <a:solidFill>
-                  <a:srgbClr val="871094"/>
-                </a:solidFill>
-                <a:effectLst/>
-                <a:latin typeface="JetBrains Mono"/>
-              </a:rPr>
-              <a:t>Laborer</a:t>
-            </a:r>
-            <a:r>
-              <a:rPr lang="en-US" dirty="0">
-                <a:solidFill>
-                  <a:srgbClr val="080808"/>
-                </a:solidFill>
-                <a:effectLst/>
-                <a:latin typeface="JetBrains Mono"/>
-              </a:rPr>
-              <a:t>(</a:t>
-            </a:r>
-            <a:r>
-              <a:rPr lang="en-US" dirty="0">
-                <a:solidFill>
-                  <a:srgbClr val="000000"/>
-                </a:solidFill>
-                <a:effectLst/>
-                <a:latin typeface="JetBrains Mono"/>
-              </a:rPr>
-              <a:t>height</a:t>
-            </a:r>
-            <a:r>
-              <a:rPr lang="en-US" dirty="0">
-                <a:solidFill>
-                  <a:srgbClr val="080808"/>
-                </a:solidFill>
-                <a:effectLst/>
-                <a:latin typeface="JetBrains Mono"/>
-              </a:rPr>
-              <a:t>, _) =&gt; { </a:t>
-            </a:r>
-            <a:r>
-              <a:rPr lang="en-US" dirty="0">
-                <a:solidFill>
-                  <a:srgbClr val="000000"/>
-                </a:solidFill>
-                <a:effectLst/>
-                <a:latin typeface="JetBrains Mono"/>
-              </a:rPr>
-              <a:t>height </a:t>
-            </a:r>
-            <a:r>
-              <a:rPr lang="en-US" dirty="0">
-                <a:solidFill>
-                  <a:srgbClr val="080808"/>
-                </a:solidFill>
-                <a:effectLst/>
-                <a:latin typeface="JetBrains Mono"/>
-              </a:rPr>
-              <a:t>}</a:t>
-            </a:r>
-          </a:p>
-          <a:p>
-            <a:pPr marL="0" indent="0">
-              <a:buNone/>
-            </a:pPr>
-            <a:r>
-              <a:rPr lang="en-US" dirty="0">
-                <a:solidFill>
-                  <a:srgbClr val="080808"/>
-                </a:solidFill>
-                <a:effectLst/>
-                <a:latin typeface="JetBrains Mono"/>
-              </a:rPr>
-              <a:t>        </a:t>
-            </a:r>
-            <a:r>
-              <a:rPr lang="en-US" dirty="0">
-                <a:solidFill>
-                  <a:srgbClr val="000000"/>
-                </a:solidFill>
-                <a:effectLst/>
-                <a:latin typeface="JetBrains Mono"/>
-              </a:rPr>
-              <a:t>Employee</a:t>
-            </a:r>
-            <a:r>
-              <a:rPr lang="en-US" dirty="0">
-                <a:solidFill>
-                  <a:srgbClr val="080808"/>
-                </a:solidFill>
-                <a:effectLst/>
-                <a:latin typeface="JetBrains Mono"/>
-              </a:rPr>
-              <a:t>::</a:t>
-            </a:r>
-            <a:r>
-              <a:rPr lang="en-US" i="1" dirty="0">
-                <a:solidFill>
-                  <a:srgbClr val="871094"/>
-                </a:solidFill>
-                <a:effectLst/>
-                <a:latin typeface="JetBrains Mono"/>
-              </a:rPr>
-              <a:t>Supervisor</a:t>
-            </a:r>
-            <a:r>
-              <a:rPr lang="en-US" dirty="0">
-                <a:solidFill>
-                  <a:srgbClr val="080808"/>
-                </a:solidFill>
-                <a:effectLst/>
-                <a:latin typeface="JetBrains Mono"/>
-              </a:rPr>
-              <a:t>(</a:t>
-            </a:r>
-            <a:r>
-              <a:rPr lang="en-US" dirty="0">
-                <a:solidFill>
-                  <a:srgbClr val="000000"/>
-                </a:solidFill>
-                <a:effectLst/>
-                <a:latin typeface="JetBrains Mono"/>
-              </a:rPr>
-              <a:t>degree</a:t>
-            </a:r>
-            <a:r>
-              <a:rPr lang="en-US" dirty="0">
-                <a:solidFill>
-                  <a:srgbClr val="080808"/>
-                </a:solidFill>
-                <a:effectLst/>
-                <a:latin typeface="JetBrains Mono"/>
-              </a:rPr>
-              <a:t>) =&gt; {</a:t>
-            </a:r>
-            <a:br>
-              <a:rPr lang="en-US" dirty="0">
-                <a:solidFill>
-                  <a:srgbClr val="080808"/>
-                </a:solidFill>
-                <a:effectLst/>
-                <a:latin typeface="JetBrains Mono"/>
-              </a:rPr>
-            </a:br>
-            <a:r>
-              <a:rPr lang="en-US" dirty="0">
-                <a:solidFill>
-                  <a:srgbClr val="080808"/>
-                </a:solidFill>
-                <a:effectLst/>
-                <a:latin typeface="JetBrains Mono"/>
-              </a:rPr>
-              <a:t>            </a:t>
-            </a:r>
-            <a:r>
-              <a:rPr lang="en-US" dirty="0">
-                <a:solidFill>
-                  <a:srgbClr val="0033B3"/>
-                </a:solidFill>
-                <a:effectLst/>
-                <a:latin typeface="JetBrains Mono"/>
-              </a:rPr>
-              <a:t>match </a:t>
-            </a:r>
-            <a:r>
-              <a:rPr lang="en-US" dirty="0">
-                <a:solidFill>
-                  <a:srgbClr val="000000"/>
-                </a:solidFill>
-                <a:effectLst/>
-                <a:latin typeface="JetBrains Mono"/>
-              </a:rPr>
-              <a:t>degree </a:t>
-            </a:r>
-            <a:r>
-              <a:rPr lang="en-US" dirty="0">
-                <a:solidFill>
-                  <a:srgbClr val="080808"/>
-                </a:solidFill>
-                <a:effectLst/>
-                <a:latin typeface="JetBrains Mono"/>
-              </a:rPr>
-              <a:t>{</a:t>
-            </a:r>
-            <a:br>
-              <a:rPr lang="en-US" dirty="0">
-                <a:solidFill>
-                  <a:srgbClr val="080808"/>
-                </a:solidFill>
-                <a:effectLst/>
-                <a:latin typeface="JetBrains Mono"/>
-              </a:rPr>
-            </a:br>
-            <a:r>
-              <a:rPr lang="en-US" dirty="0">
-                <a:solidFill>
-                  <a:srgbClr val="080808"/>
-                </a:solidFill>
-                <a:effectLst/>
-                <a:latin typeface="JetBrains Mono"/>
-              </a:rPr>
-              <a:t>                </a:t>
-            </a:r>
-            <a:r>
-              <a:rPr lang="en-US" dirty="0">
-                <a:solidFill>
-                  <a:srgbClr val="000000"/>
-                </a:solidFill>
-                <a:effectLst/>
-                <a:latin typeface="JetBrains Mono"/>
-              </a:rPr>
-              <a:t>Degree</a:t>
-            </a:r>
-            <a:r>
-              <a:rPr lang="en-US" dirty="0">
-                <a:solidFill>
-                  <a:srgbClr val="080808"/>
-                </a:solidFill>
-                <a:effectLst/>
-                <a:latin typeface="JetBrains Mono"/>
-              </a:rPr>
-              <a:t>::</a:t>
-            </a:r>
-            <a:r>
-              <a:rPr lang="en-US" i="1" dirty="0">
-                <a:solidFill>
-                  <a:srgbClr val="871094"/>
-                </a:solidFill>
-                <a:effectLst/>
-                <a:latin typeface="JetBrains Mono"/>
-              </a:rPr>
-              <a:t>School </a:t>
-            </a:r>
-            <a:r>
-              <a:rPr lang="en-US" dirty="0">
-                <a:solidFill>
-                  <a:srgbClr val="080808"/>
-                </a:solidFill>
-                <a:effectLst/>
-                <a:latin typeface="JetBrains Mono"/>
-              </a:rPr>
-              <a:t>=&gt; { </a:t>
-            </a:r>
-            <a:r>
-              <a:rPr lang="en-US" dirty="0">
-                <a:solidFill>
-                  <a:srgbClr val="1750EB"/>
-                </a:solidFill>
-                <a:effectLst/>
-                <a:latin typeface="JetBrains Mono"/>
-              </a:rPr>
-              <a:t>20 </a:t>
-            </a:r>
-            <a:r>
-              <a:rPr lang="en-US" dirty="0">
-                <a:solidFill>
-                  <a:srgbClr val="080808"/>
-                </a:solidFill>
-                <a:effectLst/>
-                <a:latin typeface="JetBrains Mono"/>
-              </a:rPr>
-              <a:t>}</a:t>
-            </a:r>
-            <a:br>
-              <a:rPr lang="en-US" dirty="0">
-                <a:solidFill>
-                  <a:srgbClr val="080808"/>
-                </a:solidFill>
-                <a:effectLst/>
-                <a:latin typeface="JetBrains Mono"/>
-              </a:rPr>
-            </a:br>
-            <a:r>
-              <a:rPr lang="en-US" dirty="0">
-                <a:solidFill>
-                  <a:srgbClr val="080808"/>
-                </a:solidFill>
-                <a:effectLst/>
-                <a:latin typeface="JetBrains Mono"/>
-              </a:rPr>
-              <a:t>                </a:t>
-            </a:r>
-            <a:r>
-              <a:rPr lang="en-US" dirty="0">
-                <a:solidFill>
-                  <a:srgbClr val="000000"/>
-                </a:solidFill>
-                <a:effectLst/>
-                <a:latin typeface="JetBrains Mono"/>
-              </a:rPr>
-              <a:t>Degree</a:t>
-            </a:r>
-            <a:r>
-              <a:rPr lang="en-US" dirty="0">
-                <a:solidFill>
-                  <a:srgbClr val="080808"/>
-                </a:solidFill>
-                <a:effectLst/>
-                <a:latin typeface="JetBrains Mono"/>
-              </a:rPr>
-              <a:t>::</a:t>
-            </a:r>
-            <a:r>
-              <a:rPr lang="en-US" i="1" dirty="0">
-                <a:solidFill>
-                  <a:srgbClr val="871094"/>
-                </a:solidFill>
-                <a:effectLst/>
-                <a:latin typeface="JetBrains Mono"/>
-              </a:rPr>
-              <a:t>University </a:t>
-            </a:r>
-            <a:r>
-              <a:rPr lang="en-US" dirty="0">
-                <a:solidFill>
-                  <a:srgbClr val="080808"/>
-                </a:solidFill>
-                <a:effectLst/>
-                <a:latin typeface="JetBrains Mono"/>
-              </a:rPr>
-              <a:t>=&gt; { </a:t>
-            </a:r>
-            <a:r>
-              <a:rPr lang="en-US" dirty="0">
-                <a:solidFill>
-                  <a:srgbClr val="1750EB"/>
-                </a:solidFill>
-                <a:effectLst/>
-                <a:latin typeface="JetBrains Mono"/>
-              </a:rPr>
-              <a:t>40 </a:t>
-            </a:r>
-            <a:r>
-              <a:rPr lang="en-US" dirty="0">
-                <a:solidFill>
-                  <a:srgbClr val="080808"/>
-                </a:solidFill>
-                <a:effectLst/>
-                <a:latin typeface="JetBrains Mono"/>
-              </a:rPr>
-              <a:t>}</a:t>
-            </a:r>
-            <a:br>
-              <a:rPr lang="en-US" dirty="0">
-                <a:solidFill>
-                  <a:srgbClr val="080808"/>
-                </a:solidFill>
-                <a:effectLst/>
-                <a:latin typeface="JetBrains Mono"/>
-              </a:rPr>
-            </a:br>
-            <a:r>
-              <a:rPr lang="en-US" dirty="0">
-                <a:solidFill>
-                  <a:srgbClr val="080808"/>
-                </a:solidFill>
-                <a:effectLst/>
-                <a:latin typeface="JetBrains Mono"/>
-              </a:rPr>
-              <a:t>            }</a:t>
-            </a:r>
-            <a:br>
-              <a:rPr lang="en-US" dirty="0">
-                <a:solidFill>
-                  <a:srgbClr val="080808"/>
-                </a:solidFill>
-                <a:effectLst/>
-                <a:latin typeface="JetBrains Mono"/>
-              </a:rPr>
-            </a:br>
-            <a:r>
-              <a:rPr lang="en-US" dirty="0">
-                <a:solidFill>
-                  <a:srgbClr val="080808"/>
-                </a:solidFill>
-                <a:effectLst/>
-                <a:latin typeface="JetBrains Mono"/>
-              </a:rPr>
-              <a:t>        }</a:t>
-            </a:r>
-          </a:p>
-          <a:p>
-            <a:pPr marL="0" indent="0">
-              <a:buNone/>
-            </a:pPr>
-            <a:r>
-              <a:rPr lang="en-US" dirty="0">
-                <a:solidFill>
-                  <a:srgbClr val="080808"/>
-                </a:solidFill>
-                <a:effectLst/>
-                <a:latin typeface="JetBrains Mono"/>
-              </a:rPr>
-              <a:t>        </a:t>
-            </a:r>
-            <a:r>
-              <a:rPr lang="en-US" dirty="0"/>
-              <a:t>Employee::</a:t>
-            </a:r>
-            <a:r>
-              <a:rPr lang="en-US" i="1" dirty="0">
-                <a:solidFill>
-                  <a:srgbClr val="871094"/>
-                </a:solidFill>
-                <a:effectLst/>
-                <a:latin typeface="JetBrains Mono"/>
-              </a:rPr>
-              <a:t>Director </a:t>
-            </a:r>
-            <a:r>
-              <a:rPr lang="en-US" dirty="0">
-                <a:solidFill>
-                  <a:srgbClr val="080808"/>
-                </a:solidFill>
-                <a:effectLst/>
-                <a:latin typeface="JetBrains Mono"/>
-              </a:rPr>
-              <a:t>=&gt; { </a:t>
-            </a:r>
-            <a:r>
-              <a:rPr lang="en-US" dirty="0">
-                <a:solidFill>
-                  <a:srgbClr val="1750EB"/>
-                </a:solidFill>
-                <a:effectLst/>
-                <a:latin typeface="JetBrains Mono"/>
-              </a:rPr>
-              <a:t>1000 </a:t>
-            </a:r>
-            <a:r>
-              <a:rPr lang="en-US" dirty="0">
-                <a:solidFill>
-                  <a:srgbClr val="080808"/>
-                </a:solidFill>
-                <a:effectLst/>
-                <a:latin typeface="JetBrains Mono"/>
-              </a:rPr>
-              <a:t>}</a:t>
-            </a:r>
-            <a:br>
-              <a:rPr lang="en-US" dirty="0">
-                <a:solidFill>
-                  <a:srgbClr val="080808"/>
-                </a:solidFill>
-                <a:effectLst/>
-                <a:latin typeface="JetBrains Mono"/>
-              </a:rPr>
-            </a:br>
-            <a:r>
-              <a:rPr lang="en-US" dirty="0">
-                <a:solidFill>
-                  <a:srgbClr val="080808"/>
-                </a:solidFill>
-                <a:effectLst/>
-                <a:latin typeface="JetBrains Mono"/>
-              </a:rPr>
-              <a:t>    }</a:t>
-            </a:r>
-            <a:br>
-              <a:rPr lang="en-US" dirty="0">
-                <a:solidFill>
-                  <a:srgbClr val="080808"/>
-                </a:solidFill>
-                <a:effectLst/>
-                <a:latin typeface="JetBrains Mono"/>
-              </a:rPr>
-            </a:br>
-            <a:r>
-              <a:rPr lang="en-US" dirty="0">
-                <a:solidFill>
-                  <a:srgbClr val="080808"/>
-                </a:solidFill>
-                <a:effectLst/>
-                <a:latin typeface="JetBrains Mono"/>
-              </a:rPr>
-              <a:t>}</a:t>
-            </a:r>
-          </a:p>
-          <a:p>
-            <a:pPr marL="0" indent="0">
-              <a:buNone/>
-            </a:pPr>
-            <a:endParaRPr lang="ru-RU" dirty="0"/>
-          </a:p>
-        </p:txBody>
-      </p:sp>
-    </p:spTree>
-    <p:extLst>
-      <p:ext uri="{BB962C8B-B14F-4D97-AF65-F5344CB8AC3E}">
-        <p14:creationId xmlns:p14="http://schemas.microsoft.com/office/powerpoint/2010/main" val="3761299223"/>
-      </p:ext>
-    </p:extLst>
-  </p:cSld>
-  <p:clrMapOvr>
-    <a:masterClrMapping/>
-  </p:clrMapOvr>
-  <p:timing>
-    <p:tnLst>
-      <p:par>
-        <p:cTn id="1" dur="indefinite" restart="never" nodeType="tmRoot">
-          <p:childTnLst>
-            <p:seq concurrent="1" nextAc="seek">
-              <p:cTn id="2" dur="indefinite" nodeType="mainSeq">
-                <p:childTnLst>
-                  <p:par>
-                    <p:cTn id="3" fill="hold">
-                      <p:stCondLst>
-                        <p:cond delay="indefinite"/>
-                      </p:stCondLst>
-                      <p:childTnLst>
-                        <p:par>
-                          <p:cTn id="4" fill="hold">
-                            <p:stCondLst>
-                              <p:cond delay="0"/>
-                            </p:stCondLst>
-                            <p:childTnLst>
-                              <p:par>
-                                <p:cTn id="5" presetID="1" presetClass="entr" presetSubtype="0" fill="hold" grpId="0" nodeType="clickEffect">
-                                  <p:stCondLst>
-                                    <p:cond delay="0"/>
-                                  </p:stCondLst>
-                                  <p:childTnLst>
-                                    <p:set>
-                                      <p:cBhvr>
-                                        <p:cTn id="6" dur="1" fill="hold">
-                                          <p:stCondLst>
-                                            <p:cond delay="0"/>
-                                          </p:stCondLst>
-                                        </p:cTn>
-                                        <p:tgtEl>
-                                          <p:spTgt spid="6">
-                                            <p:txEl>
-                                              <p:pRg st="0" end="0"/>
-                                            </p:txEl>
-                                          </p:spTgt>
-                                        </p:tgtEl>
-                                        <p:attrNameLst>
-                                          <p:attrName>style.visibility</p:attrName>
-                                        </p:attrNameLst>
-                                      </p:cBhvr>
-                                      <p:to>
-                                        <p:strVal val="visible"/>
-                                      </p:to>
-                                    </p:set>
-                                  </p:childTnLst>
-                                </p:cTn>
-                              </p:par>
-                            </p:childTnLst>
-                          </p:cTn>
-                        </p:par>
-                      </p:childTnLst>
-                    </p:cTn>
-                  </p:par>
-                  <p:par>
-                    <p:cTn id="7" fill="hold">
-                      <p:stCondLst>
-                        <p:cond delay="indefinite"/>
-                      </p:stCondLst>
-                      <p:childTnLst>
-                        <p:par>
-                          <p:cTn id="8" fill="hold">
-                            <p:stCondLst>
-                              <p:cond delay="0"/>
-                            </p:stCondLst>
-                            <p:childTnLst>
-                              <p:par>
-                                <p:cTn id="9" presetID="1" presetClass="entr" presetSubtype="0" fill="hold" grpId="0" nodeType="clickEffect">
-                                  <p:stCondLst>
-                                    <p:cond delay="0"/>
-                                  </p:stCondLst>
-                                  <p:childTnLst>
-                                    <p:set>
-                                      <p:cBhvr>
-                                        <p:cTn id="10" dur="1" fill="hold">
-                                          <p:stCondLst>
-                                            <p:cond delay="0"/>
-                                          </p:stCondLst>
-                                        </p:cTn>
-                                        <p:tgtEl>
-                                          <p:spTgt spid="6">
-                                            <p:txEl>
-                                              <p:pRg st="1" end="1"/>
-                                            </p:txEl>
-                                          </p:spTgt>
-                                        </p:tgtEl>
-                                        <p:attrNameLst>
-                                          <p:attrName>style.visibility</p:attrName>
-                                        </p:attrNameLst>
-                                      </p:cBhvr>
-                                      <p:to>
-                                        <p:strVal val="visible"/>
-                                      </p:to>
-                                    </p:set>
-                                  </p:childTnLst>
-                                </p:cTn>
-                              </p:par>
-                            </p:childTnLst>
-                          </p:cTn>
-                        </p:par>
-                      </p:childTnLst>
-                    </p:cTn>
-                  </p:par>
-                  <p:par>
-                    <p:cTn id="11" fill="hold">
-                      <p:stCondLst>
-                        <p:cond delay="indefinite"/>
-                      </p:stCondLst>
-                      <p:childTnLst>
-                        <p:par>
-                          <p:cTn id="12" fill="hold">
-                            <p:stCondLst>
-                              <p:cond delay="0"/>
-                            </p:stCondLst>
-                            <p:childTnLst>
-                              <p:par>
-                                <p:cTn id="13" presetID="1" presetClass="entr" presetSubtype="0" fill="hold" grpId="0" nodeType="clickEffect">
-                                  <p:stCondLst>
-                                    <p:cond delay="0"/>
-                                  </p:stCondLst>
-                                  <p:childTnLst>
-                                    <p:set>
-                                      <p:cBhvr>
-                                        <p:cTn id="14" dur="1" fill="hold">
-                                          <p:stCondLst>
-                                            <p:cond delay="0"/>
-                                          </p:stCondLst>
-                                        </p:cTn>
-                                        <p:tgtEl>
-                                          <p:spTgt spid="6">
-                                            <p:txEl>
-                                              <p:pRg st="2" end="2"/>
-                                            </p:txEl>
-                                          </p:spTgt>
-                                        </p:tgtEl>
-                                        <p:attrNameLst>
-                                          <p:attrName>style.visibility</p:attrName>
-                                        </p:attrNameLst>
-                                      </p:cBhvr>
-                                      <p:to>
-                                        <p:strVal val="visible"/>
-                                      </p:to>
-                                    </p:set>
-                                  </p:childTnLst>
-                                </p:cTn>
-                              </p:par>
-                            </p:childTnLst>
-                          </p:cTn>
-                        </p:par>
-                      </p:childTnLst>
-                    </p:cTn>
-                  </p:par>
-                  <p:par>
-                    <p:cTn id="15" fill="hold">
-                      <p:stCondLst>
-                        <p:cond delay="indefinite"/>
-                      </p:stCondLst>
-                      <p:childTnLst>
-                        <p:par>
-                          <p:cTn id="16" fill="hold">
-                            <p:stCondLst>
-                              <p:cond delay="0"/>
-                            </p:stCondLst>
-                            <p:childTnLst>
-                              <p:par>
-                                <p:cTn id="17" presetID="1" presetClass="entr" presetSubtype="0" fill="hold" grpId="0" nodeType="clickEffect">
-                                  <p:stCondLst>
-                                    <p:cond delay="0"/>
-                                  </p:stCondLst>
-                                  <p:childTnLst>
-                                    <p:set>
-                                      <p:cBhvr>
-                                        <p:cTn id="18" dur="1" fill="hold">
-                                          <p:stCondLst>
-                                            <p:cond delay="0"/>
-                                          </p:stCondLst>
-                                        </p:cTn>
-                                        <p:tgtEl>
-                                          <p:spTgt spid="6">
-                                            <p:txEl>
-                                              <p:pRg st="3" end="3"/>
-                                            </p:txEl>
-                                          </p:spTgt>
-                                        </p:tgtEl>
-                                        <p:attrNameLst>
-                                          <p:attrName>style.visibility</p:attrName>
-                                        </p:attrNameLst>
-                                      </p:cBhvr>
-                                      <p:to>
-                                        <p:strVal val="visible"/>
-                                      </p:to>
-                                    </p:set>
-                                  </p:childTnLst>
-                                </p:cTn>
-                              </p:par>
-                            </p:childTnLst>
-                          </p:cTn>
-                        </p:par>
-                      </p:childTnLst>
-                    </p:cTn>
-                  </p:par>
-                  <p:par>
-                    <p:cTn id="19" fill="hold">
-                      <p:stCondLst>
-                        <p:cond delay="indefinite"/>
-                      </p:stCondLst>
-                      <p:childTnLst>
-                        <p:par>
-                          <p:cTn id="20" fill="hold">
-                            <p:stCondLst>
-                              <p:cond delay="0"/>
-                            </p:stCondLst>
-                            <p:childTnLst>
-                              <p:par>
-                                <p:cTn id="21" presetID="1" presetClass="entr" presetSubtype="0" fill="hold" grpId="0" nodeType="clickEffect">
-                                  <p:stCondLst>
-                                    <p:cond delay="0"/>
-                                  </p:stCondLst>
-                                  <p:childTnLst>
-                                    <p:set>
-                                      <p:cBhvr>
-                                        <p:cTn id="22" dur="1" fill="hold">
-                                          <p:stCondLst>
-                                            <p:cond delay="0"/>
-                                          </p:stCondLst>
-                                        </p:cTn>
-                                        <p:tgtEl>
-                                          <p:spTgt spid="6">
-                                            <p:txEl>
-                                              <p:pRg st="4" end="4"/>
-                                            </p:txEl>
-                                          </p:spTgt>
-                                        </p:tgtEl>
-                                        <p:attrNameLst>
-                                          <p:attrName>style.visibility</p:attrName>
-                                        </p:attrNameLst>
-                                      </p:cBhvr>
-                                      <p:to>
-                                        <p:strVal val="visible"/>
-                                      </p:to>
-                                    </p:set>
-                                  </p:childTnLst>
-                                </p:cTn>
-                              </p:par>
-                            </p:childTnLst>
-                          </p:cTn>
-                        </p:par>
-                      </p:childTnLst>
-                    </p:cTn>
-                  </p:par>
-                  <p:par>
-                    <p:cTn id="23" fill="hold">
-                      <p:stCondLst>
-                        <p:cond delay="indefinite"/>
-                      </p:stCondLst>
-                      <p:childTnLst>
-                        <p:par>
-                          <p:cTn id="24" fill="hold">
-                            <p:stCondLst>
-                              <p:cond delay="0"/>
-                            </p:stCondLst>
-                            <p:childTnLst>
-                              <p:par>
-                                <p:cTn id="25" presetID="1" presetClass="entr" presetSubtype="0" fill="hold" grpId="0" nodeType="clickEffect">
-                                  <p:stCondLst>
-                                    <p:cond delay="0"/>
-                                  </p:stCondLst>
-                                  <p:childTnLst>
-                                    <p:set>
-                                      <p:cBhvr>
-                                        <p:cTn id="26" dur="1" fill="hold">
-                                          <p:stCondLst>
-                                            <p:cond delay="0"/>
-                                          </p:stCondLst>
-                                        </p:cTn>
-                                        <p:tgtEl>
-                                          <p:spTgt spid="6">
-                                            <p:txEl>
-                                              <p:pRg st="5" end="5"/>
-                                            </p:txEl>
-                                          </p:spTgt>
-                                        </p:tgtEl>
-                                        <p:attrNameLst>
-                                          <p:attrName>style.visibility</p:attrName>
-                                        </p:attrNameLst>
-                                      </p:cBhvr>
-                                      <p:to>
-                                        <p:strVal val="visible"/>
-                                      </p:to>
-                                    </p:set>
-                                  </p:childTnLst>
-                                </p:cTn>
-                              </p:par>
-                            </p:childTnLst>
-                          </p:cTn>
-                        </p:par>
-                      </p:childTnLst>
-                    </p:cTn>
-                  </p:par>
-                  <p:par>
-                    <p:cTn id="27" fill="hold">
-                      <p:stCondLst>
-                        <p:cond delay="indefinite"/>
-                      </p:stCondLst>
-                      <p:childTnLst>
-                        <p:par>
-                          <p:cTn id="28" fill="hold">
-                            <p:stCondLst>
-                              <p:cond delay="0"/>
-                            </p:stCondLst>
-                            <p:childTnLst>
-                              <p:par>
-                                <p:cTn id="29" presetID="1" presetClass="entr" presetSubtype="0" fill="hold" grpId="0" nodeType="clickEffect">
-                                  <p:stCondLst>
-                                    <p:cond delay="0"/>
-                                  </p:stCondLst>
-                                  <p:childTnLst>
-                                    <p:set>
-                                      <p:cBhvr>
-                                        <p:cTn id="30" dur="1" fill="hold">
-                                          <p:stCondLst>
-                                            <p:cond delay="0"/>
-                                          </p:stCondLst>
-                                        </p:cTn>
-                                        <p:tgtEl>
-                                          <p:spTgt spid="6">
-                                            <p:txEl>
-                                              <p:pRg st="6" end="6"/>
-                                            </p:txEl>
-                                          </p:spTgt>
-                                        </p:tgtEl>
-                                        <p:attrNameLst>
-                                          <p:attrName>style.visibility</p:attrName>
-                                        </p:attrNameLst>
-                                      </p:cBhvr>
-                                      <p:to>
-                                        <p:strVal val="visible"/>
-                                      </p:to>
-                                    </p:set>
-                                  </p:childTnLst>
-                                </p:cTn>
-                              </p:par>
-                            </p:childTnLst>
-                          </p:cTn>
-                        </p:par>
-                      </p:childTnLst>
-                    </p:cTn>
-                  </p:par>
-                </p:childTnLst>
-              </p:cTn>
-              <p:prevCondLst>
-                <p:cond evt="onPrev" delay="0">
-                  <p:tgtEl>
-                    <p:sldTgt/>
-                  </p:tgtEl>
-                </p:cond>
-              </p:prevCondLst>
-              <p:nextCondLst>
-                <p:cond evt="onNext" delay="0">
-                  <p:tgtEl>
-                    <p:sldTgt/>
-                  </p:tgtEl>
-                </p:cond>
-              </p:nextCondLst>
-            </p:seq>
-          </p:childTnLst>
-        </p:cTn>
-      </p:par>
-    </p:tnLst>
-    <p:bldLst>
-      <p:bldP spid="6" grpId="0" build="p"/>
     </p:bldLst>
   </p:timing>
 </p:sld>
@@ -25720,6 +26417,1421 @@
           <a:p>
             <a:r>
               <a:rPr lang="en-US" dirty="0"/>
+              <a:t>Pattern Matching</a:t>
+            </a:r>
+            <a:endParaRPr lang="ru-RU" dirty="0"/>
+          </a:p>
+        </p:txBody>
+      </p:sp>
+      <p:sp>
+        <p:nvSpPr>
+          <p:cNvPr id="6" name="Content Placeholder 5">
+            <a:extLst>
+              <a:ext uri="{FF2B5EF4-FFF2-40B4-BE49-F238E27FC236}">
+                <a16:creationId xmlns:a16="http://schemas.microsoft.com/office/drawing/2014/main" id="{E84AE0A2-9D24-6FCB-A3E3-7701C921801B}"/>
+              </a:ext>
+            </a:extLst>
+          </p:cNvPr>
+          <p:cNvSpPr>
+            <a:spLocks noGrp="1"/>
+          </p:cNvSpPr>
+          <p:nvPr>
+            <p:ph idx="1"/>
+          </p:nvPr>
+        </p:nvSpPr>
+        <p:spPr/>
+        <p:txBody>
+          <a:bodyPr>
+            <a:normAutofit fontScale="70000" lnSpcReduction="20000"/>
+          </a:bodyPr>
+          <a:lstStyle/>
+          <a:p>
+            <a:pPr marL="0" indent="0">
+              <a:buNone/>
+            </a:pPr>
+            <a:r>
+              <a:rPr lang="en-US" dirty="0" err="1">
+                <a:solidFill>
+                  <a:srgbClr val="0033B3"/>
+                </a:solidFill>
+                <a:effectLst/>
+                <a:latin typeface="JetBrains Mono"/>
+              </a:rPr>
+              <a:t>fn</a:t>
+            </a:r>
+            <a:r>
+              <a:rPr lang="en-US" dirty="0">
+                <a:solidFill>
+                  <a:srgbClr val="0033B3"/>
+                </a:solidFill>
+                <a:effectLst/>
+                <a:latin typeface="JetBrains Mono"/>
+              </a:rPr>
+              <a:t> </a:t>
+            </a:r>
+            <a:r>
+              <a:rPr lang="en-US" dirty="0" err="1">
+                <a:solidFill>
+                  <a:srgbClr val="00627A"/>
+                </a:solidFill>
+                <a:effectLst/>
+                <a:latin typeface="JetBrains Mono"/>
+              </a:rPr>
+              <a:t>pay_salary</a:t>
+            </a:r>
+            <a:r>
+              <a:rPr lang="en-US" dirty="0">
+                <a:solidFill>
+                  <a:srgbClr val="080808"/>
+                </a:solidFill>
+                <a:effectLst/>
+                <a:latin typeface="JetBrains Mono"/>
+              </a:rPr>
+              <a:t>(employee: </a:t>
+            </a:r>
+            <a:r>
+              <a:rPr lang="en-US" dirty="0">
+                <a:solidFill>
+                  <a:srgbClr val="000000"/>
+                </a:solidFill>
+                <a:effectLst/>
+                <a:latin typeface="JetBrains Mono"/>
+              </a:rPr>
+              <a:t>Employee</a:t>
+            </a:r>
+            <a:r>
+              <a:rPr lang="en-US" dirty="0">
+                <a:solidFill>
+                  <a:srgbClr val="080808"/>
+                </a:solidFill>
+                <a:effectLst/>
+                <a:latin typeface="JetBrains Mono"/>
+              </a:rPr>
+              <a:t>) -&gt; </a:t>
+            </a:r>
+            <a:r>
+              <a:rPr lang="en-US" dirty="0">
+                <a:solidFill>
+                  <a:srgbClr val="0033B3"/>
+                </a:solidFill>
+                <a:effectLst/>
+                <a:latin typeface="JetBrains Mono"/>
+              </a:rPr>
+              <a:t>u32 </a:t>
+            </a:r>
+            <a:r>
+              <a:rPr lang="en-US" dirty="0">
+                <a:solidFill>
+                  <a:srgbClr val="080808"/>
+                </a:solidFill>
+                <a:effectLst/>
+                <a:latin typeface="JetBrains Mono"/>
+              </a:rPr>
+              <a:t>{</a:t>
+            </a:r>
+          </a:p>
+          <a:p>
+            <a:pPr marL="0" indent="0">
+              <a:buNone/>
+            </a:pPr>
+            <a:r>
+              <a:rPr lang="en-US" dirty="0">
+                <a:solidFill>
+                  <a:srgbClr val="080808"/>
+                </a:solidFill>
+                <a:effectLst/>
+                <a:latin typeface="JetBrains Mono"/>
+              </a:rPr>
+              <a:t>    </a:t>
+            </a:r>
+            <a:r>
+              <a:rPr lang="en-US" dirty="0">
+                <a:solidFill>
+                  <a:srgbClr val="0033B3"/>
+                </a:solidFill>
+                <a:effectLst/>
+                <a:latin typeface="JetBrains Mono"/>
+              </a:rPr>
+              <a:t>match </a:t>
+            </a:r>
+            <a:r>
+              <a:rPr lang="en-US" dirty="0">
+                <a:solidFill>
+                  <a:srgbClr val="080808"/>
+                </a:solidFill>
+                <a:effectLst/>
+                <a:latin typeface="JetBrains Mono"/>
+              </a:rPr>
+              <a:t>employee {</a:t>
+            </a:r>
+          </a:p>
+          <a:p>
+            <a:pPr marL="0" indent="0">
+              <a:buNone/>
+            </a:pPr>
+            <a:r>
+              <a:rPr lang="en-US" dirty="0">
+                <a:solidFill>
+                  <a:srgbClr val="080808"/>
+                </a:solidFill>
+                <a:effectLst/>
+                <a:latin typeface="JetBrains Mono"/>
+              </a:rPr>
+              <a:t>        </a:t>
+            </a:r>
+            <a:r>
+              <a:rPr lang="en-US" dirty="0">
+                <a:solidFill>
+                  <a:srgbClr val="000000"/>
+                </a:solidFill>
+                <a:effectLst/>
+                <a:latin typeface="JetBrains Mono"/>
+              </a:rPr>
+              <a:t>Employee</a:t>
+            </a:r>
+            <a:r>
+              <a:rPr lang="en-US" dirty="0">
+                <a:solidFill>
+                  <a:srgbClr val="080808"/>
+                </a:solidFill>
+                <a:effectLst/>
+                <a:latin typeface="JetBrains Mono"/>
+              </a:rPr>
+              <a:t>::</a:t>
+            </a:r>
+            <a:r>
+              <a:rPr lang="en-US" i="1" dirty="0">
+                <a:solidFill>
+                  <a:srgbClr val="871094"/>
+                </a:solidFill>
+                <a:effectLst/>
+                <a:latin typeface="JetBrains Mono"/>
+              </a:rPr>
+              <a:t>Merchandiser </a:t>
+            </a:r>
+            <a:r>
+              <a:rPr lang="en-US" dirty="0">
+                <a:solidFill>
+                  <a:srgbClr val="080808"/>
+                </a:solidFill>
+                <a:effectLst/>
+                <a:latin typeface="JetBrains Mono"/>
+              </a:rPr>
+              <a:t>{ </a:t>
+            </a:r>
+            <a:r>
+              <a:rPr lang="en-US" dirty="0">
+                <a:solidFill>
+                  <a:srgbClr val="000000"/>
+                </a:solidFill>
+                <a:effectLst/>
+                <a:latin typeface="JetBrains Mono"/>
+              </a:rPr>
+              <a:t>name</a:t>
+            </a:r>
+            <a:r>
+              <a:rPr lang="en-US" dirty="0">
+                <a:solidFill>
+                  <a:srgbClr val="080808"/>
+                </a:solidFill>
+                <a:effectLst/>
+                <a:latin typeface="JetBrains Mono"/>
+              </a:rPr>
+              <a:t>, </a:t>
+            </a:r>
+            <a:r>
+              <a:rPr lang="en-US" dirty="0">
+                <a:solidFill>
+                  <a:srgbClr val="000000"/>
+                </a:solidFill>
+                <a:effectLst/>
+                <a:latin typeface="JetBrains Mono"/>
+              </a:rPr>
+              <a:t>age </a:t>
+            </a:r>
+            <a:r>
+              <a:rPr lang="en-US" dirty="0">
+                <a:solidFill>
+                  <a:srgbClr val="080808"/>
+                </a:solidFill>
+                <a:effectLst/>
+                <a:latin typeface="JetBrains Mono"/>
+              </a:rPr>
+              <a:t>} =&gt; {</a:t>
+            </a:r>
+            <a:br>
+              <a:rPr lang="en-US" dirty="0">
+                <a:solidFill>
+                  <a:srgbClr val="080808"/>
+                </a:solidFill>
+                <a:effectLst/>
+                <a:latin typeface="JetBrains Mono"/>
+              </a:rPr>
+            </a:br>
+            <a:r>
+              <a:rPr lang="en-US" dirty="0">
+                <a:solidFill>
+                  <a:srgbClr val="080808"/>
+                </a:solidFill>
+                <a:effectLst/>
+                <a:latin typeface="JetBrains Mono"/>
+              </a:rPr>
+              <a:t>            </a:t>
+            </a:r>
+            <a:r>
+              <a:rPr lang="en-US" dirty="0">
+                <a:solidFill>
+                  <a:srgbClr val="0033B3"/>
+                </a:solidFill>
+                <a:effectLst/>
+                <a:latin typeface="JetBrains Mono"/>
+              </a:rPr>
+              <a:t>if </a:t>
+            </a:r>
+            <a:r>
+              <a:rPr lang="en-US" dirty="0">
+                <a:solidFill>
+                  <a:srgbClr val="000000"/>
+                </a:solidFill>
+                <a:effectLst/>
+                <a:latin typeface="JetBrains Mono"/>
+              </a:rPr>
+              <a:t>age </a:t>
+            </a:r>
+            <a:r>
+              <a:rPr lang="en-US" dirty="0">
+                <a:solidFill>
+                  <a:srgbClr val="080808"/>
+                </a:solidFill>
+                <a:effectLst/>
+                <a:latin typeface="JetBrains Mono"/>
+              </a:rPr>
+              <a:t>&gt; </a:t>
+            </a:r>
+            <a:r>
+              <a:rPr lang="en-US" dirty="0">
+                <a:solidFill>
+                  <a:srgbClr val="1750EB"/>
+                </a:solidFill>
+                <a:effectLst/>
+                <a:latin typeface="JetBrains Mono"/>
+              </a:rPr>
+              <a:t>18 </a:t>
+            </a:r>
+            <a:r>
+              <a:rPr lang="en-US" dirty="0">
+                <a:solidFill>
+                  <a:srgbClr val="080808"/>
+                </a:solidFill>
+                <a:effectLst/>
+                <a:latin typeface="JetBrains Mono"/>
+              </a:rPr>
+              <a:t>{ </a:t>
+            </a:r>
+            <a:r>
+              <a:rPr lang="en-US" dirty="0">
+                <a:solidFill>
+                  <a:srgbClr val="1750EB"/>
+                </a:solidFill>
+                <a:effectLst/>
+                <a:latin typeface="JetBrains Mono"/>
+              </a:rPr>
+              <a:t>10 </a:t>
+            </a:r>
+            <a:r>
+              <a:rPr lang="en-US" dirty="0">
+                <a:solidFill>
+                  <a:srgbClr val="080808"/>
+                </a:solidFill>
+                <a:effectLst/>
+                <a:latin typeface="JetBrains Mono"/>
+              </a:rPr>
+              <a:t>} </a:t>
+            </a:r>
+            <a:r>
+              <a:rPr lang="en-US" dirty="0">
+                <a:solidFill>
+                  <a:srgbClr val="0033B3"/>
+                </a:solidFill>
+                <a:effectLst/>
+                <a:latin typeface="JetBrains Mono"/>
+              </a:rPr>
+              <a:t>else </a:t>
+            </a:r>
+            <a:r>
+              <a:rPr lang="en-US" dirty="0">
+                <a:solidFill>
+                  <a:srgbClr val="080808"/>
+                </a:solidFill>
+                <a:effectLst/>
+                <a:latin typeface="JetBrains Mono"/>
+              </a:rPr>
+              <a:t>{ </a:t>
+            </a:r>
+            <a:r>
+              <a:rPr lang="en-US" dirty="0">
+                <a:solidFill>
+                  <a:srgbClr val="1750EB"/>
+                </a:solidFill>
+                <a:effectLst/>
+                <a:latin typeface="JetBrains Mono"/>
+              </a:rPr>
+              <a:t>1 </a:t>
+            </a:r>
+            <a:r>
+              <a:rPr lang="en-US" dirty="0">
+                <a:solidFill>
+                  <a:srgbClr val="080808"/>
+                </a:solidFill>
+                <a:effectLst/>
+                <a:latin typeface="JetBrains Mono"/>
+              </a:rPr>
+              <a:t>}</a:t>
+            </a:r>
+            <a:br>
+              <a:rPr lang="en-US" dirty="0">
+                <a:solidFill>
+                  <a:srgbClr val="080808"/>
+                </a:solidFill>
+                <a:effectLst/>
+                <a:latin typeface="JetBrains Mono"/>
+              </a:rPr>
+            </a:br>
+            <a:r>
+              <a:rPr lang="en-US" dirty="0">
+                <a:solidFill>
+                  <a:srgbClr val="080808"/>
+                </a:solidFill>
+                <a:effectLst/>
+                <a:latin typeface="JetBrains Mono"/>
+              </a:rPr>
+              <a:t>        }</a:t>
+            </a:r>
+          </a:p>
+          <a:p>
+            <a:pPr marL="0" indent="0">
+              <a:buNone/>
+            </a:pPr>
+            <a:r>
+              <a:rPr lang="en-US" dirty="0">
+                <a:solidFill>
+                  <a:srgbClr val="080808"/>
+                </a:solidFill>
+                <a:effectLst/>
+                <a:latin typeface="JetBrains Mono"/>
+              </a:rPr>
+              <a:t>        </a:t>
+            </a:r>
+            <a:r>
+              <a:rPr lang="en-US" dirty="0">
+                <a:solidFill>
+                  <a:srgbClr val="000000"/>
+                </a:solidFill>
+                <a:effectLst/>
+                <a:latin typeface="JetBrains Mono"/>
+              </a:rPr>
+              <a:t>Employee</a:t>
+            </a:r>
+            <a:r>
+              <a:rPr lang="en-US" dirty="0">
+                <a:solidFill>
+                  <a:srgbClr val="080808"/>
+                </a:solidFill>
+                <a:effectLst/>
+                <a:latin typeface="JetBrains Mono"/>
+              </a:rPr>
+              <a:t>::</a:t>
+            </a:r>
+            <a:r>
+              <a:rPr lang="en-US" i="1" dirty="0">
+                <a:solidFill>
+                  <a:srgbClr val="871094"/>
+                </a:solidFill>
+                <a:effectLst/>
+                <a:latin typeface="JetBrains Mono"/>
+              </a:rPr>
+              <a:t>Cashier</a:t>
+            </a:r>
+            <a:r>
+              <a:rPr lang="en-US" dirty="0">
+                <a:solidFill>
+                  <a:srgbClr val="080808"/>
+                </a:solidFill>
+                <a:effectLst/>
+                <a:latin typeface="JetBrains Mono"/>
+              </a:rPr>
+              <a:t>(_) =&gt; { </a:t>
+            </a:r>
+            <a:r>
+              <a:rPr lang="en-US" dirty="0">
+                <a:solidFill>
+                  <a:srgbClr val="1750EB"/>
+                </a:solidFill>
+                <a:effectLst/>
+                <a:latin typeface="JetBrains Mono"/>
+              </a:rPr>
+              <a:t>5 </a:t>
+            </a:r>
+            <a:r>
+              <a:rPr lang="en-US" dirty="0">
+                <a:solidFill>
+                  <a:srgbClr val="080808"/>
+                </a:solidFill>
+                <a:effectLst/>
+                <a:latin typeface="JetBrains Mono"/>
+              </a:rPr>
+              <a:t>}</a:t>
+            </a:r>
+          </a:p>
+          <a:p>
+            <a:pPr marL="0" indent="0">
+              <a:buNone/>
+            </a:pPr>
+            <a:r>
+              <a:rPr lang="en-US" dirty="0">
+                <a:solidFill>
+                  <a:srgbClr val="080808"/>
+                </a:solidFill>
+                <a:effectLst/>
+                <a:latin typeface="JetBrains Mono"/>
+              </a:rPr>
+              <a:t>        </a:t>
+            </a:r>
+            <a:r>
+              <a:rPr lang="en-US" dirty="0">
+                <a:solidFill>
+                  <a:srgbClr val="000000"/>
+                </a:solidFill>
+                <a:effectLst/>
+                <a:latin typeface="JetBrains Mono"/>
+              </a:rPr>
+              <a:t>Employee</a:t>
+            </a:r>
+            <a:r>
+              <a:rPr lang="en-US" dirty="0">
+                <a:solidFill>
+                  <a:srgbClr val="080808"/>
+                </a:solidFill>
+                <a:effectLst/>
+                <a:latin typeface="JetBrains Mono"/>
+              </a:rPr>
+              <a:t>::</a:t>
+            </a:r>
+            <a:r>
+              <a:rPr lang="en-US" i="1" dirty="0">
+                <a:solidFill>
+                  <a:srgbClr val="871094"/>
+                </a:solidFill>
+                <a:effectLst/>
+                <a:latin typeface="JetBrains Mono"/>
+              </a:rPr>
+              <a:t>Laborer</a:t>
+            </a:r>
+            <a:r>
+              <a:rPr lang="en-US" dirty="0">
+                <a:solidFill>
+                  <a:srgbClr val="080808"/>
+                </a:solidFill>
+                <a:effectLst/>
+                <a:latin typeface="JetBrains Mono"/>
+              </a:rPr>
+              <a:t>(</a:t>
+            </a:r>
+            <a:r>
+              <a:rPr lang="en-US" dirty="0">
+                <a:solidFill>
+                  <a:srgbClr val="000000"/>
+                </a:solidFill>
+                <a:effectLst/>
+                <a:latin typeface="JetBrains Mono"/>
+              </a:rPr>
+              <a:t>height</a:t>
+            </a:r>
+            <a:r>
+              <a:rPr lang="en-US" dirty="0">
+                <a:solidFill>
+                  <a:srgbClr val="080808"/>
+                </a:solidFill>
+                <a:effectLst/>
+                <a:latin typeface="JetBrains Mono"/>
+              </a:rPr>
+              <a:t>, _) =&gt; { </a:t>
+            </a:r>
+            <a:r>
+              <a:rPr lang="en-US" dirty="0">
+                <a:solidFill>
+                  <a:srgbClr val="000000"/>
+                </a:solidFill>
+                <a:effectLst/>
+                <a:latin typeface="JetBrains Mono"/>
+              </a:rPr>
+              <a:t>height </a:t>
+            </a:r>
+            <a:r>
+              <a:rPr lang="en-US" dirty="0">
+                <a:solidFill>
+                  <a:srgbClr val="080808"/>
+                </a:solidFill>
+                <a:effectLst/>
+                <a:latin typeface="JetBrains Mono"/>
+              </a:rPr>
+              <a:t>}</a:t>
+            </a:r>
+          </a:p>
+          <a:p>
+            <a:pPr marL="0" indent="0">
+              <a:buNone/>
+            </a:pPr>
+            <a:r>
+              <a:rPr lang="en-US" dirty="0">
+                <a:solidFill>
+                  <a:srgbClr val="080808"/>
+                </a:solidFill>
+                <a:effectLst/>
+                <a:latin typeface="JetBrains Mono"/>
+              </a:rPr>
+              <a:t>        </a:t>
+            </a:r>
+            <a:r>
+              <a:rPr lang="en-US" dirty="0">
+                <a:solidFill>
+                  <a:srgbClr val="000000"/>
+                </a:solidFill>
+                <a:effectLst/>
+                <a:latin typeface="JetBrains Mono"/>
+              </a:rPr>
+              <a:t>Employee</a:t>
+            </a:r>
+            <a:r>
+              <a:rPr lang="en-US" dirty="0">
+                <a:solidFill>
+                  <a:srgbClr val="080808"/>
+                </a:solidFill>
+                <a:effectLst/>
+                <a:latin typeface="JetBrains Mono"/>
+              </a:rPr>
+              <a:t>::</a:t>
+            </a:r>
+            <a:r>
+              <a:rPr lang="en-US" i="1" dirty="0">
+                <a:solidFill>
+                  <a:srgbClr val="871094"/>
+                </a:solidFill>
+                <a:effectLst/>
+                <a:latin typeface="JetBrains Mono"/>
+              </a:rPr>
+              <a:t>Supervisor</a:t>
+            </a:r>
+            <a:r>
+              <a:rPr lang="en-US" dirty="0">
+                <a:solidFill>
+                  <a:srgbClr val="080808"/>
+                </a:solidFill>
+                <a:effectLst/>
+                <a:latin typeface="JetBrains Mono"/>
+              </a:rPr>
+              <a:t>(</a:t>
+            </a:r>
+            <a:r>
+              <a:rPr lang="en-US" dirty="0">
+                <a:solidFill>
+                  <a:srgbClr val="000000"/>
+                </a:solidFill>
+                <a:effectLst/>
+                <a:latin typeface="JetBrains Mono"/>
+              </a:rPr>
+              <a:t>degree</a:t>
+            </a:r>
+            <a:r>
+              <a:rPr lang="en-US" dirty="0">
+                <a:solidFill>
+                  <a:srgbClr val="080808"/>
+                </a:solidFill>
+                <a:effectLst/>
+                <a:latin typeface="JetBrains Mono"/>
+              </a:rPr>
+              <a:t>) =&gt; {</a:t>
+            </a:r>
+            <a:br>
+              <a:rPr lang="en-US" dirty="0">
+                <a:solidFill>
+                  <a:srgbClr val="080808"/>
+                </a:solidFill>
+                <a:effectLst/>
+                <a:latin typeface="JetBrains Mono"/>
+              </a:rPr>
+            </a:br>
+            <a:r>
+              <a:rPr lang="en-US" dirty="0">
+                <a:solidFill>
+                  <a:srgbClr val="080808"/>
+                </a:solidFill>
+                <a:effectLst/>
+                <a:latin typeface="JetBrains Mono"/>
+              </a:rPr>
+              <a:t>            </a:t>
+            </a:r>
+            <a:r>
+              <a:rPr lang="en-US" dirty="0">
+                <a:solidFill>
+                  <a:srgbClr val="0033B3"/>
+                </a:solidFill>
+                <a:effectLst/>
+                <a:latin typeface="JetBrains Mono"/>
+              </a:rPr>
+              <a:t>match </a:t>
+            </a:r>
+            <a:r>
+              <a:rPr lang="en-US" dirty="0">
+                <a:solidFill>
+                  <a:srgbClr val="000000"/>
+                </a:solidFill>
+                <a:effectLst/>
+                <a:latin typeface="JetBrains Mono"/>
+              </a:rPr>
+              <a:t>degree </a:t>
+            </a:r>
+            <a:r>
+              <a:rPr lang="en-US" dirty="0">
+                <a:solidFill>
+                  <a:srgbClr val="080808"/>
+                </a:solidFill>
+                <a:effectLst/>
+                <a:latin typeface="JetBrains Mono"/>
+              </a:rPr>
+              <a:t>{</a:t>
+            </a:r>
+            <a:br>
+              <a:rPr lang="en-US" dirty="0">
+                <a:solidFill>
+                  <a:srgbClr val="080808"/>
+                </a:solidFill>
+                <a:effectLst/>
+                <a:latin typeface="JetBrains Mono"/>
+              </a:rPr>
+            </a:br>
+            <a:r>
+              <a:rPr lang="en-US" dirty="0">
+                <a:solidFill>
+                  <a:srgbClr val="080808"/>
+                </a:solidFill>
+                <a:effectLst/>
+                <a:latin typeface="JetBrains Mono"/>
+              </a:rPr>
+              <a:t>                </a:t>
+            </a:r>
+            <a:r>
+              <a:rPr lang="en-US" dirty="0">
+                <a:solidFill>
+                  <a:srgbClr val="000000"/>
+                </a:solidFill>
+                <a:effectLst/>
+                <a:latin typeface="JetBrains Mono"/>
+              </a:rPr>
+              <a:t>Degree</a:t>
+            </a:r>
+            <a:r>
+              <a:rPr lang="en-US" dirty="0">
+                <a:solidFill>
+                  <a:srgbClr val="080808"/>
+                </a:solidFill>
+                <a:effectLst/>
+                <a:latin typeface="JetBrains Mono"/>
+              </a:rPr>
+              <a:t>::</a:t>
+            </a:r>
+            <a:r>
+              <a:rPr lang="en-US" i="1" dirty="0">
+                <a:solidFill>
+                  <a:srgbClr val="871094"/>
+                </a:solidFill>
+                <a:effectLst/>
+                <a:latin typeface="JetBrains Mono"/>
+              </a:rPr>
+              <a:t>School </a:t>
+            </a:r>
+            <a:r>
+              <a:rPr lang="en-US" dirty="0">
+                <a:solidFill>
+                  <a:srgbClr val="080808"/>
+                </a:solidFill>
+                <a:effectLst/>
+                <a:latin typeface="JetBrains Mono"/>
+              </a:rPr>
+              <a:t>=&gt; { </a:t>
+            </a:r>
+            <a:r>
+              <a:rPr lang="en-US" dirty="0">
+                <a:solidFill>
+                  <a:srgbClr val="1750EB"/>
+                </a:solidFill>
+                <a:effectLst/>
+                <a:latin typeface="JetBrains Mono"/>
+              </a:rPr>
+              <a:t>20 </a:t>
+            </a:r>
+            <a:r>
+              <a:rPr lang="en-US" dirty="0">
+                <a:solidFill>
+                  <a:srgbClr val="080808"/>
+                </a:solidFill>
+                <a:effectLst/>
+                <a:latin typeface="JetBrains Mono"/>
+              </a:rPr>
+              <a:t>}</a:t>
+            </a:r>
+            <a:br>
+              <a:rPr lang="en-US" dirty="0">
+                <a:solidFill>
+                  <a:srgbClr val="080808"/>
+                </a:solidFill>
+                <a:effectLst/>
+                <a:latin typeface="JetBrains Mono"/>
+              </a:rPr>
+            </a:br>
+            <a:r>
+              <a:rPr lang="en-US" dirty="0">
+                <a:solidFill>
+                  <a:srgbClr val="080808"/>
+                </a:solidFill>
+                <a:effectLst/>
+                <a:latin typeface="JetBrains Mono"/>
+              </a:rPr>
+              <a:t>                </a:t>
+            </a:r>
+            <a:r>
+              <a:rPr lang="en-US" dirty="0">
+                <a:solidFill>
+                  <a:srgbClr val="000000"/>
+                </a:solidFill>
+                <a:effectLst/>
+                <a:latin typeface="JetBrains Mono"/>
+              </a:rPr>
+              <a:t>Degree</a:t>
+            </a:r>
+            <a:r>
+              <a:rPr lang="en-US" dirty="0">
+                <a:solidFill>
+                  <a:srgbClr val="080808"/>
+                </a:solidFill>
+                <a:effectLst/>
+                <a:latin typeface="JetBrains Mono"/>
+              </a:rPr>
+              <a:t>::</a:t>
+            </a:r>
+            <a:r>
+              <a:rPr lang="en-US" i="1" dirty="0">
+                <a:solidFill>
+                  <a:srgbClr val="871094"/>
+                </a:solidFill>
+                <a:effectLst/>
+                <a:latin typeface="JetBrains Mono"/>
+              </a:rPr>
+              <a:t>University </a:t>
+            </a:r>
+            <a:r>
+              <a:rPr lang="en-US" dirty="0">
+                <a:solidFill>
+                  <a:srgbClr val="080808"/>
+                </a:solidFill>
+                <a:effectLst/>
+                <a:latin typeface="JetBrains Mono"/>
+              </a:rPr>
+              <a:t>=&gt; { </a:t>
+            </a:r>
+            <a:r>
+              <a:rPr lang="en-US" dirty="0">
+                <a:solidFill>
+                  <a:srgbClr val="1750EB"/>
+                </a:solidFill>
+                <a:effectLst/>
+                <a:latin typeface="JetBrains Mono"/>
+              </a:rPr>
+              <a:t>40 </a:t>
+            </a:r>
+            <a:r>
+              <a:rPr lang="en-US" dirty="0">
+                <a:solidFill>
+                  <a:srgbClr val="080808"/>
+                </a:solidFill>
+                <a:effectLst/>
+                <a:latin typeface="JetBrains Mono"/>
+              </a:rPr>
+              <a:t>}</a:t>
+            </a:r>
+            <a:br>
+              <a:rPr lang="en-US" dirty="0">
+                <a:solidFill>
+                  <a:srgbClr val="080808"/>
+                </a:solidFill>
+                <a:effectLst/>
+                <a:latin typeface="JetBrains Mono"/>
+              </a:rPr>
+            </a:br>
+            <a:r>
+              <a:rPr lang="en-US" dirty="0">
+                <a:solidFill>
+                  <a:srgbClr val="080808"/>
+                </a:solidFill>
+                <a:effectLst/>
+                <a:latin typeface="JetBrains Mono"/>
+              </a:rPr>
+              <a:t>            }</a:t>
+            </a:r>
+            <a:br>
+              <a:rPr lang="en-US" dirty="0">
+                <a:solidFill>
+                  <a:srgbClr val="080808"/>
+                </a:solidFill>
+                <a:effectLst/>
+                <a:latin typeface="JetBrains Mono"/>
+              </a:rPr>
+            </a:br>
+            <a:r>
+              <a:rPr lang="en-US" dirty="0">
+                <a:solidFill>
+                  <a:srgbClr val="080808"/>
+                </a:solidFill>
+                <a:effectLst/>
+                <a:latin typeface="JetBrains Mono"/>
+              </a:rPr>
+              <a:t>        }</a:t>
+            </a:r>
+          </a:p>
+          <a:p>
+            <a:pPr marL="0" indent="0">
+              <a:buNone/>
+            </a:pPr>
+            <a:r>
+              <a:rPr lang="en-US" dirty="0">
+                <a:solidFill>
+                  <a:srgbClr val="080808"/>
+                </a:solidFill>
+                <a:effectLst/>
+                <a:latin typeface="JetBrains Mono"/>
+              </a:rPr>
+              <a:t>        </a:t>
+            </a:r>
+            <a:r>
+              <a:rPr lang="en-US" dirty="0"/>
+              <a:t>Employee::</a:t>
+            </a:r>
+            <a:r>
+              <a:rPr lang="en-US" i="1" dirty="0">
+                <a:solidFill>
+                  <a:srgbClr val="871094"/>
+                </a:solidFill>
+                <a:effectLst/>
+                <a:latin typeface="JetBrains Mono"/>
+              </a:rPr>
+              <a:t>Director </a:t>
+            </a:r>
+            <a:r>
+              <a:rPr lang="en-US" dirty="0">
+                <a:solidFill>
+                  <a:srgbClr val="080808"/>
+                </a:solidFill>
+                <a:effectLst/>
+                <a:latin typeface="JetBrains Mono"/>
+              </a:rPr>
+              <a:t>=&gt; { </a:t>
+            </a:r>
+            <a:r>
+              <a:rPr lang="en-US" dirty="0">
+                <a:solidFill>
+                  <a:srgbClr val="1750EB"/>
+                </a:solidFill>
+                <a:effectLst/>
+                <a:latin typeface="JetBrains Mono"/>
+              </a:rPr>
+              <a:t>1000 </a:t>
+            </a:r>
+            <a:r>
+              <a:rPr lang="en-US" dirty="0">
+                <a:solidFill>
+                  <a:srgbClr val="080808"/>
+                </a:solidFill>
+                <a:effectLst/>
+                <a:latin typeface="JetBrains Mono"/>
+              </a:rPr>
+              <a:t>}</a:t>
+            </a:r>
+            <a:br>
+              <a:rPr lang="en-US" dirty="0">
+                <a:solidFill>
+                  <a:srgbClr val="080808"/>
+                </a:solidFill>
+                <a:effectLst/>
+                <a:latin typeface="JetBrains Mono"/>
+              </a:rPr>
+            </a:br>
+            <a:r>
+              <a:rPr lang="en-US" dirty="0">
+                <a:solidFill>
+                  <a:srgbClr val="080808"/>
+                </a:solidFill>
+                <a:effectLst/>
+                <a:latin typeface="JetBrains Mono"/>
+              </a:rPr>
+              <a:t>    }</a:t>
+            </a:r>
+            <a:br>
+              <a:rPr lang="en-US" dirty="0">
+                <a:solidFill>
+                  <a:srgbClr val="080808"/>
+                </a:solidFill>
+                <a:effectLst/>
+                <a:latin typeface="JetBrains Mono"/>
+              </a:rPr>
+            </a:br>
+            <a:r>
+              <a:rPr lang="en-US" dirty="0">
+                <a:solidFill>
+                  <a:srgbClr val="080808"/>
+                </a:solidFill>
+                <a:effectLst/>
+                <a:latin typeface="JetBrains Mono"/>
+              </a:rPr>
+              <a:t>}</a:t>
+            </a:r>
+          </a:p>
+          <a:p>
+            <a:pPr marL="0" indent="0">
+              <a:buNone/>
+            </a:pPr>
+            <a:endParaRPr lang="ru-RU" dirty="0"/>
+          </a:p>
+        </p:txBody>
+      </p:sp>
+    </p:spTree>
+    <p:extLst>
+      <p:ext uri="{BB962C8B-B14F-4D97-AF65-F5344CB8AC3E}">
+        <p14:creationId xmlns:p14="http://schemas.microsoft.com/office/powerpoint/2010/main" val="3761299223"/>
+      </p:ext>
+    </p:extLst>
+  </p:cSld>
+  <p:clrMapOvr>
+    <a:masterClrMapping/>
+  </p:clrMapOvr>
+  <p:timing>
+    <p:tnLst>
+      <p:par>
+        <p:cTn id="1" dur="indefinite" restart="never" nodeType="tmRoot">
+          <p:childTnLst>
+            <p:seq concurrent="1" nextAc="seek">
+              <p:cTn id="2" dur="indefinite" nodeType="mainSeq">
+                <p:childTnLst>
+                  <p:par>
+                    <p:cTn id="3" fill="hold">
+                      <p:stCondLst>
+                        <p:cond delay="indefinite"/>
+                      </p:stCondLst>
+                      <p:childTnLst>
+                        <p:par>
+                          <p:cTn id="4" fill="hold">
+                            <p:stCondLst>
+                              <p:cond delay="0"/>
+                            </p:stCondLst>
+                            <p:childTnLst>
+                              <p:par>
+                                <p:cTn id="5" presetID="1" presetClass="entr" presetSubtype="0" fill="hold" grpId="0" nodeType="clickEffect">
+                                  <p:stCondLst>
+                                    <p:cond delay="0"/>
+                                  </p:stCondLst>
+                                  <p:childTnLst>
+                                    <p:set>
+                                      <p:cBhvr>
+                                        <p:cTn id="6" dur="1" fill="hold">
+                                          <p:stCondLst>
+                                            <p:cond delay="0"/>
+                                          </p:stCondLst>
+                                        </p:cTn>
+                                        <p:tgtEl>
+                                          <p:spTgt spid="6">
+                                            <p:txEl>
+                                              <p:pRg st="0" end="0"/>
+                                            </p:txEl>
+                                          </p:spTgt>
+                                        </p:tgtEl>
+                                        <p:attrNameLst>
+                                          <p:attrName>style.visibility</p:attrName>
+                                        </p:attrNameLst>
+                                      </p:cBhvr>
+                                      <p:to>
+                                        <p:strVal val="visible"/>
+                                      </p:to>
+                                    </p:set>
+                                  </p:childTnLst>
+                                </p:cTn>
+                              </p:par>
+                            </p:childTnLst>
+                          </p:cTn>
+                        </p:par>
+                      </p:childTnLst>
+                    </p:cTn>
+                  </p:par>
+                  <p:par>
+                    <p:cTn id="7" fill="hold">
+                      <p:stCondLst>
+                        <p:cond delay="indefinite"/>
+                      </p:stCondLst>
+                      <p:childTnLst>
+                        <p:par>
+                          <p:cTn id="8" fill="hold">
+                            <p:stCondLst>
+                              <p:cond delay="0"/>
+                            </p:stCondLst>
+                            <p:childTnLst>
+                              <p:par>
+                                <p:cTn id="9" presetID="1" presetClass="entr" presetSubtype="0" fill="hold" grpId="0" nodeType="clickEffect">
+                                  <p:stCondLst>
+                                    <p:cond delay="0"/>
+                                  </p:stCondLst>
+                                  <p:childTnLst>
+                                    <p:set>
+                                      <p:cBhvr>
+                                        <p:cTn id="10" dur="1" fill="hold">
+                                          <p:stCondLst>
+                                            <p:cond delay="0"/>
+                                          </p:stCondLst>
+                                        </p:cTn>
+                                        <p:tgtEl>
+                                          <p:spTgt spid="6">
+                                            <p:txEl>
+                                              <p:pRg st="1" end="1"/>
+                                            </p:txEl>
+                                          </p:spTgt>
+                                        </p:tgtEl>
+                                        <p:attrNameLst>
+                                          <p:attrName>style.visibility</p:attrName>
+                                        </p:attrNameLst>
+                                      </p:cBhvr>
+                                      <p:to>
+                                        <p:strVal val="visible"/>
+                                      </p:to>
+                                    </p:set>
+                                  </p:childTnLst>
+                                </p:cTn>
+                              </p:par>
+                            </p:childTnLst>
+                          </p:cTn>
+                        </p:par>
+                      </p:childTnLst>
+                    </p:cTn>
+                  </p:par>
+                  <p:par>
+                    <p:cTn id="11" fill="hold">
+                      <p:stCondLst>
+                        <p:cond delay="indefinite"/>
+                      </p:stCondLst>
+                      <p:childTnLst>
+                        <p:par>
+                          <p:cTn id="12" fill="hold">
+                            <p:stCondLst>
+                              <p:cond delay="0"/>
+                            </p:stCondLst>
+                            <p:childTnLst>
+                              <p:par>
+                                <p:cTn id="13" presetID="1" presetClass="entr" presetSubtype="0" fill="hold" grpId="0" nodeType="clickEffect">
+                                  <p:stCondLst>
+                                    <p:cond delay="0"/>
+                                  </p:stCondLst>
+                                  <p:childTnLst>
+                                    <p:set>
+                                      <p:cBhvr>
+                                        <p:cTn id="14" dur="1" fill="hold">
+                                          <p:stCondLst>
+                                            <p:cond delay="0"/>
+                                          </p:stCondLst>
+                                        </p:cTn>
+                                        <p:tgtEl>
+                                          <p:spTgt spid="6">
+                                            <p:txEl>
+                                              <p:pRg st="2" end="2"/>
+                                            </p:txEl>
+                                          </p:spTgt>
+                                        </p:tgtEl>
+                                        <p:attrNameLst>
+                                          <p:attrName>style.visibility</p:attrName>
+                                        </p:attrNameLst>
+                                      </p:cBhvr>
+                                      <p:to>
+                                        <p:strVal val="visible"/>
+                                      </p:to>
+                                    </p:set>
+                                  </p:childTnLst>
+                                </p:cTn>
+                              </p:par>
+                            </p:childTnLst>
+                          </p:cTn>
+                        </p:par>
+                      </p:childTnLst>
+                    </p:cTn>
+                  </p:par>
+                  <p:par>
+                    <p:cTn id="15" fill="hold">
+                      <p:stCondLst>
+                        <p:cond delay="indefinite"/>
+                      </p:stCondLst>
+                      <p:childTnLst>
+                        <p:par>
+                          <p:cTn id="16" fill="hold">
+                            <p:stCondLst>
+                              <p:cond delay="0"/>
+                            </p:stCondLst>
+                            <p:childTnLst>
+                              <p:par>
+                                <p:cTn id="17" presetID="1" presetClass="entr" presetSubtype="0" fill="hold" grpId="0" nodeType="clickEffect">
+                                  <p:stCondLst>
+                                    <p:cond delay="0"/>
+                                  </p:stCondLst>
+                                  <p:childTnLst>
+                                    <p:set>
+                                      <p:cBhvr>
+                                        <p:cTn id="18" dur="1" fill="hold">
+                                          <p:stCondLst>
+                                            <p:cond delay="0"/>
+                                          </p:stCondLst>
+                                        </p:cTn>
+                                        <p:tgtEl>
+                                          <p:spTgt spid="6">
+                                            <p:txEl>
+                                              <p:pRg st="3" end="3"/>
+                                            </p:txEl>
+                                          </p:spTgt>
+                                        </p:tgtEl>
+                                        <p:attrNameLst>
+                                          <p:attrName>style.visibility</p:attrName>
+                                        </p:attrNameLst>
+                                      </p:cBhvr>
+                                      <p:to>
+                                        <p:strVal val="visible"/>
+                                      </p:to>
+                                    </p:set>
+                                  </p:childTnLst>
+                                </p:cTn>
+                              </p:par>
+                            </p:childTnLst>
+                          </p:cTn>
+                        </p:par>
+                      </p:childTnLst>
+                    </p:cTn>
+                  </p:par>
+                  <p:par>
+                    <p:cTn id="19" fill="hold">
+                      <p:stCondLst>
+                        <p:cond delay="indefinite"/>
+                      </p:stCondLst>
+                      <p:childTnLst>
+                        <p:par>
+                          <p:cTn id="20" fill="hold">
+                            <p:stCondLst>
+                              <p:cond delay="0"/>
+                            </p:stCondLst>
+                            <p:childTnLst>
+                              <p:par>
+                                <p:cTn id="21" presetID="1" presetClass="entr" presetSubtype="0" fill="hold" grpId="0" nodeType="clickEffect">
+                                  <p:stCondLst>
+                                    <p:cond delay="0"/>
+                                  </p:stCondLst>
+                                  <p:childTnLst>
+                                    <p:set>
+                                      <p:cBhvr>
+                                        <p:cTn id="22" dur="1" fill="hold">
+                                          <p:stCondLst>
+                                            <p:cond delay="0"/>
+                                          </p:stCondLst>
+                                        </p:cTn>
+                                        <p:tgtEl>
+                                          <p:spTgt spid="6">
+                                            <p:txEl>
+                                              <p:pRg st="4" end="4"/>
+                                            </p:txEl>
+                                          </p:spTgt>
+                                        </p:tgtEl>
+                                        <p:attrNameLst>
+                                          <p:attrName>style.visibility</p:attrName>
+                                        </p:attrNameLst>
+                                      </p:cBhvr>
+                                      <p:to>
+                                        <p:strVal val="visible"/>
+                                      </p:to>
+                                    </p:set>
+                                  </p:childTnLst>
+                                </p:cTn>
+                              </p:par>
+                            </p:childTnLst>
+                          </p:cTn>
+                        </p:par>
+                      </p:childTnLst>
+                    </p:cTn>
+                  </p:par>
+                  <p:par>
+                    <p:cTn id="23" fill="hold">
+                      <p:stCondLst>
+                        <p:cond delay="indefinite"/>
+                      </p:stCondLst>
+                      <p:childTnLst>
+                        <p:par>
+                          <p:cTn id="24" fill="hold">
+                            <p:stCondLst>
+                              <p:cond delay="0"/>
+                            </p:stCondLst>
+                            <p:childTnLst>
+                              <p:par>
+                                <p:cTn id="25" presetID="1" presetClass="entr" presetSubtype="0" fill="hold" grpId="0" nodeType="clickEffect">
+                                  <p:stCondLst>
+                                    <p:cond delay="0"/>
+                                  </p:stCondLst>
+                                  <p:childTnLst>
+                                    <p:set>
+                                      <p:cBhvr>
+                                        <p:cTn id="26" dur="1" fill="hold">
+                                          <p:stCondLst>
+                                            <p:cond delay="0"/>
+                                          </p:stCondLst>
+                                        </p:cTn>
+                                        <p:tgtEl>
+                                          <p:spTgt spid="6">
+                                            <p:txEl>
+                                              <p:pRg st="5" end="5"/>
+                                            </p:txEl>
+                                          </p:spTgt>
+                                        </p:tgtEl>
+                                        <p:attrNameLst>
+                                          <p:attrName>style.visibility</p:attrName>
+                                        </p:attrNameLst>
+                                      </p:cBhvr>
+                                      <p:to>
+                                        <p:strVal val="visible"/>
+                                      </p:to>
+                                    </p:set>
+                                  </p:childTnLst>
+                                </p:cTn>
+                              </p:par>
+                            </p:childTnLst>
+                          </p:cTn>
+                        </p:par>
+                      </p:childTnLst>
+                    </p:cTn>
+                  </p:par>
+                  <p:par>
+                    <p:cTn id="27" fill="hold">
+                      <p:stCondLst>
+                        <p:cond delay="indefinite"/>
+                      </p:stCondLst>
+                      <p:childTnLst>
+                        <p:par>
+                          <p:cTn id="28" fill="hold">
+                            <p:stCondLst>
+                              <p:cond delay="0"/>
+                            </p:stCondLst>
+                            <p:childTnLst>
+                              <p:par>
+                                <p:cTn id="29" presetID="1" presetClass="entr" presetSubtype="0" fill="hold" grpId="0" nodeType="clickEffect">
+                                  <p:stCondLst>
+                                    <p:cond delay="0"/>
+                                  </p:stCondLst>
+                                  <p:childTnLst>
+                                    <p:set>
+                                      <p:cBhvr>
+                                        <p:cTn id="30" dur="1" fill="hold">
+                                          <p:stCondLst>
+                                            <p:cond delay="0"/>
+                                          </p:stCondLst>
+                                        </p:cTn>
+                                        <p:tgtEl>
+                                          <p:spTgt spid="6">
+                                            <p:txEl>
+                                              <p:pRg st="6" end="6"/>
+                                            </p:txEl>
+                                          </p:spTgt>
+                                        </p:tgtEl>
+                                        <p:attrNameLst>
+                                          <p:attrName>style.visibility</p:attrName>
+                                        </p:attrNameLst>
+                                      </p:cBhvr>
+                                      <p:to>
+                                        <p:strVal val="visible"/>
+                                      </p:to>
+                                    </p:set>
+                                  </p:childTnLst>
+                                </p:cTn>
+                              </p:par>
+                            </p:childTnLst>
+                          </p:cTn>
+                        </p:par>
+                      </p:childTnLst>
+                    </p:cTn>
+                  </p:par>
+                </p:childTnLst>
+              </p:cTn>
+              <p:prevCondLst>
+                <p:cond evt="onPrev" delay="0">
+                  <p:tgtEl>
+                    <p:sldTgt/>
+                  </p:tgtEl>
+                </p:cond>
+              </p:prevCondLst>
+              <p:nextCondLst>
+                <p:cond evt="onNext" delay="0">
+                  <p:tgtEl>
+                    <p:sldTgt/>
+                  </p:tgtEl>
+                </p:cond>
+              </p:nextCondLst>
+            </p:seq>
+          </p:childTnLst>
+        </p:cTn>
+      </p:par>
+    </p:tnLst>
+    <p:bldLst>
+      <p:bldP spid="6" grpId="0" build="p"/>
+    </p:bldLst>
+  </p:timing>
+</p:sld>
+</file>
+
+<file path=ppt/slides/slide31.xml><?xml version="1.0" encoding="utf-8"?>
+<p:sld xmlns:a="http://schemas.openxmlformats.org/drawingml/2006/main" xmlns:r="http://schemas.openxmlformats.org/officeDocument/2006/relationships" xmlns:p="http://schemas.openxmlformats.org/presentationml/2006/main">
+  <p:cSld>
+    <p:spTree>
+      <p:nvGrpSpPr>
+        <p:cNvPr id="1" name=""/>
+        <p:cNvGrpSpPr/>
+        <p:nvPr/>
+      </p:nvGrpSpPr>
+      <p:grpSpPr>
+        <a:xfrm>
+          <a:off x="0" y="0"/>
+          <a:ext cx="0" cy="0"/>
+          <a:chOff x="0" y="0"/>
+          <a:chExt cx="0" cy="0"/>
+        </a:xfrm>
+      </p:grpSpPr>
+      <p:sp>
+        <p:nvSpPr>
+          <p:cNvPr id="2" name="Title 1">
+            <a:extLst>
+              <a:ext uri="{FF2B5EF4-FFF2-40B4-BE49-F238E27FC236}">
+                <a16:creationId xmlns:a16="http://schemas.microsoft.com/office/drawing/2014/main" id="{1E0B4077-1C1D-74C9-7416-8B2A60CED860}"/>
+              </a:ext>
+            </a:extLst>
+          </p:cNvPr>
+          <p:cNvSpPr>
+            <a:spLocks noGrp="1"/>
+          </p:cNvSpPr>
+          <p:nvPr>
+            <p:ph type="title"/>
+          </p:nvPr>
+        </p:nvSpPr>
+        <p:spPr/>
+        <p:txBody>
+          <a:bodyPr/>
+          <a:lstStyle/>
+          <a:p>
+            <a:r>
+              <a:rPr lang="en-US" dirty="0"/>
               <a:t>Pattern Matching is exhaustive</a:t>
             </a:r>
             <a:endParaRPr lang="ru-RU" dirty="0"/>
@@ -26730,7 +28842,7 @@
 </p:sld>
 </file>
 
-<file path=ppt/slides/slide31.xml><?xml version="1.0" encoding="utf-8"?>
+<file path=ppt/slides/slide32.xml><?xml version="1.0" encoding="utf-8"?>
 <p:sld xmlns:a="http://schemas.openxmlformats.org/drawingml/2006/main" xmlns:r="http://schemas.openxmlformats.org/officeDocument/2006/relationships" xmlns:p="http://schemas.openxmlformats.org/presentationml/2006/main">
   <p:cSld>
     <p:spTree>
@@ -27552,7 +29664,7 @@
 </p:sld>
 </file>
 
-<file path=ppt/slides/slide32.xml><?xml version="1.0" encoding="utf-8"?>
+<file path=ppt/slides/slide33.xml><?xml version="1.0" encoding="utf-8"?>
 <p:sld xmlns:a="http://schemas.openxmlformats.org/drawingml/2006/main" xmlns:r="http://schemas.openxmlformats.org/officeDocument/2006/relationships" xmlns:p="http://schemas.openxmlformats.org/presentationml/2006/main">
   <p:cSld>
     <p:spTree>
@@ -28379,7 +30491,7 @@
 </p:sld>
 </file>
 
-<file path=ppt/slides/slide33.xml><?xml version="1.0" encoding="utf-8"?>
+<file path=ppt/slides/slide34.xml><?xml version="1.0" encoding="utf-8"?>
 <p:sld xmlns:a="http://schemas.openxmlformats.org/drawingml/2006/main" xmlns:r="http://schemas.openxmlformats.org/officeDocument/2006/relationships" xmlns:p="http://schemas.openxmlformats.org/presentationml/2006/main">
   <p:cSld>
     <p:spTree>
@@ -29121,7 +31233,7 @@
 </p:sld>
 </file>
 
-<file path=ppt/slides/slide34.xml><?xml version="1.0" encoding="utf-8"?>
+<file path=ppt/slides/slide35.xml><?xml version="1.0" encoding="utf-8"?>
 <p:sld xmlns:a="http://schemas.openxmlformats.org/drawingml/2006/main" xmlns:r="http://schemas.openxmlformats.org/officeDocument/2006/relationships" xmlns:p="http://schemas.openxmlformats.org/presentationml/2006/main">
   <p:cSld>
     <p:spTree>
@@ -29915,7 +32027,7 @@
 </p:sld>
 </file>
 
-<file path=ppt/slides/slide35.xml><?xml version="1.0" encoding="utf-8"?>
+<file path=ppt/slides/slide36.xml><?xml version="1.0" encoding="utf-8"?>
 <p:sld xmlns:a="http://schemas.openxmlformats.org/drawingml/2006/main" xmlns:r="http://schemas.openxmlformats.org/officeDocument/2006/relationships" xmlns:p="http://schemas.openxmlformats.org/presentationml/2006/main">
   <p:cSld>
     <p:spTree>
@@ -30681,7 +32793,7 @@
 </p:sld>
 </file>
 
-<file path=ppt/slides/slide36.xml><?xml version="1.0" encoding="utf-8"?>
+<file path=ppt/slides/slide37.xml><?xml version="1.0" encoding="utf-8"?>
 <p:sld xmlns:a="http://schemas.openxmlformats.org/drawingml/2006/main" xmlns:r="http://schemas.openxmlformats.org/officeDocument/2006/relationships" xmlns:p="http://schemas.openxmlformats.org/presentationml/2006/main">
   <p:cSld>
     <p:spTree>
@@ -31368,7 +33480,7 @@
 </p:sld>
 </file>
 
-<file path=ppt/slides/slide37.xml><?xml version="1.0" encoding="utf-8"?>
+<file path=ppt/slides/slide38.xml><?xml version="1.0" encoding="utf-8"?>
 <p:sld xmlns:a="http://schemas.openxmlformats.org/drawingml/2006/main" xmlns:r="http://schemas.openxmlformats.org/officeDocument/2006/relationships" xmlns:p="http://schemas.openxmlformats.org/presentationml/2006/main">
   <p:cSld>
     <p:spTree>
@@ -32429,7 +34541,7 @@
 </p:sld>
 </file>
 
-<file path=ppt/slides/slide38.xml><?xml version="1.0" encoding="utf-8"?>
+<file path=ppt/slides/slide39.xml><?xml version="1.0" encoding="utf-8"?>
 <p:sld xmlns:a="http://schemas.openxmlformats.org/drawingml/2006/main" xmlns:r="http://schemas.openxmlformats.org/officeDocument/2006/relationships" xmlns:p="http://schemas.openxmlformats.org/presentationml/2006/main">
   <p:cSld>
     <p:spTree>
@@ -32766,642 +34878,6 @@
     <p:extLst>
       <p:ext uri="{BB962C8B-B14F-4D97-AF65-F5344CB8AC3E}">
         <p14:creationId xmlns:p14="http://schemas.microsoft.com/office/powerpoint/2010/main" val="3032146766"/>
-      </p:ext>
-    </p:extLst>
-  </p:cSld>
-  <p:clrMapOvr>
-    <a:masterClrMapping/>
-  </p:clrMapOvr>
-</p:sld>
-</file>
-
-<file path=ppt/slides/slide39.xml><?xml version="1.0" encoding="utf-8"?>
-<p:sld xmlns:a="http://schemas.openxmlformats.org/drawingml/2006/main" xmlns:r="http://schemas.openxmlformats.org/officeDocument/2006/relationships" xmlns:p="http://schemas.openxmlformats.org/presentationml/2006/main">
-  <p:cSld>
-    <p:spTree>
-      <p:nvGrpSpPr>
-        <p:cNvPr id="1" name=""/>
-        <p:cNvGrpSpPr/>
-        <p:nvPr/>
-      </p:nvGrpSpPr>
-      <p:grpSpPr>
-        <a:xfrm>
-          <a:off x="0" y="0"/>
-          <a:ext cx="0" cy="0"/>
-          <a:chOff x="0" y="0"/>
-          <a:chExt cx="0" cy="0"/>
-        </a:xfrm>
-      </p:grpSpPr>
-      <p:sp>
-        <p:nvSpPr>
-          <p:cNvPr id="2" name="Title 1">
-            <a:extLst>
-              <a:ext uri="{FF2B5EF4-FFF2-40B4-BE49-F238E27FC236}">
-                <a16:creationId xmlns:a16="http://schemas.microsoft.com/office/drawing/2014/main" id="{21A996EE-9314-53CC-AC38-ED4E9A6427D6}"/>
-              </a:ext>
-            </a:extLst>
-          </p:cNvPr>
-          <p:cNvSpPr>
-            <a:spLocks noGrp="1"/>
-          </p:cNvSpPr>
-          <p:nvPr>
-            <p:ph type="title"/>
-          </p:nvPr>
-        </p:nvSpPr>
-        <p:spPr/>
-        <p:txBody>
-          <a:bodyPr/>
-          <a:lstStyle/>
-          <a:p>
-            <a:r>
-              <a:rPr lang="en-US" dirty="0"/>
-              <a:t>Match Guard</a:t>
-            </a:r>
-            <a:endParaRPr lang="ru-RU" dirty="0"/>
-          </a:p>
-        </p:txBody>
-      </p:sp>
-      <p:sp>
-        <p:nvSpPr>
-          <p:cNvPr id="3" name="Content Placeholder 2">
-            <a:extLst>
-              <a:ext uri="{FF2B5EF4-FFF2-40B4-BE49-F238E27FC236}">
-                <a16:creationId xmlns:a16="http://schemas.microsoft.com/office/drawing/2014/main" id="{8C80373B-8041-0080-6CA5-4F3D2B2A57BD}"/>
-              </a:ext>
-            </a:extLst>
-          </p:cNvPr>
-          <p:cNvSpPr>
-            <a:spLocks noGrp="1"/>
-          </p:cNvSpPr>
-          <p:nvPr>
-            <p:ph idx="1"/>
-          </p:nvPr>
-        </p:nvSpPr>
-        <p:spPr/>
-        <p:txBody>
-          <a:bodyPr/>
-          <a:lstStyle/>
-          <a:p>
-            <a:pPr marL="0" indent="0">
-              <a:buNone/>
-            </a:pPr>
-            <a:r>
-              <a:rPr lang="en-US" dirty="0">
-                <a:solidFill>
-                  <a:srgbClr val="0033B3"/>
-                </a:solidFill>
-                <a:effectLst/>
-                <a:latin typeface="JetBrains Mono"/>
-              </a:rPr>
-              <a:t>let </a:t>
-            </a:r>
-            <a:r>
-              <a:rPr lang="en-US" dirty="0">
-                <a:solidFill>
-                  <a:srgbClr val="000000"/>
-                </a:solidFill>
-                <a:effectLst/>
-                <a:latin typeface="JetBrains Mono"/>
-              </a:rPr>
-              <a:t>num </a:t>
-            </a:r>
-            <a:r>
-              <a:rPr lang="en-US" dirty="0">
-                <a:solidFill>
-                  <a:srgbClr val="080808"/>
-                </a:solidFill>
-                <a:effectLst/>
-                <a:latin typeface="JetBrains Mono"/>
-              </a:rPr>
-              <a:t>= </a:t>
-            </a:r>
-            <a:r>
-              <a:rPr lang="en-US" i="1" dirty="0">
-                <a:solidFill>
-                  <a:srgbClr val="871094"/>
-                </a:solidFill>
-                <a:effectLst/>
-                <a:latin typeface="JetBrains Mono"/>
-              </a:rPr>
-              <a:t>Some</a:t>
-            </a:r>
-            <a:r>
-              <a:rPr lang="en-US" dirty="0">
-                <a:solidFill>
-                  <a:srgbClr val="080808"/>
-                </a:solidFill>
-                <a:effectLst/>
-                <a:latin typeface="JetBrains Mono"/>
-              </a:rPr>
-              <a:t>(</a:t>
-            </a:r>
-            <a:r>
-              <a:rPr lang="en-US" dirty="0">
-                <a:solidFill>
-                  <a:srgbClr val="1750EB"/>
-                </a:solidFill>
-                <a:effectLst/>
-                <a:latin typeface="JetBrains Mono"/>
-              </a:rPr>
-              <a:t>4</a:t>
-            </a:r>
-            <a:r>
-              <a:rPr lang="en-US" dirty="0">
-                <a:solidFill>
-                  <a:srgbClr val="080808"/>
-                </a:solidFill>
-                <a:effectLst/>
-                <a:latin typeface="JetBrains Mono"/>
-              </a:rPr>
-              <a:t>);</a:t>
-            </a:r>
-            <a:br>
-              <a:rPr lang="en-US" dirty="0">
-                <a:solidFill>
-                  <a:srgbClr val="080808"/>
-                </a:solidFill>
-                <a:effectLst/>
-                <a:latin typeface="JetBrains Mono"/>
-              </a:rPr>
-            </a:br>
-            <a:br>
-              <a:rPr lang="en-US" dirty="0">
-                <a:solidFill>
-                  <a:srgbClr val="080808"/>
-                </a:solidFill>
-                <a:effectLst/>
-                <a:latin typeface="JetBrains Mono"/>
-              </a:rPr>
-            </a:br>
-            <a:r>
-              <a:rPr lang="en-US" dirty="0">
-                <a:solidFill>
-                  <a:srgbClr val="0033B3"/>
-                </a:solidFill>
-                <a:effectLst/>
-                <a:latin typeface="JetBrains Mono"/>
-              </a:rPr>
-              <a:t>match </a:t>
-            </a:r>
-            <a:r>
-              <a:rPr lang="en-US" dirty="0">
-                <a:solidFill>
-                  <a:srgbClr val="000000"/>
-                </a:solidFill>
-                <a:effectLst/>
-                <a:latin typeface="JetBrains Mono"/>
-              </a:rPr>
-              <a:t>num </a:t>
-            </a:r>
-            <a:r>
-              <a:rPr lang="en-US" dirty="0">
-                <a:solidFill>
-                  <a:srgbClr val="080808"/>
-                </a:solidFill>
-                <a:effectLst/>
-                <a:latin typeface="JetBrains Mono"/>
-              </a:rPr>
-              <a:t>{</a:t>
-            </a:r>
-            <a:br>
-              <a:rPr lang="en-US" dirty="0">
-                <a:solidFill>
-                  <a:srgbClr val="080808"/>
-                </a:solidFill>
-                <a:effectLst/>
-                <a:latin typeface="JetBrains Mono"/>
-              </a:rPr>
-            </a:br>
-            <a:r>
-              <a:rPr lang="en-US" dirty="0">
-                <a:solidFill>
-                  <a:srgbClr val="080808"/>
-                </a:solidFill>
-                <a:effectLst/>
-                <a:latin typeface="JetBrains Mono"/>
-              </a:rPr>
-              <a:t>    </a:t>
-            </a:r>
-            <a:r>
-              <a:rPr lang="en-US" i="1" dirty="0">
-                <a:solidFill>
-                  <a:srgbClr val="871094"/>
-                </a:solidFill>
-                <a:effectLst/>
-                <a:latin typeface="JetBrains Mono"/>
-              </a:rPr>
-              <a:t>Some</a:t>
-            </a:r>
-            <a:r>
-              <a:rPr lang="en-US" dirty="0">
-                <a:solidFill>
-                  <a:srgbClr val="080808"/>
-                </a:solidFill>
-                <a:effectLst/>
-                <a:latin typeface="JetBrains Mono"/>
-              </a:rPr>
-              <a:t>(</a:t>
-            </a:r>
-            <a:r>
-              <a:rPr lang="en-US" dirty="0">
-                <a:solidFill>
-                  <a:srgbClr val="000000"/>
-                </a:solidFill>
-                <a:effectLst/>
-                <a:latin typeface="JetBrains Mono"/>
-              </a:rPr>
-              <a:t>x</a:t>
-            </a:r>
-            <a:r>
-              <a:rPr lang="en-US" dirty="0">
-                <a:solidFill>
-                  <a:srgbClr val="080808"/>
-                </a:solidFill>
-                <a:effectLst/>
-                <a:latin typeface="JetBrains Mono"/>
-              </a:rPr>
-              <a:t>) </a:t>
-            </a:r>
-            <a:r>
-              <a:rPr lang="en-US" b="1" dirty="0">
-                <a:solidFill>
-                  <a:srgbClr val="0033B3"/>
-                </a:solidFill>
-                <a:effectLst/>
-                <a:latin typeface="JetBrains Mono"/>
-              </a:rPr>
-              <a:t>if </a:t>
-            </a:r>
-            <a:r>
-              <a:rPr lang="en-US" b="1" dirty="0">
-                <a:solidFill>
-                  <a:srgbClr val="000000"/>
-                </a:solidFill>
-                <a:effectLst/>
-                <a:latin typeface="JetBrains Mono"/>
-              </a:rPr>
-              <a:t>x </a:t>
-            </a:r>
-            <a:r>
-              <a:rPr lang="en-US" b="1" dirty="0">
-                <a:solidFill>
-                  <a:srgbClr val="080808"/>
-                </a:solidFill>
-                <a:effectLst/>
-                <a:latin typeface="JetBrains Mono"/>
-              </a:rPr>
-              <a:t>% </a:t>
-            </a:r>
-            <a:r>
-              <a:rPr lang="en-US" b="1" dirty="0">
-                <a:solidFill>
-                  <a:srgbClr val="1750EB"/>
-                </a:solidFill>
-                <a:effectLst/>
-                <a:latin typeface="JetBrains Mono"/>
-              </a:rPr>
-              <a:t>2 </a:t>
-            </a:r>
-            <a:r>
-              <a:rPr lang="en-US" b="1" dirty="0">
-                <a:solidFill>
-                  <a:srgbClr val="080808"/>
-                </a:solidFill>
-                <a:effectLst/>
-                <a:latin typeface="JetBrains Mono"/>
-              </a:rPr>
-              <a:t>== </a:t>
-            </a:r>
-            <a:r>
-              <a:rPr lang="en-US" b="1" dirty="0">
-                <a:solidFill>
-                  <a:srgbClr val="1750EB"/>
-                </a:solidFill>
-                <a:effectLst/>
-                <a:latin typeface="JetBrains Mono"/>
-              </a:rPr>
-              <a:t>0 </a:t>
-            </a:r>
-            <a:r>
-              <a:rPr lang="en-US" dirty="0">
-                <a:solidFill>
-                  <a:srgbClr val="080808"/>
-                </a:solidFill>
-                <a:effectLst/>
-                <a:latin typeface="JetBrains Mono"/>
-              </a:rPr>
-              <a:t>=&gt; </a:t>
-            </a:r>
-            <a:r>
-              <a:rPr lang="en-US" dirty="0" err="1">
-                <a:solidFill>
-                  <a:srgbClr val="DD6718"/>
-                </a:solidFill>
-                <a:effectLst/>
-                <a:latin typeface="JetBrains Mono"/>
-              </a:rPr>
-              <a:t>println</a:t>
-            </a:r>
-            <a:r>
-              <a:rPr lang="en-US" dirty="0">
-                <a:solidFill>
-                  <a:srgbClr val="DD6718"/>
-                </a:solidFill>
-                <a:effectLst/>
-                <a:latin typeface="JetBrains Mono"/>
-              </a:rPr>
-              <a:t>!</a:t>
-            </a:r>
-            <a:r>
-              <a:rPr lang="en-US" dirty="0">
-                <a:solidFill>
-                  <a:srgbClr val="080808"/>
-                </a:solidFill>
-                <a:effectLst/>
-                <a:latin typeface="JetBrains Mono"/>
-              </a:rPr>
-              <a:t>(</a:t>
-            </a:r>
-            <a:r>
-              <a:rPr lang="en-US" dirty="0">
-                <a:solidFill>
-                  <a:srgbClr val="067D17"/>
-                </a:solidFill>
-                <a:effectLst/>
-                <a:latin typeface="JetBrains Mono"/>
-              </a:rPr>
-              <a:t>"The number </a:t>
-            </a:r>
-            <a:r>
-              <a:rPr lang="en-US" dirty="0">
-                <a:solidFill>
-                  <a:srgbClr val="0037A6"/>
-                </a:solidFill>
-                <a:effectLst/>
-                <a:latin typeface="JetBrains Mono"/>
-              </a:rPr>
-              <a:t>{}</a:t>
-            </a:r>
-            <a:r>
-              <a:rPr lang="en-US" dirty="0">
-                <a:solidFill>
-                  <a:srgbClr val="067D17"/>
-                </a:solidFill>
-                <a:effectLst/>
-                <a:latin typeface="JetBrains Mono"/>
-              </a:rPr>
-              <a:t> is even"</a:t>
-            </a:r>
-            <a:r>
-              <a:rPr lang="en-US" dirty="0">
-                <a:solidFill>
-                  <a:srgbClr val="080808"/>
-                </a:solidFill>
-                <a:effectLst/>
-                <a:latin typeface="JetBrains Mono"/>
-              </a:rPr>
-              <a:t>, </a:t>
-            </a:r>
-            <a:r>
-              <a:rPr lang="en-US" dirty="0">
-                <a:solidFill>
-                  <a:srgbClr val="000000"/>
-                </a:solidFill>
-                <a:effectLst/>
-                <a:latin typeface="JetBrains Mono"/>
-              </a:rPr>
-              <a:t>x</a:t>
-            </a:r>
-            <a:r>
-              <a:rPr lang="en-US" dirty="0">
-                <a:solidFill>
-                  <a:srgbClr val="080808"/>
-                </a:solidFill>
-                <a:effectLst/>
-                <a:latin typeface="JetBrains Mono"/>
-              </a:rPr>
-              <a:t>),</a:t>
-            </a:r>
-            <a:br>
-              <a:rPr lang="en-US" dirty="0">
-                <a:solidFill>
-                  <a:srgbClr val="080808"/>
-                </a:solidFill>
-                <a:effectLst/>
-                <a:latin typeface="JetBrains Mono"/>
-              </a:rPr>
-            </a:br>
-            <a:r>
-              <a:rPr lang="en-US" dirty="0">
-                <a:solidFill>
-                  <a:srgbClr val="080808"/>
-                </a:solidFill>
-                <a:effectLst/>
-                <a:latin typeface="JetBrains Mono"/>
-              </a:rPr>
-              <a:t>    </a:t>
-            </a:r>
-            <a:r>
-              <a:rPr lang="en-US" i="1" dirty="0">
-                <a:solidFill>
-                  <a:srgbClr val="871094"/>
-                </a:solidFill>
-                <a:effectLst/>
-                <a:latin typeface="JetBrains Mono"/>
-              </a:rPr>
-              <a:t>Some</a:t>
-            </a:r>
-            <a:r>
-              <a:rPr lang="en-US" dirty="0">
-                <a:solidFill>
-                  <a:srgbClr val="080808"/>
-                </a:solidFill>
-                <a:effectLst/>
-                <a:latin typeface="JetBrains Mono"/>
-              </a:rPr>
-              <a:t>(</a:t>
-            </a:r>
-            <a:r>
-              <a:rPr lang="en-US" dirty="0">
-                <a:solidFill>
-                  <a:srgbClr val="000000"/>
-                </a:solidFill>
-                <a:effectLst/>
-                <a:latin typeface="JetBrains Mono"/>
-              </a:rPr>
-              <a:t>x</a:t>
-            </a:r>
-            <a:r>
-              <a:rPr lang="en-US" dirty="0">
-                <a:solidFill>
-                  <a:srgbClr val="080808"/>
-                </a:solidFill>
-                <a:effectLst/>
-                <a:latin typeface="JetBrains Mono"/>
-              </a:rPr>
-              <a:t>) =&gt; </a:t>
-            </a:r>
-            <a:r>
-              <a:rPr lang="en-US" dirty="0" err="1">
-                <a:solidFill>
-                  <a:srgbClr val="DD6718"/>
-                </a:solidFill>
-                <a:effectLst/>
-                <a:latin typeface="JetBrains Mono"/>
-              </a:rPr>
-              <a:t>println</a:t>
-            </a:r>
-            <a:r>
-              <a:rPr lang="en-US" dirty="0">
-                <a:solidFill>
-                  <a:srgbClr val="DD6718"/>
-                </a:solidFill>
-                <a:effectLst/>
-                <a:latin typeface="JetBrains Mono"/>
-              </a:rPr>
-              <a:t>!</a:t>
-            </a:r>
-            <a:r>
-              <a:rPr lang="en-US" dirty="0">
-                <a:solidFill>
-                  <a:srgbClr val="080808"/>
-                </a:solidFill>
-                <a:effectLst/>
-                <a:latin typeface="JetBrains Mono"/>
-              </a:rPr>
-              <a:t>(</a:t>
-            </a:r>
-            <a:r>
-              <a:rPr lang="en-US" dirty="0">
-                <a:solidFill>
-                  <a:srgbClr val="067D17"/>
-                </a:solidFill>
-                <a:effectLst/>
-                <a:latin typeface="JetBrains Mono"/>
-              </a:rPr>
-              <a:t>"The number </a:t>
-            </a:r>
-            <a:r>
-              <a:rPr lang="en-US" dirty="0">
-                <a:solidFill>
-                  <a:srgbClr val="0037A6"/>
-                </a:solidFill>
-                <a:effectLst/>
-                <a:latin typeface="JetBrains Mono"/>
-              </a:rPr>
-              <a:t>{}</a:t>
-            </a:r>
-            <a:r>
-              <a:rPr lang="en-US" dirty="0">
-                <a:solidFill>
-                  <a:srgbClr val="067D17"/>
-                </a:solidFill>
-                <a:effectLst/>
-                <a:latin typeface="JetBrains Mono"/>
-              </a:rPr>
-              <a:t> is odd"</a:t>
-            </a:r>
-            <a:r>
-              <a:rPr lang="en-US" dirty="0">
-                <a:solidFill>
-                  <a:srgbClr val="080808"/>
-                </a:solidFill>
-                <a:effectLst/>
-                <a:latin typeface="JetBrains Mono"/>
-              </a:rPr>
-              <a:t>, </a:t>
-            </a:r>
-            <a:r>
-              <a:rPr lang="en-US" dirty="0">
-                <a:solidFill>
-                  <a:srgbClr val="000000"/>
-                </a:solidFill>
-                <a:effectLst/>
-                <a:latin typeface="JetBrains Mono"/>
-              </a:rPr>
-              <a:t>x</a:t>
-            </a:r>
-            <a:r>
-              <a:rPr lang="en-US" dirty="0">
-                <a:solidFill>
-                  <a:srgbClr val="080808"/>
-                </a:solidFill>
-                <a:effectLst/>
-                <a:latin typeface="JetBrains Mono"/>
-              </a:rPr>
-              <a:t>),</a:t>
-            </a:r>
-            <a:br>
-              <a:rPr lang="en-US" dirty="0">
-                <a:solidFill>
-                  <a:srgbClr val="080808"/>
-                </a:solidFill>
-                <a:effectLst/>
-                <a:latin typeface="JetBrains Mono"/>
-              </a:rPr>
-            </a:br>
-            <a:r>
-              <a:rPr lang="en-US" dirty="0">
-                <a:solidFill>
-                  <a:srgbClr val="080808"/>
-                </a:solidFill>
-                <a:effectLst/>
-                <a:latin typeface="JetBrains Mono"/>
-              </a:rPr>
-              <a:t>    </a:t>
-            </a:r>
-            <a:r>
-              <a:rPr lang="en-US" i="1" dirty="0">
-                <a:solidFill>
-                  <a:srgbClr val="871094"/>
-                </a:solidFill>
-                <a:effectLst/>
-                <a:latin typeface="JetBrains Mono"/>
-              </a:rPr>
-              <a:t>None </a:t>
-            </a:r>
-            <a:r>
-              <a:rPr lang="en-US" dirty="0">
-                <a:solidFill>
-                  <a:srgbClr val="080808"/>
-                </a:solidFill>
-                <a:effectLst/>
-                <a:latin typeface="JetBrains Mono"/>
-              </a:rPr>
-              <a:t>=&gt; (),</a:t>
-            </a:r>
-            <a:br>
-              <a:rPr lang="en-US" dirty="0">
-                <a:solidFill>
-                  <a:srgbClr val="080808"/>
-                </a:solidFill>
-                <a:effectLst/>
-                <a:latin typeface="JetBrains Mono"/>
-              </a:rPr>
-            </a:br>
-            <a:r>
-              <a:rPr lang="en-US" dirty="0">
-                <a:solidFill>
-                  <a:srgbClr val="080808"/>
-                </a:solidFill>
-                <a:effectLst/>
-                <a:latin typeface="JetBrains Mono"/>
-              </a:rPr>
-              <a:t>}</a:t>
-            </a:r>
-          </a:p>
-          <a:p>
-            <a:pPr marL="0" indent="0">
-              <a:buNone/>
-            </a:pPr>
-            <a:endParaRPr lang="ru-RU" dirty="0"/>
-          </a:p>
-        </p:txBody>
-      </p:sp>
-    </p:spTree>
-    <p:extLst>
-      <p:ext uri="{BB962C8B-B14F-4D97-AF65-F5344CB8AC3E}">
-        <p14:creationId xmlns:p14="http://schemas.microsoft.com/office/powerpoint/2010/main" val="1155675239"/>
       </p:ext>
     </p:extLst>
   </p:cSld>
@@ -34063,6 +35539,642 @@
           <p:cNvPr id="2" name="Title 1">
             <a:extLst>
               <a:ext uri="{FF2B5EF4-FFF2-40B4-BE49-F238E27FC236}">
+                <a16:creationId xmlns:a16="http://schemas.microsoft.com/office/drawing/2014/main" id="{21A996EE-9314-53CC-AC38-ED4E9A6427D6}"/>
+              </a:ext>
+            </a:extLst>
+          </p:cNvPr>
+          <p:cNvSpPr>
+            <a:spLocks noGrp="1"/>
+          </p:cNvSpPr>
+          <p:nvPr>
+            <p:ph type="title"/>
+          </p:nvPr>
+        </p:nvSpPr>
+        <p:spPr/>
+        <p:txBody>
+          <a:bodyPr/>
+          <a:lstStyle/>
+          <a:p>
+            <a:r>
+              <a:rPr lang="en-US" dirty="0"/>
+              <a:t>Match Guard</a:t>
+            </a:r>
+            <a:endParaRPr lang="ru-RU" dirty="0"/>
+          </a:p>
+        </p:txBody>
+      </p:sp>
+      <p:sp>
+        <p:nvSpPr>
+          <p:cNvPr id="3" name="Content Placeholder 2">
+            <a:extLst>
+              <a:ext uri="{FF2B5EF4-FFF2-40B4-BE49-F238E27FC236}">
+                <a16:creationId xmlns:a16="http://schemas.microsoft.com/office/drawing/2014/main" id="{8C80373B-8041-0080-6CA5-4F3D2B2A57BD}"/>
+              </a:ext>
+            </a:extLst>
+          </p:cNvPr>
+          <p:cNvSpPr>
+            <a:spLocks noGrp="1"/>
+          </p:cNvSpPr>
+          <p:nvPr>
+            <p:ph idx="1"/>
+          </p:nvPr>
+        </p:nvSpPr>
+        <p:spPr/>
+        <p:txBody>
+          <a:bodyPr/>
+          <a:lstStyle/>
+          <a:p>
+            <a:pPr marL="0" indent="0">
+              <a:buNone/>
+            </a:pPr>
+            <a:r>
+              <a:rPr lang="en-US" dirty="0">
+                <a:solidFill>
+                  <a:srgbClr val="0033B3"/>
+                </a:solidFill>
+                <a:effectLst/>
+                <a:latin typeface="JetBrains Mono"/>
+              </a:rPr>
+              <a:t>let </a:t>
+            </a:r>
+            <a:r>
+              <a:rPr lang="en-US" dirty="0">
+                <a:solidFill>
+                  <a:srgbClr val="000000"/>
+                </a:solidFill>
+                <a:effectLst/>
+                <a:latin typeface="JetBrains Mono"/>
+              </a:rPr>
+              <a:t>num </a:t>
+            </a:r>
+            <a:r>
+              <a:rPr lang="en-US" dirty="0">
+                <a:solidFill>
+                  <a:srgbClr val="080808"/>
+                </a:solidFill>
+                <a:effectLst/>
+                <a:latin typeface="JetBrains Mono"/>
+              </a:rPr>
+              <a:t>= </a:t>
+            </a:r>
+            <a:r>
+              <a:rPr lang="en-US" i="1" dirty="0">
+                <a:solidFill>
+                  <a:srgbClr val="871094"/>
+                </a:solidFill>
+                <a:effectLst/>
+                <a:latin typeface="JetBrains Mono"/>
+              </a:rPr>
+              <a:t>Some</a:t>
+            </a:r>
+            <a:r>
+              <a:rPr lang="en-US" dirty="0">
+                <a:solidFill>
+                  <a:srgbClr val="080808"/>
+                </a:solidFill>
+                <a:effectLst/>
+                <a:latin typeface="JetBrains Mono"/>
+              </a:rPr>
+              <a:t>(</a:t>
+            </a:r>
+            <a:r>
+              <a:rPr lang="en-US" dirty="0">
+                <a:solidFill>
+                  <a:srgbClr val="1750EB"/>
+                </a:solidFill>
+                <a:effectLst/>
+                <a:latin typeface="JetBrains Mono"/>
+              </a:rPr>
+              <a:t>4</a:t>
+            </a:r>
+            <a:r>
+              <a:rPr lang="en-US" dirty="0">
+                <a:solidFill>
+                  <a:srgbClr val="080808"/>
+                </a:solidFill>
+                <a:effectLst/>
+                <a:latin typeface="JetBrains Mono"/>
+              </a:rPr>
+              <a:t>);</a:t>
+            </a:r>
+            <a:br>
+              <a:rPr lang="en-US" dirty="0">
+                <a:solidFill>
+                  <a:srgbClr val="080808"/>
+                </a:solidFill>
+                <a:effectLst/>
+                <a:latin typeface="JetBrains Mono"/>
+              </a:rPr>
+            </a:br>
+            <a:br>
+              <a:rPr lang="en-US" dirty="0">
+                <a:solidFill>
+                  <a:srgbClr val="080808"/>
+                </a:solidFill>
+                <a:effectLst/>
+                <a:latin typeface="JetBrains Mono"/>
+              </a:rPr>
+            </a:br>
+            <a:r>
+              <a:rPr lang="en-US" dirty="0">
+                <a:solidFill>
+                  <a:srgbClr val="0033B3"/>
+                </a:solidFill>
+                <a:effectLst/>
+                <a:latin typeface="JetBrains Mono"/>
+              </a:rPr>
+              <a:t>match </a:t>
+            </a:r>
+            <a:r>
+              <a:rPr lang="en-US" dirty="0">
+                <a:solidFill>
+                  <a:srgbClr val="000000"/>
+                </a:solidFill>
+                <a:effectLst/>
+                <a:latin typeface="JetBrains Mono"/>
+              </a:rPr>
+              <a:t>num </a:t>
+            </a:r>
+            <a:r>
+              <a:rPr lang="en-US" dirty="0">
+                <a:solidFill>
+                  <a:srgbClr val="080808"/>
+                </a:solidFill>
+                <a:effectLst/>
+                <a:latin typeface="JetBrains Mono"/>
+              </a:rPr>
+              <a:t>{</a:t>
+            </a:r>
+            <a:br>
+              <a:rPr lang="en-US" dirty="0">
+                <a:solidFill>
+                  <a:srgbClr val="080808"/>
+                </a:solidFill>
+                <a:effectLst/>
+                <a:latin typeface="JetBrains Mono"/>
+              </a:rPr>
+            </a:br>
+            <a:r>
+              <a:rPr lang="en-US" dirty="0">
+                <a:solidFill>
+                  <a:srgbClr val="080808"/>
+                </a:solidFill>
+                <a:effectLst/>
+                <a:latin typeface="JetBrains Mono"/>
+              </a:rPr>
+              <a:t>    </a:t>
+            </a:r>
+            <a:r>
+              <a:rPr lang="en-US" i="1" dirty="0">
+                <a:solidFill>
+                  <a:srgbClr val="871094"/>
+                </a:solidFill>
+                <a:effectLst/>
+                <a:latin typeface="JetBrains Mono"/>
+              </a:rPr>
+              <a:t>Some</a:t>
+            </a:r>
+            <a:r>
+              <a:rPr lang="en-US" dirty="0">
+                <a:solidFill>
+                  <a:srgbClr val="080808"/>
+                </a:solidFill>
+                <a:effectLst/>
+                <a:latin typeface="JetBrains Mono"/>
+              </a:rPr>
+              <a:t>(</a:t>
+            </a:r>
+            <a:r>
+              <a:rPr lang="en-US" dirty="0">
+                <a:solidFill>
+                  <a:srgbClr val="000000"/>
+                </a:solidFill>
+                <a:effectLst/>
+                <a:latin typeface="JetBrains Mono"/>
+              </a:rPr>
+              <a:t>x</a:t>
+            </a:r>
+            <a:r>
+              <a:rPr lang="en-US" dirty="0">
+                <a:solidFill>
+                  <a:srgbClr val="080808"/>
+                </a:solidFill>
+                <a:effectLst/>
+                <a:latin typeface="JetBrains Mono"/>
+              </a:rPr>
+              <a:t>) </a:t>
+            </a:r>
+            <a:r>
+              <a:rPr lang="en-US" b="1" dirty="0">
+                <a:solidFill>
+                  <a:srgbClr val="0033B3"/>
+                </a:solidFill>
+                <a:effectLst/>
+                <a:latin typeface="JetBrains Mono"/>
+              </a:rPr>
+              <a:t>if </a:t>
+            </a:r>
+            <a:r>
+              <a:rPr lang="en-US" b="1" dirty="0">
+                <a:solidFill>
+                  <a:srgbClr val="000000"/>
+                </a:solidFill>
+                <a:effectLst/>
+                <a:latin typeface="JetBrains Mono"/>
+              </a:rPr>
+              <a:t>x </a:t>
+            </a:r>
+            <a:r>
+              <a:rPr lang="en-US" b="1" dirty="0">
+                <a:solidFill>
+                  <a:srgbClr val="080808"/>
+                </a:solidFill>
+                <a:effectLst/>
+                <a:latin typeface="JetBrains Mono"/>
+              </a:rPr>
+              <a:t>% </a:t>
+            </a:r>
+            <a:r>
+              <a:rPr lang="en-US" b="1" dirty="0">
+                <a:solidFill>
+                  <a:srgbClr val="1750EB"/>
+                </a:solidFill>
+                <a:effectLst/>
+                <a:latin typeface="JetBrains Mono"/>
+              </a:rPr>
+              <a:t>2 </a:t>
+            </a:r>
+            <a:r>
+              <a:rPr lang="en-US" b="1" dirty="0">
+                <a:solidFill>
+                  <a:srgbClr val="080808"/>
+                </a:solidFill>
+                <a:effectLst/>
+                <a:latin typeface="JetBrains Mono"/>
+              </a:rPr>
+              <a:t>== </a:t>
+            </a:r>
+            <a:r>
+              <a:rPr lang="en-US" b="1" dirty="0">
+                <a:solidFill>
+                  <a:srgbClr val="1750EB"/>
+                </a:solidFill>
+                <a:effectLst/>
+                <a:latin typeface="JetBrains Mono"/>
+              </a:rPr>
+              <a:t>0 </a:t>
+            </a:r>
+            <a:r>
+              <a:rPr lang="en-US" dirty="0">
+                <a:solidFill>
+                  <a:srgbClr val="080808"/>
+                </a:solidFill>
+                <a:effectLst/>
+                <a:latin typeface="JetBrains Mono"/>
+              </a:rPr>
+              <a:t>=&gt; </a:t>
+            </a:r>
+            <a:r>
+              <a:rPr lang="en-US" dirty="0" err="1">
+                <a:solidFill>
+                  <a:srgbClr val="DD6718"/>
+                </a:solidFill>
+                <a:effectLst/>
+                <a:latin typeface="JetBrains Mono"/>
+              </a:rPr>
+              <a:t>println</a:t>
+            </a:r>
+            <a:r>
+              <a:rPr lang="en-US" dirty="0">
+                <a:solidFill>
+                  <a:srgbClr val="DD6718"/>
+                </a:solidFill>
+                <a:effectLst/>
+                <a:latin typeface="JetBrains Mono"/>
+              </a:rPr>
+              <a:t>!</a:t>
+            </a:r>
+            <a:r>
+              <a:rPr lang="en-US" dirty="0">
+                <a:solidFill>
+                  <a:srgbClr val="080808"/>
+                </a:solidFill>
+                <a:effectLst/>
+                <a:latin typeface="JetBrains Mono"/>
+              </a:rPr>
+              <a:t>(</a:t>
+            </a:r>
+            <a:r>
+              <a:rPr lang="en-US" dirty="0">
+                <a:solidFill>
+                  <a:srgbClr val="067D17"/>
+                </a:solidFill>
+                <a:effectLst/>
+                <a:latin typeface="JetBrains Mono"/>
+              </a:rPr>
+              <a:t>"The number </a:t>
+            </a:r>
+            <a:r>
+              <a:rPr lang="en-US" dirty="0">
+                <a:solidFill>
+                  <a:srgbClr val="0037A6"/>
+                </a:solidFill>
+                <a:effectLst/>
+                <a:latin typeface="JetBrains Mono"/>
+              </a:rPr>
+              <a:t>{}</a:t>
+            </a:r>
+            <a:r>
+              <a:rPr lang="en-US" dirty="0">
+                <a:solidFill>
+                  <a:srgbClr val="067D17"/>
+                </a:solidFill>
+                <a:effectLst/>
+                <a:latin typeface="JetBrains Mono"/>
+              </a:rPr>
+              <a:t> is even"</a:t>
+            </a:r>
+            <a:r>
+              <a:rPr lang="en-US" dirty="0">
+                <a:solidFill>
+                  <a:srgbClr val="080808"/>
+                </a:solidFill>
+                <a:effectLst/>
+                <a:latin typeface="JetBrains Mono"/>
+              </a:rPr>
+              <a:t>, </a:t>
+            </a:r>
+            <a:r>
+              <a:rPr lang="en-US" dirty="0">
+                <a:solidFill>
+                  <a:srgbClr val="000000"/>
+                </a:solidFill>
+                <a:effectLst/>
+                <a:latin typeface="JetBrains Mono"/>
+              </a:rPr>
+              <a:t>x</a:t>
+            </a:r>
+            <a:r>
+              <a:rPr lang="en-US" dirty="0">
+                <a:solidFill>
+                  <a:srgbClr val="080808"/>
+                </a:solidFill>
+                <a:effectLst/>
+                <a:latin typeface="JetBrains Mono"/>
+              </a:rPr>
+              <a:t>),</a:t>
+            </a:r>
+            <a:br>
+              <a:rPr lang="en-US" dirty="0">
+                <a:solidFill>
+                  <a:srgbClr val="080808"/>
+                </a:solidFill>
+                <a:effectLst/>
+                <a:latin typeface="JetBrains Mono"/>
+              </a:rPr>
+            </a:br>
+            <a:r>
+              <a:rPr lang="en-US" dirty="0">
+                <a:solidFill>
+                  <a:srgbClr val="080808"/>
+                </a:solidFill>
+                <a:effectLst/>
+                <a:latin typeface="JetBrains Mono"/>
+              </a:rPr>
+              <a:t>    </a:t>
+            </a:r>
+            <a:r>
+              <a:rPr lang="en-US" i="1" dirty="0">
+                <a:solidFill>
+                  <a:srgbClr val="871094"/>
+                </a:solidFill>
+                <a:effectLst/>
+                <a:latin typeface="JetBrains Mono"/>
+              </a:rPr>
+              <a:t>Some</a:t>
+            </a:r>
+            <a:r>
+              <a:rPr lang="en-US" dirty="0">
+                <a:solidFill>
+                  <a:srgbClr val="080808"/>
+                </a:solidFill>
+                <a:effectLst/>
+                <a:latin typeface="JetBrains Mono"/>
+              </a:rPr>
+              <a:t>(</a:t>
+            </a:r>
+            <a:r>
+              <a:rPr lang="en-US" dirty="0">
+                <a:solidFill>
+                  <a:srgbClr val="000000"/>
+                </a:solidFill>
+                <a:effectLst/>
+                <a:latin typeface="JetBrains Mono"/>
+              </a:rPr>
+              <a:t>x</a:t>
+            </a:r>
+            <a:r>
+              <a:rPr lang="en-US" dirty="0">
+                <a:solidFill>
+                  <a:srgbClr val="080808"/>
+                </a:solidFill>
+                <a:effectLst/>
+                <a:latin typeface="JetBrains Mono"/>
+              </a:rPr>
+              <a:t>) =&gt; </a:t>
+            </a:r>
+            <a:r>
+              <a:rPr lang="en-US" dirty="0" err="1">
+                <a:solidFill>
+                  <a:srgbClr val="DD6718"/>
+                </a:solidFill>
+                <a:effectLst/>
+                <a:latin typeface="JetBrains Mono"/>
+              </a:rPr>
+              <a:t>println</a:t>
+            </a:r>
+            <a:r>
+              <a:rPr lang="en-US" dirty="0">
+                <a:solidFill>
+                  <a:srgbClr val="DD6718"/>
+                </a:solidFill>
+                <a:effectLst/>
+                <a:latin typeface="JetBrains Mono"/>
+              </a:rPr>
+              <a:t>!</a:t>
+            </a:r>
+            <a:r>
+              <a:rPr lang="en-US" dirty="0">
+                <a:solidFill>
+                  <a:srgbClr val="080808"/>
+                </a:solidFill>
+                <a:effectLst/>
+                <a:latin typeface="JetBrains Mono"/>
+              </a:rPr>
+              <a:t>(</a:t>
+            </a:r>
+            <a:r>
+              <a:rPr lang="en-US" dirty="0">
+                <a:solidFill>
+                  <a:srgbClr val="067D17"/>
+                </a:solidFill>
+                <a:effectLst/>
+                <a:latin typeface="JetBrains Mono"/>
+              </a:rPr>
+              <a:t>"The number </a:t>
+            </a:r>
+            <a:r>
+              <a:rPr lang="en-US" dirty="0">
+                <a:solidFill>
+                  <a:srgbClr val="0037A6"/>
+                </a:solidFill>
+                <a:effectLst/>
+                <a:latin typeface="JetBrains Mono"/>
+              </a:rPr>
+              <a:t>{}</a:t>
+            </a:r>
+            <a:r>
+              <a:rPr lang="en-US" dirty="0">
+                <a:solidFill>
+                  <a:srgbClr val="067D17"/>
+                </a:solidFill>
+                <a:effectLst/>
+                <a:latin typeface="JetBrains Mono"/>
+              </a:rPr>
+              <a:t> is odd"</a:t>
+            </a:r>
+            <a:r>
+              <a:rPr lang="en-US" dirty="0">
+                <a:solidFill>
+                  <a:srgbClr val="080808"/>
+                </a:solidFill>
+                <a:effectLst/>
+                <a:latin typeface="JetBrains Mono"/>
+              </a:rPr>
+              <a:t>, </a:t>
+            </a:r>
+            <a:r>
+              <a:rPr lang="en-US" dirty="0">
+                <a:solidFill>
+                  <a:srgbClr val="000000"/>
+                </a:solidFill>
+                <a:effectLst/>
+                <a:latin typeface="JetBrains Mono"/>
+              </a:rPr>
+              <a:t>x</a:t>
+            </a:r>
+            <a:r>
+              <a:rPr lang="en-US" dirty="0">
+                <a:solidFill>
+                  <a:srgbClr val="080808"/>
+                </a:solidFill>
+                <a:effectLst/>
+                <a:latin typeface="JetBrains Mono"/>
+              </a:rPr>
+              <a:t>),</a:t>
+            </a:r>
+            <a:br>
+              <a:rPr lang="en-US" dirty="0">
+                <a:solidFill>
+                  <a:srgbClr val="080808"/>
+                </a:solidFill>
+                <a:effectLst/>
+                <a:latin typeface="JetBrains Mono"/>
+              </a:rPr>
+            </a:br>
+            <a:r>
+              <a:rPr lang="en-US" dirty="0">
+                <a:solidFill>
+                  <a:srgbClr val="080808"/>
+                </a:solidFill>
+                <a:effectLst/>
+                <a:latin typeface="JetBrains Mono"/>
+              </a:rPr>
+              <a:t>    </a:t>
+            </a:r>
+            <a:r>
+              <a:rPr lang="en-US" i="1" dirty="0">
+                <a:solidFill>
+                  <a:srgbClr val="871094"/>
+                </a:solidFill>
+                <a:effectLst/>
+                <a:latin typeface="JetBrains Mono"/>
+              </a:rPr>
+              <a:t>None </a:t>
+            </a:r>
+            <a:r>
+              <a:rPr lang="en-US" dirty="0">
+                <a:solidFill>
+                  <a:srgbClr val="080808"/>
+                </a:solidFill>
+                <a:effectLst/>
+                <a:latin typeface="JetBrains Mono"/>
+              </a:rPr>
+              <a:t>=&gt; (),</a:t>
+            </a:r>
+            <a:br>
+              <a:rPr lang="en-US" dirty="0">
+                <a:solidFill>
+                  <a:srgbClr val="080808"/>
+                </a:solidFill>
+                <a:effectLst/>
+                <a:latin typeface="JetBrains Mono"/>
+              </a:rPr>
+            </a:br>
+            <a:r>
+              <a:rPr lang="en-US" dirty="0">
+                <a:solidFill>
+                  <a:srgbClr val="080808"/>
+                </a:solidFill>
+                <a:effectLst/>
+                <a:latin typeface="JetBrains Mono"/>
+              </a:rPr>
+              <a:t>}</a:t>
+            </a:r>
+          </a:p>
+          <a:p>
+            <a:pPr marL="0" indent="0">
+              <a:buNone/>
+            </a:pPr>
+            <a:endParaRPr lang="ru-RU" dirty="0"/>
+          </a:p>
+        </p:txBody>
+      </p:sp>
+    </p:spTree>
+    <p:extLst>
+      <p:ext uri="{BB962C8B-B14F-4D97-AF65-F5344CB8AC3E}">
+        <p14:creationId xmlns:p14="http://schemas.microsoft.com/office/powerpoint/2010/main" val="1155675239"/>
+      </p:ext>
+    </p:extLst>
+  </p:cSld>
+  <p:clrMapOvr>
+    <a:masterClrMapping/>
+  </p:clrMapOvr>
+</p:sld>
+</file>
+
+<file path=ppt/slides/slide41.xml><?xml version="1.0" encoding="utf-8"?>
+<p:sld xmlns:a="http://schemas.openxmlformats.org/drawingml/2006/main" xmlns:r="http://schemas.openxmlformats.org/officeDocument/2006/relationships" xmlns:p="http://schemas.openxmlformats.org/presentationml/2006/main">
+  <p:cSld>
+    <p:spTree>
+      <p:nvGrpSpPr>
+        <p:cNvPr id="1" name=""/>
+        <p:cNvGrpSpPr/>
+        <p:nvPr/>
+      </p:nvGrpSpPr>
+      <p:grpSpPr>
+        <a:xfrm>
+          <a:off x="0" y="0"/>
+          <a:ext cx="0" cy="0"/>
+          <a:chOff x="0" y="0"/>
+          <a:chExt cx="0" cy="0"/>
+        </a:xfrm>
+      </p:grpSpPr>
+      <p:sp>
+        <p:nvSpPr>
+          <p:cNvPr id="2" name="Title 1">
+            <a:extLst>
+              <a:ext uri="{FF2B5EF4-FFF2-40B4-BE49-F238E27FC236}">
                 <a16:creationId xmlns:a16="http://schemas.microsoft.com/office/drawing/2014/main" id="{1460DFD0-0892-04F2-B017-9DB943F0E1DE}"/>
               </a:ext>
             </a:extLst>
@@ -34797,7 +36909,7 @@
 </p:sld>
 </file>
 
-<file path=ppt/slides/slide41.xml><?xml version="1.0" encoding="utf-8"?>
+<file path=ppt/slides/slide42.xml><?xml version="1.0" encoding="utf-8"?>
 <p:sld xmlns:a="http://schemas.openxmlformats.org/drawingml/2006/main" xmlns:r="http://schemas.openxmlformats.org/officeDocument/2006/relationships" xmlns:p="http://schemas.openxmlformats.org/presentationml/2006/main">
   <p:cSld>
     <p:spTree>
@@ -35343,7 +37455,7 @@
 </p:sld>
 </file>
 
-<file path=ppt/slides/slide42.xml><?xml version="1.0" encoding="utf-8"?>
+<file path=ppt/slides/slide43.xml><?xml version="1.0" encoding="utf-8"?>
 <p:sld xmlns:a="http://schemas.openxmlformats.org/drawingml/2006/main" xmlns:r="http://schemas.openxmlformats.org/officeDocument/2006/relationships" xmlns:p="http://schemas.openxmlformats.org/presentationml/2006/main">
   <p:cSld>
     <p:spTree>
@@ -35710,7 +37822,7 @@
 </p:sld>
 </file>
 
-<file path=ppt/slides/slide43.xml><?xml version="1.0" encoding="utf-8"?>
+<file path=ppt/slides/slide44.xml><?xml version="1.0" encoding="utf-8"?>
 <p:sld xmlns:a="http://schemas.openxmlformats.org/drawingml/2006/main" xmlns:r="http://schemas.openxmlformats.org/officeDocument/2006/relationships" xmlns:p="http://schemas.openxmlformats.org/presentationml/2006/main">
   <p:cSld>
     <p:spTree>
@@ -36432,7 +38544,7 @@
 </p:sld>
 </file>
 
-<file path=ppt/slides/slide44.xml><?xml version="1.0" encoding="utf-8"?>
+<file path=ppt/slides/slide45.xml><?xml version="1.0" encoding="utf-8"?>
 <p:sld xmlns:a="http://schemas.openxmlformats.org/drawingml/2006/main" xmlns:r="http://schemas.openxmlformats.org/officeDocument/2006/relationships" xmlns:p="http://schemas.openxmlformats.org/presentationml/2006/main">
   <p:cSld>
     <p:spTree>
@@ -37006,7 +39118,7 @@
 </p:sld>
 </file>
 
-<file path=ppt/slides/slide45.xml><?xml version="1.0" encoding="utf-8"?>
+<file path=ppt/slides/slide46.xml><?xml version="1.0" encoding="utf-8"?>
 <p:sld xmlns:a="http://schemas.openxmlformats.org/drawingml/2006/main" xmlns:r="http://schemas.openxmlformats.org/officeDocument/2006/relationships" xmlns:p="http://schemas.openxmlformats.org/presentationml/2006/main">
   <p:cSld>
     <p:spTree>
@@ -37285,7 +39397,7 @@
 </p:sld>
 </file>
 
-<file path=ppt/slides/slide46.xml><?xml version="1.0" encoding="utf-8"?>
+<file path=ppt/slides/slide47.xml><?xml version="1.0" encoding="utf-8"?>
 <p:sld xmlns:a="http://schemas.openxmlformats.org/drawingml/2006/main" xmlns:r="http://schemas.openxmlformats.org/officeDocument/2006/relationships" xmlns:p="http://schemas.openxmlformats.org/presentationml/2006/main">
   <p:cSld>
     <p:spTree>
@@ -38327,7 +40439,7 @@
 </p:sld>
 </file>
 
-<file path=ppt/slides/slide47.xml><?xml version="1.0" encoding="utf-8"?>
+<file path=ppt/slides/slide48.xml><?xml version="1.0" encoding="utf-8"?>
 <p:sld xmlns:a="http://schemas.openxmlformats.org/drawingml/2006/main" xmlns:r="http://schemas.openxmlformats.org/officeDocument/2006/relationships" xmlns:p="http://schemas.openxmlformats.org/presentationml/2006/main">
   <p:cSld>
     <p:spTree>
@@ -39565,7 +41677,7 @@
 </p:sld>
 </file>
 
-<file path=ppt/slides/slide48.xml><?xml version="1.0" encoding="utf-8"?>
+<file path=ppt/slides/slide49.xml><?xml version="1.0" encoding="utf-8"?>
 <p:sld xmlns:a="http://schemas.openxmlformats.org/drawingml/2006/main" xmlns:r="http://schemas.openxmlformats.org/officeDocument/2006/relationships" xmlns:p="http://schemas.openxmlformats.org/presentationml/2006/main">
   <p:cSld>
     <p:spTree>
@@ -39587,7 +41699,7 @@
           <p:cNvPr id="2" name="Title 1">
             <a:extLst>
               <a:ext uri="{FF2B5EF4-FFF2-40B4-BE49-F238E27FC236}">
-                <a16:creationId xmlns:a16="http://schemas.microsoft.com/office/drawing/2014/main" id="{6EAC2F57-76F8-946A-9A2F-91D6B0DFCD10}"/>
+                <a16:creationId xmlns:a16="http://schemas.microsoft.com/office/drawing/2014/main" id="{56030DC6-DB35-440B-A2A7-2037D5F6EB78}"/>
               </a:ext>
             </a:extLst>
           </p:cNvPr>
@@ -39605,18 +41717,17 @@
           <a:p>
             <a:r>
               <a:rPr lang="en-US" dirty="0"/>
-              <a:t>Homework</a:t>
-            </a:r>
-            <a:endParaRPr lang="ru-RU" dirty="0"/>
+              <a:t>Practice: Discriminated Union</a:t>
+            </a:r>
           </a:p>
         </p:txBody>
       </p:sp>
       <p:sp>
         <p:nvSpPr>
-          <p:cNvPr id="3" name="Content Placeholder 2">
+          <p:cNvPr id="5" name="Content Placeholder 4">
             <a:extLst>
               <a:ext uri="{FF2B5EF4-FFF2-40B4-BE49-F238E27FC236}">
-                <a16:creationId xmlns:a16="http://schemas.microsoft.com/office/drawing/2014/main" id="{357DED15-6CD3-6C54-F2B8-38B251C4BF7A}"/>
+                <a16:creationId xmlns:a16="http://schemas.microsoft.com/office/drawing/2014/main" id="{56F509F5-7FC6-88D9-7542-D83DCAB6E89C}"/>
               </a:ext>
             </a:extLst>
           </p:cNvPr>
@@ -39629,17 +41740,164 @@
         </p:nvSpPr>
         <p:spPr/>
         <p:txBody>
-          <a:bodyPr/>
+          <a:bodyPr>
+            <a:normAutofit fontScale="85000" lnSpcReduction="20000"/>
+          </a:bodyPr>
           <a:lstStyle/>
           <a:p>
-            <a:endParaRPr lang="ru-RU"/>
+            <a:r>
+              <a:rPr lang="en-US" dirty="0" err="1"/>
+              <a:t>CardId</a:t>
+            </a:r>
+            <a:r>
+              <a:rPr lang="en-US" dirty="0"/>
+              <a:t>(string)</a:t>
+            </a:r>
+          </a:p>
+          <a:p>
+            <a:r>
+              <a:rPr lang="en-US" dirty="0" err="1"/>
+              <a:t>CryptoNetwork</a:t>
+            </a:r>
+            <a:endParaRPr lang="en-US" dirty="0"/>
+          </a:p>
+          <a:p>
+            <a:pPr lvl="1"/>
+            <a:r>
+              <a:rPr lang="en-US" dirty="0"/>
+              <a:t>BTC</a:t>
+            </a:r>
+          </a:p>
+          <a:p>
+            <a:pPr lvl="1"/>
+            <a:r>
+              <a:rPr lang="en-US" dirty="0"/>
+              <a:t>ETH</a:t>
+            </a:r>
+          </a:p>
+          <a:p>
+            <a:pPr lvl="1"/>
+            <a:r>
+              <a:rPr lang="en-US" dirty="0" err="1"/>
+              <a:t>ScamNetwork</a:t>
+            </a:r>
+            <a:endParaRPr lang="en-US" dirty="0"/>
+          </a:p>
+          <a:p>
+            <a:pPr lvl="1"/>
+            <a:r>
+              <a:rPr lang="en-US" dirty="0"/>
+              <a:t>Other(string)</a:t>
+            </a:r>
+          </a:p>
+          <a:p>
+            <a:r>
+              <a:rPr lang="en-US" dirty="0" err="1"/>
+              <a:t>WalletAddress</a:t>
+            </a:r>
+            <a:r>
+              <a:rPr lang="en-US" dirty="0"/>
+              <a:t>(string)</a:t>
+            </a:r>
+          </a:p>
+          <a:p>
+            <a:r>
+              <a:rPr lang="en-US" dirty="0" err="1"/>
+              <a:t>CheckInfo</a:t>
+            </a:r>
+            <a:r>
+              <a:rPr lang="en-US" dirty="0"/>
+              <a:t>(owner: string, bank: string, </a:t>
+            </a:r>
+            <a:r>
+              <a:rPr lang="en-US" dirty="0" err="1"/>
+              <a:t>dueTime</a:t>
+            </a:r>
+            <a:r>
+              <a:rPr lang="en-US" dirty="0"/>
+              <a:t>: u64)</a:t>
+            </a:r>
+          </a:p>
+          <a:p>
+            <a:r>
+              <a:rPr lang="en-US" dirty="0" err="1"/>
+              <a:t>PaymentMethod</a:t>
+            </a:r>
+            <a:endParaRPr lang="en-US" dirty="0"/>
+          </a:p>
+          <a:p>
+            <a:pPr lvl="1"/>
+            <a:r>
+              <a:rPr lang="en-US" dirty="0"/>
+              <a:t>Cash</a:t>
+            </a:r>
+          </a:p>
+          <a:p>
+            <a:pPr lvl="1"/>
+            <a:r>
+              <a:rPr lang="en-US" dirty="0" err="1"/>
+              <a:t>BankCard</a:t>
+            </a:r>
+            <a:r>
+              <a:rPr lang="en-US" dirty="0"/>
+              <a:t>(</a:t>
+            </a:r>
+            <a:r>
+              <a:rPr lang="en-US" dirty="0" err="1"/>
+              <a:t>CardId</a:t>
+            </a:r>
+            <a:r>
+              <a:rPr lang="en-US" dirty="0"/>
+              <a:t>)</a:t>
+            </a:r>
+          </a:p>
+          <a:p>
+            <a:pPr lvl="1"/>
+            <a:r>
+              <a:rPr lang="en-US" dirty="0"/>
+              <a:t>Crypto(</a:t>
+            </a:r>
+            <a:r>
+              <a:rPr lang="en-US" dirty="0" err="1"/>
+              <a:t>CryptoNetwork</a:t>
+            </a:r>
+            <a:r>
+              <a:rPr lang="en-US" dirty="0"/>
+              <a:t>, </a:t>
+            </a:r>
+            <a:r>
+              <a:rPr lang="en-US" dirty="0" err="1"/>
+              <a:t>WalletAddress</a:t>
+            </a:r>
+            <a:r>
+              <a:rPr lang="en-US" dirty="0"/>
+              <a:t>)</a:t>
+            </a:r>
+          </a:p>
+          <a:p>
+            <a:pPr lvl="1"/>
+            <a:r>
+              <a:rPr lang="en-US" dirty="0"/>
+              <a:t>Check(</a:t>
+            </a:r>
+            <a:r>
+              <a:rPr lang="en-US" dirty="0" err="1"/>
+              <a:t>CheckInfo</a:t>
+            </a:r>
+            <a:r>
+              <a:rPr lang="en-US" dirty="0"/>
+              <a:t>)</a:t>
+            </a:r>
+          </a:p>
+          <a:p>
+            <a:endParaRPr lang="en-US" dirty="0"/>
           </a:p>
         </p:txBody>
       </p:sp>
     </p:spTree>
     <p:extLst>
       <p:ext uri="{BB962C8B-B14F-4D97-AF65-F5344CB8AC3E}">
-        <p14:creationId xmlns:p14="http://schemas.microsoft.com/office/powerpoint/2010/main" val="1237145490"/>
+        <p14:creationId xmlns:p14="http://schemas.microsoft.com/office/powerpoint/2010/main" val="1033325714"/>
       </p:ext>
     </p:extLst>
   </p:cSld>
@@ -40402,6 +42660,239 @@
       <p:bldP spid="3" grpId="0" build="p"/>
     </p:bldLst>
   </p:timing>
+</p:sld>
+</file>
+
+<file path=ppt/slides/slide50.xml><?xml version="1.0" encoding="utf-8"?>
+<p:sld xmlns:a="http://schemas.openxmlformats.org/drawingml/2006/main" xmlns:r="http://schemas.openxmlformats.org/officeDocument/2006/relationships" xmlns:p="http://schemas.openxmlformats.org/presentationml/2006/main">
+  <p:cSld>
+    <p:spTree>
+      <p:nvGrpSpPr>
+        <p:cNvPr id="1" name=""/>
+        <p:cNvGrpSpPr/>
+        <p:nvPr/>
+      </p:nvGrpSpPr>
+      <p:grpSpPr>
+        <a:xfrm>
+          <a:off x="0" y="0"/>
+          <a:ext cx="0" cy="0"/>
+          <a:chOff x="0" y="0"/>
+          <a:chExt cx="0" cy="0"/>
+        </a:xfrm>
+      </p:grpSpPr>
+      <p:sp>
+        <p:nvSpPr>
+          <p:cNvPr id="2" name="Title 1">
+            <a:extLst>
+              <a:ext uri="{FF2B5EF4-FFF2-40B4-BE49-F238E27FC236}">
+                <a16:creationId xmlns:a16="http://schemas.microsoft.com/office/drawing/2014/main" id="{6EAC2F57-76F8-946A-9A2F-91D6B0DFCD10}"/>
+              </a:ext>
+            </a:extLst>
+          </p:cNvPr>
+          <p:cNvSpPr>
+            <a:spLocks noGrp="1"/>
+          </p:cNvSpPr>
+          <p:nvPr>
+            <p:ph type="title"/>
+          </p:nvPr>
+        </p:nvSpPr>
+        <p:spPr/>
+        <p:txBody>
+          <a:bodyPr/>
+          <a:lstStyle/>
+          <a:p>
+            <a:r>
+              <a:rPr lang="en-US" dirty="0"/>
+              <a:t>Homework</a:t>
+            </a:r>
+            <a:endParaRPr lang="ru-RU" dirty="0"/>
+          </a:p>
+        </p:txBody>
+      </p:sp>
+      <p:sp>
+        <p:nvSpPr>
+          <p:cNvPr id="3" name="Content Placeholder 2">
+            <a:extLst>
+              <a:ext uri="{FF2B5EF4-FFF2-40B4-BE49-F238E27FC236}">
+                <a16:creationId xmlns:a16="http://schemas.microsoft.com/office/drawing/2014/main" id="{357DED15-6CD3-6C54-F2B8-38B251C4BF7A}"/>
+              </a:ext>
+            </a:extLst>
+          </p:cNvPr>
+          <p:cNvSpPr>
+            <a:spLocks noGrp="1"/>
+          </p:cNvSpPr>
+          <p:nvPr>
+            <p:ph idx="1"/>
+          </p:nvPr>
+        </p:nvSpPr>
+        <p:spPr/>
+        <p:txBody>
+          <a:bodyPr>
+            <a:normAutofit lnSpcReduction="10000"/>
+          </a:bodyPr>
+          <a:lstStyle/>
+          <a:p>
+            <a:r>
+              <a:rPr lang="en-US" dirty="0"/>
+              <a:t>Rustlings:</a:t>
+            </a:r>
+          </a:p>
+          <a:p>
+            <a:pPr lvl="1"/>
+            <a:r>
+              <a:rPr lang="en-US" b="0" i="0" dirty="0">
+                <a:solidFill>
+                  <a:srgbClr val="1F2328"/>
+                </a:solidFill>
+                <a:effectLst/>
+                <a:latin typeface="-apple-system"/>
+              </a:rPr>
+              <a:t>functions</a:t>
+            </a:r>
+          </a:p>
+          <a:p>
+            <a:pPr lvl="1"/>
+            <a:r>
+              <a:rPr lang="en-US" b="0" i="0" dirty="0" err="1">
+                <a:solidFill>
+                  <a:srgbClr val="1F2328"/>
+                </a:solidFill>
+                <a:effectLst/>
+                <a:latin typeface="-apple-system"/>
+              </a:rPr>
+              <a:t>enums</a:t>
+            </a:r>
+            <a:endParaRPr lang="en-US" b="0" i="0" dirty="0">
+              <a:solidFill>
+                <a:srgbClr val="1F2328"/>
+              </a:solidFill>
+              <a:effectLst/>
+              <a:latin typeface="-apple-system"/>
+            </a:endParaRPr>
+          </a:p>
+          <a:p>
+            <a:r>
+              <a:rPr lang="en-US" dirty="0" err="1"/>
+              <a:t>Coursware</a:t>
+            </a:r>
+            <a:r>
+              <a:rPr lang="en-US" dirty="0"/>
+              <a:t>:</a:t>
+            </a:r>
+          </a:p>
+          <a:p>
+            <a:pPr lvl="1"/>
+            <a:r>
+              <a:rPr lang="en-US" dirty="0"/>
+              <a:t>Support in text search</a:t>
+            </a:r>
+          </a:p>
+          <a:p>
+            <a:pPr lvl="2"/>
+            <a:r>
+              <a:rPr lang="en-US" dirty="0"/>
+              <a:t>Add --in-file key for .txt and .</a:t>
+            </a:r>
+            <a:r>
+              <a:rPr lang="en-US" dirty="0" err="1"/>
+              <a:t>rs</a:t>
+            </a:r>
+            <a:r>
+              <a:rPr lang="en-US" dirty="0"/>
+              <a:t> files</a:t>
+            </a:r>
+          </a:p>
+          <a:p>
+            <a:pPr lvl="2"/>
+            <a:r>
+              <a:rPr lang="en-US" dirty="0"/>
+              <a:t>Refactor:</a:t>
+            </a:r>
+          </a:p>
+          <a:p>
+            <a:pPr lvl="3"/>
+            <a:r>
+              <a:rPr lang="en-US" dirty="0"/>
+              <a:t>Create </a:t>
+            </a:r>
+            <a:r>
+              <a:rPr lang="en-US" dirty="0" err="1"/>
+              <a:t>enum</a:t>
+            </a:r>
+            <a:r>
+              <a:rPr lang="en-US" dirty="0"/>
+              <a:t> </a:t>
+            </a:r>
+            <a:r>
+              <a:rPr lang="en-US" dirty="0" err="1"/>
+              <a:t>Occurience</a:t>
+            </a:r>
+            <a:r>
+              <a:rPr lang="en-US" dirty="0"/>
+              <a:t> </a:t>
+            </a:r>
+          </a:p>
+          <a:p>
+            <a:pPr lvl="4"/>
+            <a:r>
+              <a:rPr lang="en-US" dirty="0"/>
+              <a:t>File</a:t>
+            </a:r>
+          </a:p>
+          <a:p>
+            <a:pPr lvl="4"/>
+            <a:r>
+              <a:rPr lang="en-US" dirty="0"/>
+              <a:t>Directory</a:t>
+            </a:r>
+          </a:p>
+          <a:p>
+            <a:pPr lvl="4"/>
+            <a:r>
+              <a:rPr lang="en-US" dirty="0" err="1"/>
+              <a:t>TextFile</a:t>
+            </a:r>
+            <a:endParaRPr lang="en-US" dirty="0"/>
+          </a:p>
+          <a:p>
+            <a:pPr lvl="3"/>
+            <a:r>
+              <a:rPr lang="en-US" dirty="0"/>
+              <a:t>At first, scan directory and fill Occurrences</a:t>
+            </a:r>
+          </a:p>
+          <a:p>
+            <a:pPr lvl="3"/>
+            <a:r>
+              <a:rPr lang="en-US" dirty="0"/>
+              <a:t>Second, go through Occurrences and apply </a:t>
+            </a:r>
+            <a:r>
+              <a:rPr lang="en-US" dirty="0" err="1"/>
+              <a:t>filtring</a:t>
+            </a:r>
+            <a:r>
+              <a:rPr lang="en-US"/>
+              <a:t>/sorting</a:t>
+            </a:r>
+            <a:endParaRPr lang="en-US" dirty="0"/>
+          </a:p>
+          <a:p>
+            <a:pPr lvl="2"/>
+            <a:endParaRPr lang="ru-RU" dirty="0"/>
+          </a:p>
+        </p:txBody>
+      </p:sp>
+    </p:spTree>
+    <p:extLst>
+      <p:ext uri="{BB962C8B-B14F-4D97-AF65-F5344CB8AC3E}">
+        <p14:creationId xmlns:p14="http://schemas.microsoft.com/office/powerpoint/2010/main" val="1237145490"/>
+      </p:ext>
+    </p:extLst>
+  </p:cSld>
+  <p:clrMapOvr>
+    <a:masterClrMapping/>
+  </p:clrMapOvr>
 </p:sld>
 </file>
 
